--- a/проект starvesurvival.pptx
+++ b/проект starvesurvival.pptx
@@ -7,28 +7,29 @@
   <p:sldIdLst>
     <p:sldId id="256" r:id="rId3"/>
     <p:sldId id="320" r:id="rId4"/>
-    <p:sldId id="261" r:id="rId5"/>
-    <p:sldId id="259" r:id="rId6"/>
-    <p:sldId id="266" r:id="rId7"/>
+    <p:sldId id="333" r:id="rId5"/>
+    <p:sldId id="261" r:id="rId6"/>
+    <p:sldId id="259" r:id="rId7"/>
     <p:sldId id="291" r:id="rId8"/>
-    <p:sldId id="260" r:id="rId9"/>
-    <p:sldId id="258" r:id="rId10"/>
-    <p:sldId id="265" r:id="rId11"/>
-    <p:sldId id="257" r:id="rId12"/>
-    <p:sldId id="292" r:id="rId13"/>
-    <p:sldId id="262" r:id="rId14"/>
-    <p:sldId id="295" r:id="rId15"/>
+    <p:sldId id="266" r:id="rId9"/>
+    <p:sldId id="260" r:id="rId10"/>
+    <p:sldId id="258" r:id="rId11"/>
+    <p:sldId id="265" r:id="rId12"/>
+    <p:sldId id="332" r:id="rId13"/>
+    <p:sldId id="257" r:id="rId14"/>
+    <p:sldId id="334" r:id="rId15"/>
+    <p:sldId id="295" r:id="rId16"/>
   </p:sldIdLst>
   <p:sldSz cx="12192000" cy="6858000"/>
   <p:notesSz cx="6858000" cy="9144000"/>
   <p:embeddedFontLst>
     <p:embeddedFont>
       <p:font typeface="等线 Light" panose="02010600030101010101" charset="-122"/>
-      <p:regular r:id="rId20"/>
+      <p:regular r:id="rId21"/>
     </p:embeddedFont>
     <p:embeddedFont>
       <p:font typeface="等线" panose="02010600030101010101" charset="-122"/>
-      <p:regular r:id="rId21"/>
+      <p:regular r:id="rId22"/>
     </p:embeddedFont>
   </p:embeddedFontLst>
   <p:defaultTextStyle>
@@ -129,12 +130,12 @@
   <p:extLst>
     <p:ext uri="{EFAFB233-063F-42B5-8137-9DF3F51BA10A}">
       <p15:sldGuideLst xmlns:p15="http://schemas.microsoft.com/office/powerpoint/2012/main">
-        <p15:guide id="1" orient="horz" pos="2160" userDrawn="1">
+        <p15:guide id="1" orient="horz" pos="2150" userDrawn="1">
           <p15:clr>
             <a:srgbClr val="A4A3A4"/>
           </p15:clr>
         </p15:guide>
-        <p15:guide id="2" pos="3840" userDrawn="1">
+        <p15:guide id="2" pos="3875" userDrawn="1">
           <p15:clr>
             <a:srgbClr val="A4A3A4"/>
           </p15:clr>
@@ -1687,7 +1688,7 @@
         </p:nvSpPr>
         <p:spPr>
           <a:xfrm>
-            <a:off x="2062480" y="1896110"/>
+            <a:off x="2257425" y="1896110"/>
             <a:ext cx="6645275" cy="1198880"/>
           </a:xfrm>
           <a:prstGeom prst="rect">
@@ -2569,6 +2570,1378 @@
         <p:spPr>
           <a:xfrm>
             <a:off x="4399281" y="392370"/>
+            <a:ext cx="3393438" cy="398780"/>
+          </a:xfrm>
+          <a:prstGeom prst="rect">
+            <a:avLst/>
+          </a:prstGeom>
+          <a:noFill/>
+        </p:spPr>
+        <p:txBody>
+          <a:bodyPr wrap="square" rtlCol="0">
+            <a:spAutoFit/>
+          </a:bodyPr>
+          <a:lstStyle/>
+          <a:p>
+            <a:pPr algn="ctr"/>
+            <a:r>
+              <a:rPr lang="ru-RU" altLang="en-US" sz="2000" dirty="0">
+                <a:latin typeface="Arial" panose="020B0604020202020204" pitchFamily="34" charset="0"/>
+                <a:ea typeface="Droid Sans Fallback" panose="020B0502000000000001" pitchFamily="50" charset="-128"/>
+                <a:cs typeface="Arial" panose="020B0604020202020204" pitchFamily="34" charset="0"/>
+                <a:sym typeface="Arial" panose="020B0604020202020204" pitchFamily="34" charset="0"/>
+              </a:rPr>
+              <a:t>Системы и показатели</a:t>
+            </a:r>
+            <a:endParaRPr lang="ru-RU" altLang="en-US" sz="2000" dirty="0">
+              <a:latin typeface="Arial" panose="020B0604020202020204" pitchFamily="34" charset="0"/>
+              <a:ea typeface="Droid Sans Fallback" panose="020B0502000000000001" pitchFamily="50" charset="-128"/>
+              <a:cs typeface="Arial" panose="020B0604020202020204" pitchFamily="34" charset="0"/>
+              <a:sym typeface="Arial" panose="020B0604020202020204" pitchFamily="34" charset="0"/>
+            </a:endParaRPr>
+          </a:p>
+        </p:txBody>
+      </p:sp>
+      <p:graphicFrame>
+        <p:nvGraphicFramePr>
+          <p:cNvPr id="2" name="Объект 1"/>
+          <p:cNvGraphicFramePr/>
+          <p:nvPr/>
+        </p:nvGraphicFramePr>
+        <p:xfrm>
+          <a:off x="923290" y="2110105"/>
+          <a:ext cx="3786505" cy="1673225"/>
+        </p:xfrm>
+        <a:graphic>
+          <a:graphicData uri="http://schemas.openxmlformats.org/presentationml/2006/ole">
+            <mc:AlternateContent xmlns:mc="http://schemas.openxmlformats.org/markup-compatibility/2006">
+              <mc:Choice xmlns:v="urn:schemas-microsoft-com:vml" Requires="v">
+                <p:oleObj spid="_x0000_s3" name="" r:id="rId1" imgW="1219200" imgH="504825" progId="Paint.Picture">
+                  <p:embed/>
+                </p:oleObj>
+              </mc:Choice>
+              <mc:Fallback>
+                <p:oleObj name="" r:id="rId1" imgW="1219200" imgH="504825" progId="Paint.Picture">
+                  <p:embed/>
+                  <p:pic>
+                    <p:nvPicPr>
+                      <p:cNvPr id="0" name="Изображение 2"/>
+                      <p:cNvPicPr/>
+                      <p:nvPr/>
+                    </p:nvPicPr>
+                    <p:blipFill>
+                      <a:blip r:embed="rId2"/>
+                      <a:stretch>
+                        <a:fillRect/>
+                      </a:stretch>
+                    </p:blipFill>
+                    <p:spPr>
+                      <a:xfrm>
+                        <a:off x="923290" y="2110105"/>
+                        <a:ext cx="3786505" cy="1673225"/>
+                      </a:xfrm>
+                      <a:prstGeom prst="rect">
+                        <a:avLst/>
+                      </a:prstGeom>
+                    </p:spPr>
+                  </p:pic>
+                </p:oleObj>
+              </mc:Fallback>
+            </mc:AlternateContent>
+          </a:graphicData>
+        </a:graphic>
+      </p:graphicFrame>
+      <p:graphicFrame>
+        <p:nvGraphicFramePr>
+          <p:cNvPr id="5" name="Объект 4"/>
+          <p:cNvGraphicFramePr/>
+          <p:nvPr/>
+        </p:nvGraphicFramePr>
+        <p:xfrm>
+          <a:off x="6021070" y="2241550"/>
+          <a:ext cx="5715000" cy="1542415"/>
+        </p:xfrm>
+        <a:graphic>
+          <a:graphicData uri="http://schemas.openxmlformats.org/presentationml/2006/ole">
+            <mc:AlternateContent xmlns:mc="http://schemas.openxmlformats.org/markup-compatibility/2006">
+              <mc:Choice xmlns:v="urn:schemas-microsoft-com:vml" Requires="v">
+                <p:oleObj spid="_x0000_s11" name="" r:id="rId3" imgW="2386330" imgH="585470" progId="Paint.Picture">
+                  <p:embed/>
+                </p:oleObj>
+              </mc:Choice>
+              <mc:Fallback>
+                <p:oleObj name="" r:id="rId3" imgW="2386330" imgH="585470" progId="Paint.Picture">
+                  <p:embed/>
+                  <p:pic>
+                    <p:nvPicPr>
+                      <p:cNvPr id="0" name="Изображение 10"/>
+                      <p:cNvPicPr/>
+                      <p:nvPr/>
+                    </p:nvPicPr>
+                    <p:blipFill>
+                      <a:blip r:embed="rId4"/>
+                      <a:stretch>
+                        <a:fillRect/>
+                      </a:stretch>
+                    </p:blipFill>
+                    <p:spPr>
+                      <a:xfrm>
+                        <a:off x="6021070" y="2241550"/>
+                        <a:ext cx="5715000" cy="1542415"/>
+                      </a:xfrm>
+                      <a:prstGeom prst="rect">
+                        <a:avLst/>
+                      </a:prstGeom>
+                    </p:spPr>
+                  </p:pic>
+                </p:oleObj>
+              </mc:Fallback>
+            </mc:AlternateContent>
+          </a:graphicData>
+        </a:graphic>
+      </p:graphicFrame>
+      <p:sp>
+        <p:nvSpPr>
+          <p:cNvPr id="12" name="Текстовое поле 11"/>
+          <p:cNvSpPr txBox="1"/>
+          <p:nvPr/>
+        </p:nvSpPr>
+        <p:spPr>
+          <a:xfrm>
+            <a:off x="1510030" y="1525905"/>
+            <a:ext cx="4064000" cy="368300"/>
+          </a:xfrm>
+          <a:prstGeom prst="rect">
+            <a:avLst/>
+          </a:prstGeom>
+          <a:noFill/>
+        </p:spPr>
+        <p:txBody>
+          <a:bodyPr wrap="square" rtlCol="0">
+            <a:spAutoFit/>
+          </a:bodyPr>
+          <a:p>
+            <a:r>
+              <a:rPr lang="ru-RU" altLang="en-US"/>
+              <a:t>крафтовая система</a:t>
+            </a:r>
+            <a:endParaRPr lang="ru-RU" altLang="en-US"/>
+          </a:p>
+        </p:txBody>
+      </p:sp>
+      <p:sp>
+        <p:nvSpPr>
+          <p:cNvPr id="13" name="Текстовое поле 12"/>
+          <p:cNvSpPr txBox="1"/>
+          <p:nvPr/>
+        </p:nvSpPr>
+        <p:spPr>
+          <a:xfrm>
+            <a:off x="7164705" y="1632585"/>
+            <a:ext cx="4064000" cy="368300"/>
+          </a:xfrm>
+          <a:prstGeom prst="rect">
+            <a:avLst/>
+          </a:prstGeom>
+          <a:noFill/>
+        </p:spPr>
+        <p:txBody>
+          <a:bodyPr wrap="square" rtlCol="0">
+            <a:spAutoFit/>
+          </a:bodyPr>
+          <a:p>
+            <a:r>
+              <a:rPr lang="ru-RU" altLang="en-US"/>
+              <a:t>инвентарь и показатели</a:t>
+            </a:r>
+            <a:endParaRPr lang="ru-RU" altLang="en-US"/>
+          </a:p>
+        </p:txBody>
+      </p:sp>
+      <p:sp>
+        <p:nvSpPr>
+          <p:cNvPr id="17" name="Текстовое поле 16"/>
+          <p:cNvSpPr txBox="1"/>
+          <p:nvPr/>
+        </p:nvSpPr>
+        <p:spPr>
+          <a:xfrm>
+            <a:off x="833755" y="4128135"/>
+            <a:ext cx="4064000" cy="922020"/>
+          </a:xfrm>
+          <a:prstGeom prst="rect">
+            <a:avLst/>
+          </a:prstGeom>
+          <a:noFill/>
+        </p:spPr>
+        <p:txBody>
+          <a:bodyPr wrap="square" rtlCol="0">
+            <a:spAutoFit/>
+          </a:bodyPr>
+          <a:p>
+            <a:r>
+              <a:rPr lang="ru-RU" altLang="en-US"/>
+              <a:t>если у вас не будет ресурсов, то вы не сможете создать нужный вам предмет</a:t>
+            </a:r>
+            <a:endParaRPr lang="ru-RU" altLang="en-US"/>
+          </a:p>
+        </p:txBody>
+      </p:sp>
+      <p:sp>
+        <p:nvSpPr>
+          <p:cNvPr id="19" name="稻壳儿春秋广告/盗版必究        原创来源：http://chn.docer.com/works?userid=199329941#!/work_time"/>
+          <p:cNvSpPr/>
+          <p:nvPr/>
+        </p:nvSpPr>
+        <p:spPr>
+          <a:xfrm rot="2700000">
+            <a:off x="-73709" y="6292073"/>
+            <a:ext cx="1142946" cy="1142946"/>
+          </a:xfrm>
+          <a:prstGeom prst="roundRect">
+            <a:avLst/>
+          </a:prstGeom>
+          <a:solidFill>
+            <a:srgbClr val="0B506C"/>
+          </a:solidFill>
+          <a:ln>
+            <a:noFill/>
+          </a:ln>
+        </p:spPr>
+        <p:style>
+          <a:lnRef idx="2">
+            <a:schemeClr val="accent1">
+              <a:shade val="50000"/>
+            </a:schemeClr>
+          </a:lnRef>
+          <a:fillRef idx="1">
+            <a:schemeClr val="accent1"/>
+          </a:fillRef>
+          <a:effectRef idx="0">
+            <a:schemeClr val="accent1"/>
+          </a:effectRef>
+          <a:fontRef idx="minor">
+            <a:schemeClr val="lt1"/>
+          </a:fontRef>
+        </p:style>
+        <p:txBody>
+          <a:bodyPr rtlCol="0" anchor="ctr"/>
+          <a:lstStyle/>
+          <a:p>
+            <a:pPr marL="0" marR="0" lvl="0" indent="0" algn="ctr" defTabSz="914400" rtl="0" eaLnBrk="1" fontAlgn="auto" latinLnBrk="0" hangingPunct="1">
+              <a:lnSpc>
+                <a:spcPct val="100000"/>
+              </a:lnSpc>
+              <a:spcBef>
+                <a:spcPts val="0"/>
+              </a:spcBef>
+              <a:spcAft>
+                <a:spcPts val="0"/>
+              </a:spcAft>
+              <a:buClrTx/>
+              <a:buSzTx/>
+              <a:buFontTx/>
+              <a:buNone/>
+              <a:defRPr/>
+            </a:pPr>
+            <a:endParaRPr kumimoji="0" lang="zh-CN" altLang="en-US" sz="1800" b="0" i="0" u="none" strike="noStrike" kern="1200" cap="none" spc="0" normalizeH="0" baseline="0" noProof="0">
+              <a:ln>
+                <a:noFill/>
+              </a:ln>
+              <a:solidFill>
+                <a:prstClr val="white"/>
+              </a:solidFill>
+              <a:effectLst/>
+              <a:uLnTx/>
+              <a:uFillTx/>
+              <a:latin typeface="Arial" panose="020B0604020202020204" pitchFamily="34" charset="0"/>
+              <a:ea typeface="Droid Sans Fallback" panose="020B0502000000000001" pitchFamily="50" charset="-128"/>
+              <a:cs typeface="Arial" panose="020B0604020202020204" pitchFamily="34" charset="0"/>
+              <a:sym typeface="Arial" panose="020B0604020202020204" pitchFamily="34" charset="0"/>
+            </a:endParaRPr>
+          </a:p>
+        </p:txBody>
+      </p:sp>
+      <p:sp>
+        <p:nvSpPr>
+          <p:cNvPr id="4" name="Текстовое поле 3"/>
+          <p:cNvSpPr txBox="1"/>
+          <p:nvPr/>
+        </p:nvSpPr>
+        <p:spPr>
+          <a:xfrm>
+            <a:off x="6846570" y="4024630"/>
+            <a:ext cx="4064000" cy="645160"/>
+          </a:xfrm>
+          <a:prstGeom prst="rect">
+            <a:avLst/>
+          </a:prstGeom>
+          <a:noFill/>
+        </p:spPr>
+        <p:txBody>
+          <a:bodyPr wrap="square" rtlCol="0">
+            <a:spAutoFit/>
+          </a:bodyPr>
+          <a:p>
+            <a:r>
+              <a:rPr lang="ru-RU" altLang="en-US"/>
+              <a:t>Когда показатель зроровья упадет до 0, то вы потеряете все вещи</a:t>
+            </a:r>
+            <a:endParaRPr lang="ru-RU" altLang="en-US"/>
+          </a:p>
+        </p:txBody>
+      </p:sp>
+    </p:spTree>
+  </p:cSld>
+  <p:clrMapOvr>
+    <a:masterClrMapping/>
+  </p:clrMapOvr>
+</p:sld>
+</file>
+
+<file path=ppt/slides/slide11.xml><?xml version="1.0" encoding="utf-8"?>
+<p:sld xmlns:a="http://schemas.openxmlformats.org/drawingml/2006/main" xmlns:r="http://schemas.openxmlformats.org/officeDocument/2006/relationships" xmlns:p="http://schemas.openxmlformats.org/presentationml/2006/main">
+  <p:cSld>
+    <p:spTree>
+      <p:nvGrpSpPr>
+        <p:cNvPr id="1" name=""/>
+        <p:cNvGrpSpPr/>
+        <p:nvPr/>
+      </p:nvGrpSpPr>
+      <p:grpSpPr>
+        <a:xfrm>
+          <a:off x="0" y="0"/>
+          <a:ext cx="0" cy="0"/>
+          <a:chOff x="0" y="0"/>
+          <a:chExt cx="0" cy="0"/>
+        </a:xfrm>
+      </p:grpSpPr>
+      <p:sp>
+        <p:nvSpPr>
+          <p:cNvPr id="8" name="稻壳儿春秋广告/盗版必究        原创来源：http://chn.docer.com/works?userid=199329941#!/work_time"/>
+          <p:cNvSpPr/>
+          <p:nvPr/>
+        </p:nvSpPr>
+        <p:spPr>
+          <a:xfrm rot="2700000">
+            <a:off x="3851140" y="-3663719"/>
+            <a:ext cx="6909795" cy="6909793"/>
+          </a:xfrm>
+          <a:prstGeom prst="roundRect">
+            <a:avLst/>
+          </a:prstGeom>
+          <a:solidFill>
+            <a:srgbClr val="02868F"/>
+          </a:solidFill>
+          <a:ln>
+            <a:noFill/>
+          </a:ln>
+        </p:spPr>
+        <p:style>
+          <a:lnRef idx="2">
+            <a:schemeClr val="accent1">
+              <a:shade val="50000"/>
+            </a:schemeClr>
+          </a:lnRef>
+          <a:fillRef idx="1">
+            <a:schemeClr val="accent1"/>
+          </a:fillRef>
+          <a:effectRef idx="0">
+            <a:schemeClr val="accent1"/>
+          </a:effectRef>
+          <a:fontRef idx="minor">
+            <a:schemeClr val="lt1"/>
+          </a:fontRef>
+        </p:style>
+        <p:txBody>
+          <a:bodyPr rtlCol="0" anchor="ctr"/>
+          <a:lstStyle/>
+          <a:p>
+            <a:pPr marL="0" marR="0" lvl="0" indent="0" algn="ctr" defTabSz="914400" rtl="0" eaLnBrk="1" fontAlgn="auto" latinLnBrk="0" hangingPunct="1">
+              <a:lnSpc>
+                <a:spcPct val="100000"/>
+              </a:lnSpc>
+              <a:spcBef>
+                <a:spcPts val="0"/>
+              </a:spcBef>
+              <a:spcAft>
+                <a:spcPts val="0"/>
+              </a:spcAft>
+              <a:buClrTx/>
+              <a:buSzTx/>
+              <a:buFontTx/>
+              <a:buNone/>
+              <a:defRPr/>
+            </a:pPr>
+            <a:endParaRPr kumimoji="0" lang="zh-CN" altLang="en-US" sz="1800" b="0" i="0" u="none" strike="noStrike" kern="1200" cap="none" spc="0" normalizeH="0" baseline="0" noProof="0" dirty="0">
+              <a:ln>
+                <a:noFill/>
+              </a:ln>
+              <a:solidFill>
+                <a:prstClr val="white"/>
+              </a:solidFill>
+              <a:effectLst/>
+              <a:uLnTx/>
+              <a:uFillTx/>
+              <a:latin typeface="Arial" panose="020B0604020202020204" pitchFamily="34" charset="0"/>
+              <a:ea typeface="Droid Sans Fallback" panose="020B0502000000000001" pitchFamily="50" charset="-128"/>
+              <a:cs typeface="Arial" panose="020B0604020202020204" pitchFamily="34" charset="0"/>
+              <a:sym typeface="Arial" panose="020B0604020202020204" pitchFamily="34" charset="0"/>
+            </a:endParaRPr>
+          </a:p>
+        </p:txBody>
+      </p:sp>
+      <p:sp>
+        <p:nvSpPr>
+          <p:cNvPr id="9" name="稻壳儿春秋广告/盗版必究        原创来源：http://chn.docer.com/works?userid=199329941#!/work_time"/>
+          <p:cNvSpPr/>
+          <p:nvPr/>
+        </p:nvSpPr>
+        <p:spPr>
+          <a:xfrm rot="2700000">
+            <a:off x="7753438" y="3697885"/>
+            <a:ext cx="7486472" cy="7486467"/>
+          </a:xfrm>
+          <a:prstGeom prst="roundRect">
+            <a:avLst/>
+          </a:prstGeom>
+          <a:solidFill>
+            <a:srgbClr val="F67654"/>
+          </a:solidFill>
+          <a:ln>
+            <a:noFill/>
+          </a:ln>
+        </p:spPr>
+        <p:style>
+          <a:lnRef idx="2">
+            <a:schemeClr val="accent1">
+              <a:shade val="50000"/>
+            </a:schemeClr>
+          </a:lnRef>
+          <a:fillRef idx="1">
+            <a:schemeClr val="accent1"/>
+          </a:fillRef>
+          <a:effectRef idx="0">
+            <a:schemeClr val="accent1"/>
+          </a:effectRef>
+          <a:fontRef idx="minor">
+            <a:schemeClr val="lt1"/>
+          </a:fontRef>
+        </p:style>
+        <p:txBody>
+          <a:bodyPr rtlCol="0" anchor="ctr"/>
+          <a:lstStyle/>
+          <a:p>
+            <a:pPr marL="0" marR="0" lvl="0" indent="0" algn="ctr" defTabSz="914400" rtl="0" eaLnBrk="1" fontAlgn="auto" latinLnBrk="0" hangingPunct="1">
+              <a:lnSpc>
+                <a:spcPct val="100000"/>
+              </a:lnSpc>
+              <a:spcBef>
+                <a:spcPts val="0"/>
+              </a:spcBef>
+              <a:spcAft>
+                <a:spcPts val="0"/>
+              </a:spcAft>
+              <a:buClrTx/>
+              <a:buSzTx/>
+              <a:buFontTx/>
+              <a:buNone/>
+              <a:defRPr/>
+            </a:pPr>
+            <a:endParaRPr kumimoji="0" lang="zh-CN" altLang="en-US" sz="1800" b="0" i="0" u="none" strike="noStrike" kern="1200" cap="none" spc="0" normalizeH="0" baseline="0" noProof="0">
+              <a:ln>
+                <a:noFill/>
+              </a:ln>
+              <a:solidFill>
+                <a:prstClr val="white"/>
+              </a:solidFill>
+              <a:effectLst/>
+              <a:uLnTx/>
+              <a:uFillTx/>
+              <a:latin typeface="Arial" panose="020B0604020202020204" pitchFamily="34" charset="0"/>
+              <a:ea typeface="Droid Sans Fallback" panose="020B0502000000000001" pitchFamily="50" charset="-128"/>
+              <a:cs typeface="Arial" panose="020B0604020202020204" pitchFamily="34" charset="0"/>
+              <a:sym typeface="Arial" panose="020B0604020202020204" pitchFamily="34" charset="0"/>
+            </a:endParaRPr>
+          </a:p>
+        </p:txBody>
+      </p:sp>
+      <p:sp>
+        <p:nvSpPr>
+          <p:cNvPr id="18" name="稻壳儿春秋广告/盗版必究        原创来源：http://chn.docer.com/works?userid=199329941#!/work_time"/>
+          <p:cNvSpPr/>
+          <p:nvPr/>
+        </p:nvSpPr>
+        <p:spPr>
+          <a:xfrm rot="2700000">
+            <a:off x="3679692" y="-4330467"/>
+            <a:ext cx="6909795" cy="6909793"/>
+          </a:xfrm>
+          <a:prstGeom prst="roundRect">
+            <a:avLst/>
+          </a:prstGeom>
+          <a:solidFill>
+            <a:schemeClr val="bg1"/>
+          </a:solidFill>
+          <a:ln>
+            <a:noFill/>
+          </a:ln>
+        </p:spPr>
+        <p:style>
+          <a:lnRef idx="2">
+            <a:schemeClr val="accent1">
+              <a:shade val="50000"/>
+            </a:schemeClr>
+          </a:lnRef>
+          <a:fillRef idx="1">
+            <a:schemeClr val="accent1"/>
+          </a:fillRef>
+          <a:effectRef idx="0">
+            <a:schemeClr val="accent1"/>
+          </a:effectRef>
+          <a:fontRef idx="minor">
+            <a:schemeClr val="lt1"/>
+          </a:fontRef>
+        </p:style>
+        <p:txBody>
+          <a:bodyPr rtlCol="0" anchor="ctr"/>
+          <a:lstStyle/>
+          <a:p>
+            <a:pPr marL="0" marR="0" lvl="0" indent="0" algn="ctr" defTabSz="914400" rtl="0" eaLnBrk="1" fontAlgn="auto" latinLnBrk="0" hangingPunct="1">
+              <a:lnSpc>
+                <a:spcPct val="100000"/>
+              </a:lnSpc>
+              <a:spcBef>
+                <a:spcPts val="0"/>
+              </a:spcBef>
+              <a:spcAft>
+                <a:spcPts val="0"/>
+              </a:spcAft>
+              <a:buClrTx/>
+              <a:buSzTx/>
+              <a:buFontTx/>
+              <a:buNone/>
+              <a:defRPr/>
+            </a:pPr>
+            <a:endParaRPr kumimoji="0" lang="zh-CN" altLang="en-US" sz="1800" b="0" i="0" u="none" strike="noStrike" kern="1200" cap="none" spc="0" normalizeH="0" baseline="0" noProof="0" dirty="0">
+              <a:ln>
+                <a:noFill/>
+              </a:ln>
+              <a:solidFill>
+                <a:prstClr val="white"/>
+              </a:solidFill>
+              <a:effectLst/>
+              <a:uLnTx/>
+              <a:uFillTx/>
+              <a:latin typeface="Arial" panose="020B0604020202020204" pitchFamily="34" charset="0"/>
+              <a:ea typeface="Droid Sans Fallback" panose="020B0502000000000001" pitchFamily="50" charset="-128"/>
+              <a:cs typeface="Arial" panose="020B0604020202020204" pitchFamily="34" charset="0"/>
+              <a:sym typeface="Arial" panose="020B0604020202020204" pitchFamily="34" charset="0"/>
+            </a:endParaRPr>
+          </a:p>
+        </p:txBody>
+      </p:sp>
+      <p:sp>
+        <p:nvSpPr>
+          <p:cNvPr id="19" name="稻壳儿春秋广告/盗版必究        原创来源：http://chn.docer.com/works?userid=199329941#!/work_time"/>
+          <p:cNvSpPr/>
+          <p:nvPr/>
+        </p:nvSpPr>
+        <p:spPr>
+          <a:xfrm rot="2700000">
+            <a:off x="2313891" y="1103488"/>
+            <a:ext cx="1142946" cy="1142946"/>
+          </a:xfrm>
+          <a:prstGeom prst="roundRect">
+            <a:avLst/>
+          </a:prstGeom>
+          <a:solidFill>
+            <a:srgbClr val="0B506C"/>
+          </a:solidFill>
+          <a:ln>
+            <a:noFill/>
+          </a:ln>
+        </p:spPr>
+        <p:style>
+          <a:lnRef idx="2">
+            <a:schemeClr val="accent1">
+              <a:shade val="50000"/>
+            </a:schemeClr>
+          </a:lnRef>
+          <a:fillRef idx="1">
+            <a:schemeClr val="accent1"/>
+          </a:fillRef>
+          <a:effectRef idx="0">
+            <a:schemeClr val="accent1"/>
+          </a:effectRef>
+          <a:fontRef idx="minor">
+            <a:schemeClr val="lt1"/>
+          </a:fontRef>
+        </p:style>
+        <p:txBody>
+          <a:bodyPr rtlCol="0" anchor="ctr"/>
+          <a:lstStyle/>
+          <a:p>
+            <a:pPr marL="0" marR="0" lvl="0" indent="0" algn="ctr" defTabSz="914400" rtl="0" eaLnBrk="1" fontAlgn="auto" latinLnBrk="0" hangingPunct="1">
+              <a:lnSpc>
+                <a:spcPct val="100000"/>
+              </a:lnSpc>
+              <a:spcBef>
+                <a:spcPts val="0"/>
+              </a:spcBef>
+              <a:spcAft>
+                <a:spcPts val="0"/>
+              </a:spcAft>
+              <a:buClrTx/>
+              <a:buSzTx/>
+              <a:buFontTx/>
+              <a:buNone/>
+              <a:defRPr/>
+            </a:pPr>
+            <a:endParaRPr kumimoji="0" lang="zh-CN" altLang="en-US" sz="1800" b="0" i="0" u="none" strike="noStrike" kern="1200" cap="none" spc="0" normalizeH="0" baseline="0" noProof="0">
+              <a:ln>
+                <a:noFill/>
+              </a:ln>
+              <a:solidFill>
+                <a:prstClr val="white"/>
+              </a:solidFill>
+              <a:effectLst/>
+              <a:uLnTx/>
+              <a:uFillTx/>
+              <a:latin typeface="Arial" panose="020B0604020202020204" pitchFamily="34" charset="0"/>
+              <a:ea typeface="Droid Sans Fallback" panose="020B0502000000000001" pitchFamily="50" charset="-128"/>
+              <a:cs typeface="Arial" panose="020B0604020202020204" pitchFamily="34" charset="0"/>
+              <a:sym typeface="Arial" panose="020B0604020202020204" pitchFamily="34" charset="0"/>
+            </a:endParaRPr>
+          </a:p>
+        </p:txBody>
+      </p:sp>
+      <p:sp>
+        <p:nvSpPr>
+          <p:cNvPr id="23" name="稻壳儿春秋广告/盗版必究        原创来源：http://chn.docer.com/works?userid=199329941#!/work_time"/>
+          <p:cNvSpPr txBox="1"/>
+          <p:nvPr/>
+        </p:nvSpPr>
+        <p:spPr>
+          <a:xfrm flipH="1">
+            <a:off x="1510665" y="3704349"/>
+            <a:ext cx="2778958" cy="706755"/>
+          </a:xfrm>
+          <a:prstGeom prst="rect">
+            <a:avLst/>
+          </a:prstGeom>
+          <a:noFill/>
+        </p:spPr>
+        <p:txBody>
+          <a:bodyPr wrap="square" rtlCol="0">
+            <a:spAutoFit/>
+          </a:bodyPr>
+          <a:lstStyle/>
+          <a:p>
+            <a:pPr marL="0" marR="0" lvl="0" indent="0" algn="l" defTabSz="914400" rtl="0" eaLnBrk="1" fontAlgn="auto" latinLnBrk="0" hangingPunct="1">
+              <a:lnSpc>
+                <a:spcPct val="100000"/>
+              </a:lnSpc>
+              <a:spcBef>
+                <a:spcPts val="0"/>
+              </a:spcBef>
+              <a:spcAft>
+                <a:spcPts val="0"/>
+              </a:spcAft>
+              <a:buClrTx/>
+              <a:buSzTx/>
+              <a:buFontTx/>
+              <a:buNone/>
+              <a:defRPr/>
+            </a:pPr>
+            <a:r>
+              <a:rPr kumimoji="0" lang="ru-RU" altLang="zh-CN" sz="4000" b="0" i="0" u="none" strike="noStrike" kern="1200" cap="none" spc="0" normalizeH="0" baseline="0" noProof="0" dirty="0">
+                <a:ln>
+                  <a:noFill/>
+                </a:ln>
+                <a:solidFill>
+                  <a:srgbClr val="F67654"/>
+                </a:solidFill>
+                <a:effectLst/>
+                <a:uLnTx/>
+                <a:uFillTx/>
+                <a:latin typeface="Arial" panose="020B0604020202020204" pitchFamily="34" charset="0"/>
+                <a:ea typeface="Droid Sans Fallback" panose="020B0502000000000001" pitchFamily="50" charset="-128"/>
+                <a:cs typeface="Arial" panose="020B0604020202020204" pitchFamily="34" charset="0"/>
+                <a:sym typeface="Arial" panose="020B0604020202020204" pitchFamily="34" charset="0"/>
+              </a:rPr>
+              <a:t>ЧАСТЬ 3</a:t>
+            </a:r>
+            <a:endParaRPr kumimoji="0" lang="ru-RU" altLang="zh-CN" sz="4000" b="0" i="0" u="none" strike="noStrike" kern="1200" cap="none" spc="0" normalizeH="0" baseline="0" noProof="0" dirty="0">
+              <a:ln>
+                <a:noFill/>
+              </a:ln>
+              <a:solidFill>
+                <a:srgbClr val="F67654"/>
+              </a:solidFill>
+              <a:effectLst/>
+              <a:uLnTx/>
+              <a:uFillTx/>
+              <a:latin typeface="Arial" panose="020B0604020202020204" pitchFamily="34" charset="0"/>
+              <a:ea typeface="Droid Sans Fallback" panose="020B0502000000000001" pitchFamily="50" charset="-128"/>
+              <a:cs typeface="Arial" panose="020B0604020202020204" pitchFamily="34" charset="0"/>
+              <a:sym typeface="Arial" panose="020B0604020202020204" pitchFamily="34" charset="0"/>
+            </a:endParaRPr>
+          </a:p>
+        </p:txBody>
+      </p:sp>
+      <p:sp>
+        <p:nvSpPr>
+          <p:cNvPr id="24" name="稻壳儿春秋广告/盗版必究        原创来源：http://chn.docer.com/works?userid=199329941#!/work_time"/>
+          <p:cNvSpPr/>
+          <p:nvPr/>
+        </p:nvSpPr>
+        <p:spPr>
+          <a:xfrm rot="2700000">
+            <a:off x="6678765" y="-1687006"/>
+            <a:ext cx="3374012" cy="3374012"/>
+          </a:xfrm>
+          <a:prstGeom prst="roundRect">
+            <a:avLst/>
+          </a:prstGeom>
+          <a:solidFill>
+            <a:srgbClr val="2A2625"/>
+          </a:solidFill>
+          <a:ln>
+            <a:noFill/>
+          </a:ln>
+        </p:spPr>
+        <p:style>
+          <a:lnRef idx="2">
+            <a:schemeClr val="accent1">
+              <a:shade val="50000"/>
+            </a:schemeClr>
+          </a:lnRef>
+          <a:fillRef idx="1">
+            <a:schemeClr val="accent1"/>
+          </a:fillRef>
+          <a:effectRef idx="0">
+            <a:schemeClr val="accent1"/>
+          </a:effectRef>
+          <a:fontRef idx="minor">
+            <a:schemeClr val="lt1"/>
+          </a:fontRef>
+        </p:style>
+        <p:txBody>
+          <a:bodyPr rtlCol="0" anchor="ctr"/>
+          <a:lstStyle/>
+          <a:p>
+            <a:pPr marL="0" marR="0" lvl="0" indent="0" algn="ctr" defTabSz="914400" rtl="0" eaLnBrk="1" fontAlgn="auto" latinLnBrk="0" hangingPunct="1">
+              <a:lnSpc>
+                <a:spcPct val="100000"/>
+              </a:lnSpc>
+              <a:spcBef>
+                <a:spcPts val="0"/>
+              </a:spcBef>
+              <a:spcAft>
+                <a:spcPts val="0"/>
+              </a:spcAft>
+              <a:buClrTx/>
+              <a:buSzTx/>
+              <a:buFontTx/>
+              <a:buNone/>
+              <a:defRPr/>
+            </a:pPr>
+            <a:endParaRPr kumimoji="0" lang="zh-CN" altLang="en-US" sz="1800" b="0" i="0" u="none" strike="noStrike" kern="1200" cap="none" spc="0" normalizeH="0" baseline="0" noProof="0">
+              <a:ln>
+                <a:noFill/>
+              </a:ln>
+              <a:solidFill>
+                <a:prstClr val="white"/>
+              </a:solidFill>
+              <a:effectLst/>
+              <a:uLnTx/>
+              <a:uFillTx/>
+              <a:latin typeface="Arial" panose="020B0604020202020204" pitchFamily="34" charset="0"/>
+              <a:ea typeface="Droid Sans Fallback" panose="020B0502000000000001" pitchFamily="50" charset="-128"/>
+              <a:cs typeface="Arial" panose="020B0604020202020204" pitchFamily="34" charset="0"/>
+              <a:sym typeface="Arial" panose="020B0604020202020204" pitchFamily="34" charset="0"/>
+            </a:endParaRPr>
+          </a:p>
+        </p:txBody>
+      </p:sp>
+      <p:sp>
+        <p:nvSpPr>
+          <p:cNvPr id="2" name="Текстовое поле 1"/>
+          <p:cNvSpPr txBox="1"/>
+          <p:nvPr/>
+        </p:nvSpPr>
+        <p:spPr>
+          <a:xfrm>
+            <a:off x="795020" y="4467860"/>
+            <a:ext cx="4064000" cy="583565"/>
+          </a:xfrm>
+          <a:prstGeom prst="rect">
+            <a:avLst/>
+          </a:prstGeom>
+          <a:noFill/>
+        </p:spPr>
+        <p:txBody>
+          <a:bodyPr wrap="square" rtlCol="0">
+            <a:spAutoFit/>
+          </a:bodyPr>
+          <a:p>
+            <a:r>
+              <a:rPr lang="ru-RU" altLang="en-US" sz="3200" b="1"/>
+              <a:t>Програмная часть</a:t>
+            </a:r>
+            <a:endParaRPr lang="ru-RU" altLang="en-US" sz="3200" b="1"/>
+          </a:p>
+        </p:txBody>
+      </p:sp>
+      <p:sp>
+        <p:nvSpPr>
+          <p:cNvPr id="3" name="Текстовое поле 2"/>
+          <p:cNvSpPr txBox="1"/>
+          <p:nvPr/>
+        </p:nvSpPr>
+        <p:spPr>
+          <a:xfrm>
+            <a:off x="795020" y="5466080"/>
+            <a:ext cx="4064000" cy="645160"/>
+          </a:xfrm>
+          <a:prstGeom prst="rect">
+            <a:avLst/>
+          </a:prstGeom>
+          <a:noFill/>
+        </p:spPr>
+        <p:txBody>
+          <a:bodyPr wrap="square" rtlCol="0">
+            <a:spAutoFit/>
+          </a:bodyPr>
+          <a:p>
+            <a:pPr algn="ctr"/>
+            <a:r>
+              <a:rPr lang="ru-RU" altLang="en-US"/>
+              <a:t>какие библеотеки используются и как хранится программа</a:t>
+            </a:r>
+            <a:endParaRPr lang="ru-RU" altLang="en-US"/>
+          </a:p>
+        </p:txBody>
+      </p:sp>
+    </p:spTree>
+  </p:cSld>
+  <p:clrMapOvr>
+    <a:masterClrMapping/>
+  </p:clrMapOvr>
+</p:sld>
+</file>
+
+<file path=ppt/slides/slide12.xml><?xml version="1.0" encoding="utf-8"?>
+<p:sld xmlns:a="http://schemas.openxmlformats.org/drawingml/2006/main" xmlns:r="http://schemas.openxmlformats.org/officeDocument/2006/relationships" xmlns:p="http://schemas.openxmlformats.org/presentationml/2006/main">
+  <p:cSld>
+    <p:spTree>
+      <p:nvGrpSpPr>
+        <p:cNvPr id="1" name=""/>
+        <p:cNvGrpSpPr/>
+        <p:nvPr/>
+      </p:nvGrpSpPr>
+      <p:grpSpPr>
+        <a:xfrm>
+          <a:off x="0" y="0"/>
+          <a:ext cx="0" cy="0"/>
+          <a:chOff x="0" y="0"/>
+          <a:chExt cx="0" cy="0"/>
+        </a:xfrm>
+      </p:grpSpPr>
+      <p:sp>
+        <p:nvSpPr>
+          <p:cNvPr id="10" name="稻壳儿春秋广告/盗版必究        原创来源：http://chn.docer.com/works?userid=199329941#!/work_time"/>
+          <p:cNvSpPr/>
+          <p:nvPr/>
+        </p:nvSpPr>
+        <p:spPr>
+          <a:xfrm>
+            <a:off x="75056" y="1"/>
+            <a:ext cx="1387398" cy="693699"/>
+          </a:xfrm>
+          <a:custGeom>
+            <a:avLst/>
+            <a:gdLst>
+              <a:gd name="connsiteX0" fmla="*/ 0 w 1387398"/>
+              <a:gd name="connsiteY0" fmla="*/ 0 h 693699"/>
+              <a:gd name="connsiteX1" fmla="*/ 1387398 w 1387398"/>
+              <a:gd name="connsiteY1" fmla="*/ 0 h 693699"/>
+              <a:gd name="connsiteX2" fmla="*/ 1334326 w 1387398"/>
+              <a:gd name="connsiteY2" fmla="*/ 128128 h 693699"/>
+              <a:gd name="connsiteX3" fmla="*/ 821827 w 1387398"/>
+              <a:gd name="connsiteY3" fmla="*/ 640627 h 693699"/>
+              <a:gd name="connsiteX4" fmla="*/ 565571 w 1387398"/>
+              <a:gd name="connsiteY4" fmla="*/ 640627 h 693699"/>
+              <a:gd name="connsiteX5" fmla="*/ 53072 w 1387398"/>
+              <a:gd name="connsiteY5" fmla="*/ 128128 h 693699"/>
+              <a:gd name="connsiteX6" fmla="*/ 0 w 1387398"/>
+              <a:gd name="connsiteY6" fmla="*/ 0 h 693699"/>
+            </a:gdLst>
+            <a:ahLst/>
+            <a:cxnLst>
+              <a:cxn ang="0">
+                <a:pos x="connsiteX0" y="connsiteY0"/>
+              </a:cxn>
+              <a:cxn ang="0">
+                <a:pos x="connsiteX1" y="connsiteY1"/>
+              </a:cxn>
+              <a:cxn ang="0">
+                <a:pos x="connsiteX2" y="connsiteY2"/>
+              </a:cxn>
+              <a:cxn ang="0">
+                <a:pos x="connsiteX3" y="connsiteY3"/>
+              </a:cxn>
+              <a:cxn ang="0">
+                <a:pos x="connsiteX4" y="connsiteY4"/>
+              </a:cxn>
+              <a:cxn ang="0">
+                <a:pos x="connsiteX5" y="connsiteY5"/>
+              </a:cxn>
+              <a:cxn ang="0">
+                <a:pos x="connsiteX6" y="connsiteY6"/>
+              </a:cxn>
+            </a:cxnLst>
+            <a:rect l="l" t="t" r="r" b="b"/>
+            <a:pathLst>
+              <a:path w="1387398" h="693699">
+                <a:moveTo>
+                  <a:pt x="0" y="0"/>
+                </a:moveTo>
+                <a:lnTo>
+                  <a:pt x="1387398" y="0"/>
+                </a:lnTo>
+                <a:cubicBezTo>
+                  <a:pt x="1387398" y="46373"/>
+                  <a:pt x="1369708" y="92747"/>
+                  <a:pt x="1334326" y="128128"/>
+                </a:cubicBezTo>
+                <a:lnTo>
+                  <a:pt x="821827" y="640627"/>
+                </a:lnTo>
+                <a:cubicBezTo>
+                  <a:pt x="751064" y="711390"/>
+                  <a:pt x="636334" y="711390"/>
+                  <a:pt x="565571" y="640627"/>
+                </a:cubicBezTo>
+                <a:lnTo>
+                  <a:pt x="53072" y="128128"/>
+                </a:lnTo>
+                <a:cubicBezTo>
+                  <a:pt x="17691" y="92747"/>
+                  <a:pt x="0" y="46373"/>
+                  <a:pt x="0" y="0"/>
+                </a:cubicBezTo>
+                <a:close/>
+              </a:path>
+            </a:pathLst>
+          </a:custGeom>
+          <a:solidFill>
+            <a:srgbClr val="0B506C"/>
+          </a:solidFill>
+          <a:ln>
+            <a:noFill/>
+          </a:ln>
+        </p:spPr>
+        <p:style>
+          <a:lnRef idx="2">
+            <a:schemeClr val="accent1">
+              <a:shade val="50000"/>
+            </a:schemeClr>
+          </a:lnRef>
+          <a:fillRef idx="1">
+            <a:schemeClr val="accent1"/>
+          </a:fillRef>
+          <a:effectRef idx="0">
+            <a:schemeClr val="accent1"/>
+          </a:effectRef>
+          <a:fontRef idx="minor">
+            <a:schemeClr val="lt1"/>
+          </a:fontRef>
+        </p:style>
+        <p:txBody>
+          <a:bodyPr rtlCol="0" anchor="ctr"/>
+          <a:lstStyle/>
+          <a:p>
+            <a:pPr algn="ctr"/>
+            <a:endParaRPr lang="zh-CN" altLang="en-US">
+              <a:latin typeface="Arial" panose="020B0604020202020204" pitchFamily="34" charset="0"/>
+              <a:ea typeface="Droid Sans Fallback" panose="020B0502000000000001" pitchFamily="50" charset="-128"/>
+              <a:cs typeface="Arial" panose="020B0604020202020204" pitchFamily="34" charset="0"/>
+              <a:sym typeface="Arial" panose="020B0604020202020204" pitchFamily="34" charset="0"/>
+            </a:endParaRPr>
+          </a:p>
+        </p:txBody>
+      </p:sp>
+      <p:sp>
+        <p:nvSpPr>
+          <p:cNvPr id="7" name="稻壳儿春秋广告/盗版必究        原创来源：http://chn.docer.com/works?userid=199329941#!/work_time"/>
+          <p:cNvSpPr/>
+          <p:nvPr/>
+        </p:nvSpPr>
+        <p:spPr>
+          <a:xfrm>
+            <a:off x="973258" y="0"/>
+            <a:ext cx="838222" cy="419110"/>
+          </a:xfrm>
+          <a:custGeom>
+            <a:avLst/>
+            <a:gdLst>
+              <a:gd name="connsiteX0" fmla="*/ 0 w 838222"/>
+              <a:gd name="connsiteY0" fmla="*/ 0 h 419110"/>
+              <a:gd name="connsiteX1" fmla="*/ 838222 w 838222"/>
+              <a:gd name="connsiteY1" fmla="*/ 0 h 419110"/>
+              <a:gd name="connsiteX2" fmla="*/ 806157 w 838222"/>
+              <a:gd name="connsiteY2" fmla="*/ 77411 h 419110"/>
+              <a:gd name="connsiteX3" fmla="*/ 496522 w 838222"/>
+              <a:gd name="connsiteY3" fmla="*/ 387046 h 419110"/>
+              <a:gd name="connsiteX4" fmla="*/ 341700 w 838222"/>
+              <a:gd name="connsiteY4" fmla="*/ 387046 h 419110"/>
+              <a:gd name="connsiteX5" fmla="*/ 32065 w 838222"/>
+              <a:gd name="connsiteY5" fmla="*/ 77411 h 419110"/>
+              <a:gd name="connsiteX6" fmla="*/ 0 w 838222"/>
+              <a:gd name="connsiteY6" fmla="*/ 0 h 419110"/>
+            </a:gdLst>
+            <a:ahLst/>
+            <a:cxnLst>
+              <a:cxn ang="0">
+                <a:pos x="connsiteX0" y="connsiteY0"/>
+              </a:cxn>
+              <a:cxn ang="0">
+                <a:pos x="connsiteX1" y="connsiteY1"/>
+              </a:cxn>
+              <a:cxn ang="0">
+                <a:pos x="connsiteX2" y="connsiteY2"/>
+              </a:cxn>
+              <a:cxn ang="0">
+                <a:pos x="connsiteX3" y="connsiteY3"/>
+              </a:cxn>
+              <a:cxn ang="0">
+                <a:pos x="connsiteX4" y="connsiteY4"/>
+              </a:cxn>
+              <a:cxn ang="0">
+                <a:pos x="connsiteX5" y="connsiteY5"/>
+              </a:cxn>
+              <a:cxn ang="0">
+                <a:pos x="connsiteX6" y="connsiteY6"/>
+              </a:cxn>
+            </a:cxnLst>
+            <a:rect l="l" t="t" r="r" b="b"/>
+            <a:pathLst>
+              <a:path w="838222" h="419110">
+                <a:moveTo>
+                  <a:pt x="0" y="0"/>
+                </a:moveTo>
+                <a:lnTo>
+                  <a:pt x="838222" y="0"/>
+                </a:lnTo>
+                <a:cubicBezTo>
+                  <a:pt x="838222" y="28017"/>
+                  <a:pt x="827534" y="56035"/>
+                  <a:pt x="806157" y="77411"/>
+                </a:cubicBezTo>
+                <a:lnTo>
+                  <a:pt x="496522" y="387046"/>
+                </a:lnTo>
+                <a:cubicBezTo>
+                  <a:pt x="453769" y="429799"/>
+                  <a:pt x="384453" y="429799"/>
+                  <a:pt x="341700" y="387046"/>
+                </a:cubicBezTo>
+                <a:lnTo>
+                  <a:pt x="32065" y="77411"/>
+                </a:lnTo>
+                <a:cubicBezTo>
+                  <a:pt x="10689" y="56035"/>
+                  <a:pt x="0" y="28017"/>
+                  <a:pt x="0" y="0"/>
+                </a:cubicBezTo>
+                <a:close/>
+              </a:path>
+            </a:pathLst>
+          </a:custGeom>
+          <a:solidFill>
+            <a:srgbClr val="F67654"/>
+          </a:solidFill>
+          <a:ln>
+            <a:noFill/>
+          </a:ln>
+        </p:spPr>
+        <p:style>
+          <a:lnRef idx="2">
+            <a:schemeClr val="accent1">
+              <a:shade val="50000"/>
+            </a:schemeClr>
+          </a:lnRef>
+          <a:fillRef idx="1">
+            <a:schemeClr val="accent1"/>
+          </a:fillRef>
+          <a:effectRef idx="0">
+            <a:schemeClr val="accent1"/>
+          </a:effectRef>
+          <a:fontRef idx="minor">
+            <a:schemeClr val="lt1"/>
+          </a:fontRef>
+        </p:style>
+        <p:txBody>
+          <a:bodyPr rtlCol="0" anchor="ctr"/>
+          <a:lstStyle/>
+          <a:p>
+            <a:pPr algn="ctr"/>
+            <a:endParaRPr lang="zh-CN" altLang="en-US">
+              <a:latin typeface="Arial" panose="020B0604020202020204" pitchFamily="34" charset="0"/>
+              <a:ea typeface="Droid Sans Fallback" panose="020B0502000000000001" pitchFamily="50" charset="-128"/>
+              <a:cs typeface="Arial" panose="020B0604020202020204" pitchFamily="34" charset="0"/>
+              <a:sym typeface="Arial" panose="020B0604020202020204" pitchFamily="34" charset="0"/>
+            </a:endParaRPr>
+          </a:p>
+        </p:txBody>
+      </p:sp>
+      <p:sp>
+        <p:nvSpPr>
+          <p:cNvPr id="21" name="稻壳儿春秋广告/盗版必究        原创来源：http://chn.docer.com/works?userid=199329941#!/work_time"/>
+          <p:cNvSpPr/>
+          <p:nvPr/>
+        </p:nvSpPr>
+        <p:spPr>
+          <a:xfrm>
+            <a:off x="10606842" y="6001428"/>
+            <a:ext cx="1585158" cy="856572"/>
+          </a:xfrm>
+          <a:custGeom>
+            <a:avLst/>
+            <a:gdLst>
+              <a:gd name="connsiteX0" fmla="*/ 982227 w 1585158"/>
+              <a:gd name="connsiteY0" fmla="*/ 1 h 856572"/>
+              <a:gd name="connsiteX1" fmla="*/ 1196736 w 1585158"/>
+              <a:gd name="connsiteY1" fmla="*/ 88853 h 856572"/>
+              <a:gd name="connsiteX2" fmla="*/ 1585158 w 1585158"/>
+              <a:gd name="connsiteY2" fmla="*/ 477276 h 856572"/>
+              <a:gd name="connsiteX3" fmla="*/ 1585158 w 1585158"/>
+              <a:gd name="connsiteY3" fmla="*/ 856572 h 856572"/>
+              <a:gd name="connsiteX4" fmla="*/ 0 w 1585158"/>
+              <a:gd name="connsiteY4" fmla="*/ 856572 h 856572"/>
+              <a:gd name="connsiteX5" fmla="*/ 767718 w 1585158"/>
+              <a:gd name="connsiteY5" fmla="*/ 88853 h 856572"/>
+              <a:gd name="connsiteX6" fmla="*/ 982227 w 1585158"/>
+              <a:gd name="connsiteY6" fmla="*/ 1 h 856572"/>
+            </a:gdLst>
+            <a:ahLst/>
+            <a:cxnLst>
+              <a:cxn ang="0">
+                <a:pos x="connsiteX0" y="connsiteY0"/>
+              </a:cxn>
+              <a:cxn ang="0">
+                <a:pos x="connsiteX1" y="connsiteY1"/>
+              </a:cxn>
+              <a:cxn ang="0">
+                <a:pos x="connsiteX2" y="connsiteY2"/>
+              </a:cxn>
+              <a:cxn ang="0">
+                <a:pos x="connsiteX3" y="connsiteY3"/>
+              </a:cxn>
+              <a:cxn ang="0">
+                <a:pos x="connsiteX4" y="connsiteY4"/>
+              </a:cxn>
+              <a:cxn ang="0">
+                <a:pos x="connsiteX5" y="connsiteY5"/>
+              </a:cxn>
+              <a:cxn ang="0">
+                <a:pos x="connsiteX6" y="connsiteY6"/>
+              </a:cxn>
+            </a:cxnLst>
+            <a:rect l="l" t="t" r="r" b="b"/>
+            <a:pathLst>
+              <a:path w="1585158" h="856572">
+                <a:moveTo>
+                  <a:pt x="982227" y="1"/>
+                </a:moveTo>
+                <a:cubicBezTo>
+                  <a:pt x="1059864" y="0"/>
+                  <a:pt x="1137501" y="29618"/>
+                  <a:pt x="1196736" y="88853"/>
+                </a:cubicBezTo>
+                <a:lnTo>
+                  <a:pt x="1585158" y="477276"/>
+                </a:lnTo>
+                <a:lnTo>
+                  <a:pt x="1585158" y="856572"/>
+                </a:lnTo>
+                <a:lnTo>
+                  <a:pt x="0" y="856572"/>
+                </a:lnTo>
+                <a:lnTo>
+                  <a:pt x="767718" y="88853"/>
+                </a:lnTo>
+                <a:cubicBezTo>
+                  <a:pt x="826953" y="29618"/>
+                  <a:pt x="904590" y="0"/>
+                  <a:pt x="982227" y="1"/>
+                </a:cubicBezTo>
+                <a:close/>
+              </a:path>
+            </a:pathLst>
+          </a:custGeom>
+          <a:solidFill>
+            <a:srgbClr val="2A2625"/>
+          </a:solidFill>
+          <a:ln>
+            <a:noFill/>
+          </a:ln>
+        </p:spPr>
+        <p:style>
+          <a:lnRef idx="2">
+            <a:schemeClr val="accent1">
+              <a:shade val="50000"/>
+            </a:schemeClr>
+          </a:lnRef>
+          <a:fillRef idx="1">
+            <a:schemeClr val="accent1"/>
+          </a:fillRef>
+          <a:effectRef idx="0">
+            <a:schemeClr val="accent1"/>
+          </a:effectRef>
+          <a:fontRef idx="minor">
+            <a:schemeClr val="lt1"/>
+          </a:fontRef>
+        </p:style>
+        <p:txBody>
+          <a:bodyPr rtlCol="0" anchor="ctr"/>
+          <a:lstStyle/>
+          <a:p>
+            <a:pPr algn="ctr"/>
+            <a:endParaRPr lang="zh-CN" altLang="en-US">
+              <a:latin typeface="Arial" panose="020B0604020202020204" pitchFamily="34" charset="0"/>
+              <a:ea typeface="Droid Sans Fallback" panose="020B0502000000000001" pitchFamily="50" charset="-128"/>
+              <a:cs typeface="Arial" panose="020B0604020202020204" pitchFamily="34" charset="0"/>
+              <a:sym typeface="Arial" panose="020B0604020202020204" pitchFamily="34" charset="0"/>
+            </a:endParaRPr>
+          </a:p>
+        </p:txBody>
+      </p:sp>
+      <p:sp>
+        <p:nvSpPr>
+          <p:cNvPr id="15" name="稻壳儿春秋广告/盗版必究        原创来源：http://chn.docer.com/works?userid=199329941#!/work_time"/>
+          <p:cNvSpPr/>
+          <p:nvPr/>
+        </p:nvSpPr>
+        <p:spPr>
+          <a:xfrm>
+            <a:off x="10848444" y="6419271"/>
+            <a:ext cx="1101953" cy="438729"/>
+          </a:xfrm>
+          <a:custGeom>
+            <a:avLst/>
+            <a:gdLst>
+              <a:gd name="connsiteX0" fmla="*/ 550977 w 1101953"/>
+              <a:gd name="connsiteY0" fmla="*/ 0 h 438729"/>
+              <a:gd name="connsiteX1" fmla="*/ 742595 w 1101953"/>
+              <a:gd name="connsiteY1" fmla="*/ 79371 h 438729"/>
+              <a:gd name="connsiteX2" fmla="*/ 1101953 w 1101953"/>
+              <a:gd name="connsiteY2" fmla="*/ 438729 h 438729"/>
+              <a:gd name="connsiteX3" fmla="*/ 0 w 1101953"/>
+              <a:gd name="connsiteY3" fmla="*/ 438729 h 438729"/>
+              <a:gd name="connsiteX4" fmla="*/ 359358 w 1101953"/>
+              <a:gd name="connsiteY4" fmla="*/ 79371 h 438729"/>
+              <a:gd name="connsiteX5" fmla="*/ 550977 w 1101953"/>
+              <a:gd name="connsiteY5" fmla="*/ 0 h 438729"/>
+            </a:gdLst>
+            <a:ahLst/>
+            <a:cxnLst>
+              <a:cxn ang="0">
+                <a:pos x="connsiteX0" y="connsiteY0"/>
+              </a:cxn>
+              <a:cxn ang="0">
+                <a:pos x="connsiteX1" y="connsiteY1"/>
+              </a:cxn>
+              <a:cxn ang="0">
+                <a:pos x="connsiteX2" y="connsiteY2"/>
+              </a:cxn>
+              <a:cxn ang="0">
+                <a:pos x="connsiteX3" y="connsiteY3"/>
+              </a:cxn>
+              <a:cxn ang="0">
+                <a:pos x="connsiteX4" y="connsiteY4"/>
+              </a:cxn>
+              <a:cxn ang="0">
+                <a:pos x="connsiteX5" y="connsiteY5"/>
+              </a:cxn>
+            </a:cxnLst>
+            <a:rect l="l" t="t" r="r" b="b"/>
+            <a:pathLst>
+              <a:path w="1101953" h="438729">
+                <a:moveTo>
+                  <a:pt x="550977" y="0"/>
+                </a:moveTo>
+                <a:cubicBezTo>
+                  <a:pt x="620329" y="0"/>
+                  <a:pt x="689681" y="26457"/>
+                  <a:pt x="742595" y="79371"/>
+                </a:cubicBezTo>
+                <a:lnTo>
+                  <a:pt x="1101953" y="438729"/>
+                </a:lnTo>
+                <a:lnTo>
+                  <a:pt x="0" y="438729"/>
+                </a:lnTo>
+                <a:lnTo>
+                  <a:pt x="359358" y="79371"/>
+                </a:lnTo>
+                <a:cubicBezTo>
+                  <a:pt x="412272" y="26457"/>
+                  <a:pt x="481624" y="0"/>
+                  <a:pt x="550977" y="0"/>
+                </a:cubicBezTo>
+                <a:close/>
+              </a:path>
+            </a:pathLst>
+          </a:custGeom>
+          <a:solidFill>
+            <a:srgbClr val="02868F"/>
+          </a:solidFill>
+          <a:ln>
+            <a:noFill/>
+          </a:ln>
+        </p:spPr>
+        <p:style>
+          <a:lnRef idx="2">
+            <a:schemeClr val="accent1">
+              <a:shade val="50000"/>
+            </a:schemeClr>
+          </a:lnRef>
+          <a:fillRef idx="1">
+            <a:schemeClr val="accent1"/>
+          </a:fillRef>
+          <a:effectRef idx="0">
+            <a:schemeClr val="accent1"/>
+          </a:effectRef>
+          <a:fontRef idx="minor">
+            <a:schemeClr val="lt1"/>
+          </a:fontRef>
+        </p:style>
+        <p:txBody>
+          <a:bodyPr rtlCol="0" anchor="ctr"/>
+          <a:lstStyle/>
+          <a:p>
+            <a:pPr algn="ctr"/>
+            <a:endParaRPr lang="zh-CN" altLang="en-US">
+              <a:latin typeface="Arial" panose="020B0604020202020204" pitchFamily="34" charset="0"/>
+              <a:ea typeface="Droid Sans Fallback" panose="020B0502000000000001" pitchFamily="50" charset="-128"/>
+              <a:cs typeface="Arial" panose="020B0604020202020204" pitchFamily="34" charset="0"/>
+              <a:sym typeface="Arial" panose="020B0604020202020204" pitchFamily="34" charset="0"/>
+            </a:endParaRPr>
+          </a:p>
+        </p:txBody>
+      </p:sp>
+      <p:sp>
+        <p:nvSpPr>
+          <p:cNvPr id="25" name="稻壳儿春秋广告/盗版必究        原创来源：http://chn.docer.com/works?userid=199329941#!/work_time"/>
+          <p:cNvSpPr txBox="1"/>
+          <p:nvPr/>
+        </p:nvSpPr>
+        <p:spPr>
+          <a:xfrm>
+            <a:off x="4399281" y="392370"/>
             <a:ext cx="3393438" cy="706755"/>
           </a:xfrm>
           <a:prstGeom prst="rect">
@@ -2785,407 +4158,7 @@
 </p:sld>
 </file>
 
-<file path=ppt/slides/slide11.xml><?xml version="1.0" encoding="utf-8"?>
-<p:sld xmlns:a="http://schemas.openxmlformats.org/drawingml/2006/main" xmlns:r="http://schemas.openxmlformats.org/officeDocument/2006/relationships" xmlns:p="http://schemas.openxmlformats.org/presentationml/2006/main">
-  <p:cSld>
-    <p:spTree>
-      <p:nvGrpSpPr>
-        <p:cNvPr id="1" name=""/>
-        <p:cNvGrpSpPr/>
-        <p:nvPr/>
-      </p:nvGrpSpPr>
-      <p:grpSpPr>
-        <a:xfrm>
-          <a:off x="0" y="0"/>
-          <a:ext cx="0" cy="0"/>
-          <a:chOff x="0" y="0"/>
-          <a:chExt cx="0" cy="0"/>
-        </a:xfrm>
-      </p:grpSpPr>
-      <p:sp>
-        <p:nvSpPr>
-          <p:cNvPr id="8" name="稻壳儿春秋广告/盗版必究        原创来源：http://chn.docer.com/works?userid=199329941#!/work_time"/>
-          <p:cNvSpPr/>
-          <p:nvPr/>
-        </p:nvSpPr>
-        <p:spPr>
-          <a:xfrm rot="2700000">
-            <a:off x="3851140" y="-3663719"/>
-            <a:ext cx="6909795" cy="6909793"/>
-          </a:xfrm>
-          <a:prstGeom prst="roundRect">
-            <a:avLst/>
-          </a:prstGeom>
-          <a:solidFill>
-            <a:srgbClr val="02868F"/>
-          </a:solidFill>
-          <a:ln>
-            <a:noFill/>
-          </a:ln>
-        </p:spPr>
-        <p:style>
-          <a:lnRef idx="2">
-            <a:schemeClr val="accent1">
-              <a:shade val="50000"/>
-            </a:schemeClr>
-          </a:lnRef>
-          <a:fillRef idx="1">
-            <a:schemeClr val="accent1"/>
-          </a:fillRef>
-          <a:effectRef idx="0">
-            <a:schemeClr val="accent1"/>
-          </a:effectRef>
-          <a:fontRef idx="minor">
-            <a:schemeClr val="lt1"/>
-          </a:fontRef>
-        </p:style>
-        <p:txBody>
-          <a:bodyPr rtlCol="0" anchor="ctr"/>
-          <a:lstStyle/>
-          <a:p>
-            <a:pPr marL="0" marR="0" lvl="0" indent="0" algn="ctr" defTabSz="914400" rtl="0" eaLnBrk="1" fontAlgn="auto" latinLnBrk="0" hangingPunct="1">
-              <a:lnSpc>
-                <a:spcPct val="100000"/>
-              </a:lnSpc>
-              <a:spcBef>
-                <a:spcPts val="0"/>
-              </a:spcBef>
-              <a:spcAft>
-                <a:spcPts val="0"/>
-              </a:spcAft>
-              <a:buClrTx/>
-              <a:buSzTx/>
-              <a:buFontTx/>
-              <a:buNone/>
-              <a:defRPr/>
-            </a:pPr>
-            <a:endParaRPr kumimoji="0" lang="zh-CN" altLang="en-US" sz="1800" b="0" i="0" u="none" strike="noStrike" kern="1200" cap="none" spc="0" normalizeH="0" baseline="0" noProof="0" dirty="0">
-              <a:ln>
-                <a:noFill/>
-              </a:ln>
-              <a:solidFill>
-                <a:prstClr val="white"/>
-              </a:solidFill>
-              <a:effectLst/>
-              <a:uLnTx/>
-              <a:uFillTx/>
-              <a:latin typeface="Arial" panose="020B0604020202020204" pitchFamily="34" charset="0"/>
-              <a:ea typeface="Droid Sans Fallback" panose="020B0502000000000001" pitchFamily="50" charset="-128"/>
-              <a:cs typeface="Arial" panose="020B0604020202020204" pitchFamily="34" charset="0"/>
-              <a:sym typeface="Arial" panose="020B0604020202020204" pitchFamily="34" charset="0"/>
-            </a:endParaRPr>
-          </a:p>
-        </p:txBody>
-      </p:sp>
-      <p:sp>
-        <p:nvSpPr>
-          <p:cNvPr id="9" name="稻壳儿春秋广告/盗版必究        原创来源：http://chn.docer.com/works?userid=199329941#!/work_time"/>
-          <p:cNvSpPr/>
-          <p:nvPr/>
-        </p:nvSpPr>
-        <p:spPr>
-          <a:xfrm rot="2700000">
-            <a:off x="7753438" y="3697885"/>
-            <a:ext cx="7486472" cy="7486467"/>
-          </a:xfrm>
-          <a:prstGeom prst="roundRect">
-            <a:avLst/>
-          </a:prstGeom>
-          <a:solidFill>
-            <a:srgbClr val="F67654"/>
-          </a:solidFill>
-          <a:ln>
-            <a:noFill/>
-          </a:ln>
-        </p:spPr>
-        <p:style>
-          <a:lnRef idx="2">
-            <a:schemeClr val="accent1">
-              <a:shade val="50000"/>
-            </a:schemeClr>
-          </a:lnRef>
-          <a:fillRef idx="1">
-            <a:schemeClr val="accent1"/>
-          </a:fillRef>
-          <a:effectRef idx="0">
-            <a:schemeClr val="accent1"/>
-          </a:effectRef>
-          <a:fontRef idx="minor">
-            <a:schemeClr val="lt1"/>
-          </a:fontRef>
-        </p:style>
-        <p:txBody>
-          <a:bodyPr rtlCol="0" anchor="ctr"/>
-          <a:lstStyle/>
-          <a:p>
-            <a:pPr marL="0" marR="0" lvl="0" indent="0" algn="ctr" defTabSz="914400" rtl="0" eaLnBrk="1" fontAlgn="auto" latinLnBrk="0" hangingPunct="1">
-              <a:lnSpc>
-                <a:spcPct val="100000"/>
-              </a:lnSpc>
-              <a:spcBef>
-                <a:spcPts val="0"/>
-              </a:spcBef>
-              <a:spcAft>
-                <a:spcPts val="0"/>
-              </a:spcAft>
-              <a:buClrTx/>
-              <a:buSzTx/>
-              <a:buFontTx/>
-              <a:buNone/>
-              <a:defRPr/>
-            </a:pPr>
-            <a:endParaRPr kumimoji="0" lang="zh-CN" altLang="en-US" sz="1800" b="0" i="0" u="none" strike="noStrike" kern="1200" cap="none" spc="0" normalizeH="0" baseline="0" noProof="0">
-              <a:ln>
-                <a:noFill/>
-              </a:ln>
-              <a:solidFill>
-                <a:prstClr val="white"/>
-              </a:solidFill>
-              <a:effectLst/>
-              <a:uLnTx/>
-              <a:uFillTx/>
-              <a:latin typeface="Arial" panose="020B0604020202020204" pitchFamily="34" charset="0"/>
-              <a:ea typeface="Droid Sans Fallback" panose="020B0502000000000001" pitchFamily="50" charset="-128"/>
-              <a:cs typeface="Arial" panose="020B0604020202020204" pitchFamily="34" charset="0"/>
-              <a:sym typeface="Arial" panose="020B0604020202020204" pitchFamily="34" charset="0"/>
-            </a:endParaRPr>
-          </a:p>
-        </p:txBody>
-      </p:sp>
-      <p:sp>
-        <p:nvSpPr>
-          <p:cNvPr id="18" name="稻壳儿春秋广告/盗版必究        原创来源：http://chn.docer.com/works?userid=199329941#!/work_time"/>
-          <p:cNvSpPr/>
-          <p:nvPr/>
-        </p:nvSpPr>
-        <p:spPr>
-          <a:xfrm rot="2700000">
-            <a:off x="3679692" y="-4330467"/>
-            <a:ext cx="6909795" cy="6909793"/>
-          </a:xfrm>
-          <a:prstGeom prst="roundRect">
-            <a:avLst/>
-          </a:prstGeom>
-          <a:solidFill>
-            <a:schemeClr val="bg1"/>
-          </a:solidFill>
-          <a:ln>
-            <a:noFill/>
-          </a:ln>
-        </p:spPr>
-        <p:style>
-          <a:lnRef idx="2">
-            <a:schemeClr val="accent1">
-              <a:shade val="50000"/>
-            </a:schemeClr>
-          </a:lnRef>
-          <a:fillRef idx="1">
-            <a:schemeClr val="accent1"/>
-          </a:fillRef>
-          <a:effectRef idx="0">
-            <a:schemeClr val="accent1"/>
-          </a:effectRef>
-          <a:fontRef idx="minor">
-            <a:schemeClr val="lt1"/>
-          </a:fontRef>
-        </p:style>
-        <p:txBody>
-          <a:bodyPr rtlCol="0" anchor="ctr"/>
-          <a:lstStyle/>
-          <a:p>
-            <a:pPr marL="0" marR="0" lvl="0" indent="0" algn="ctr" defTabSz="914400" rtl="0" eaLnBrk="1" fontAlgn="auto" latinLnBrk="0" hangingPunct="1">
-              <a:lnSpc>
-                <a:spcPct val="100000"/>
-              </a:lnSpc>
-              <a:spcBef>
-                <a:spcPts val="0"/>
-              </a:spcBef>
-              <a:spcAft>
-                <a:spcPts val="0"/>
-              </a:spcAft>
-              <a:buClrTx/>
-              <a:buSzTx/>
-              <a:buFontTx/>
-              <a:buNone/>
-              <a:defRPr/>
-            </a:pPr>
-            <a:endParaRPr kumimoji="0" lang="zh-CN" altLang="en-US" sz="1800" b="0" i="0" u="none" strike="noStrike" kern="1200" cap="none" spc="0" normalizeH="0" baseline="0" noProof="0" dirty="0">
-              <a:ln>
-                <a:noFill/>
-              </a:ln>
-              <a:solidFill>
-                <a:prstClr val="white"/>
-              </a:solidFill>
-              <a:effectLst/>
-              <a:uLnTx/>
-              <a:uFillTx/>
-              <a:latin typeface="Arial" panose="020B0604020202020204" pitchFamily="34" charset="0"/>
-              <a:ea typeface="Droid Sans Fallback" panose="020B0502000000000001" pitchFamily="50" charset="-128"/>
-              <a:cs typeface="Arial" panose="020B0604020202020204" pitchFamily="34" charset="0"/>
-              <a:sym typeface="Arial" panose="020B0604020202020204" pitchFamily="34" charset="0"/>
-            </a:endParaRPr>
-          </a:p>
-        </p:txBody>
-      </p:sp>
-      <p:sp>
-        <p:nvSpPr>
-          <p:cNvPr id="19" name="稻壳儿春秋广告/盗版必究        原创来源：http://chn.docer.com/works?userid=199329941#!/work_time"/>
-          <p:cNvSpPr/>
-          <p:nvPr/>
-        </p:nvSpPr>
-        <p:spPr>
-          <a:xfrm rot="2700000">
-            <a:off x="2313891" y="1103488"/>
-            <a:ext cx="1142946" cy="1142946"/>
-          </a:xfrm>
-          <a:prstGeom prst="roundRect">
-            <a:avLst/>
-          </a:prstGeom>
-          <a:solidFill>
-            <a:srgbClr val="0B506C"/>
-          </a:solidFill>
-          <a:ln>
-            <a:noFill/>
-          </a:ln>
-        </p:spPr>
-        <p:style>
-          <a:lnRef idx="2">
-            <a:schemeClr val="accent1">
-              <a:shade val="50000"/>
-            </a:schemeClr>
-          </a:lnRef>
-          <a:fillRef idx="1">
-            <a:schemeClr val="accent1"/>
-          </a:fillRef>
-          <a:effectRef idx="0">
-            <a:schemeClr val="accent1"/>
-          </a:effectRef>
-          <a:fontRef idx="minor">
-            <a:schemeClr val="lt1"/>
-          </a:fontRef>
-        </p:style>
-        <p:txBody>
-          <a:bodyPr rtlCol="0" anchor="ctr"/>
-          <a:lstStyle/>
-          <a:p>
-            <a:pPr marL="0" marR="0" lvl="0" indent="0" algn="ctr" defTabSz="914400" rtl="0" eaLnBrk="1" fontAlgn="auto" latinLnBrk="0" hangingPunct="1">
-              <a:lnSpc>
-                <a:spcPct val="100000"/>
-              </a:lnSpc>
-              <a:spcBef>
-                <a:spcPts val="0"/>
-              </a:spcBef>
-              <a:spcAft>
-                <a:spcPts val="0"/>
-              </a:spcAft>
-              <a:buClrTx/>
-              <a:buSzTx/>
-              <a:buFontTx/>
-              <a:buNone/>
-              <a:defRPr/>
-            </a:pPr>
-            <a:endParaRPr kumimoji="0" lang="zh-CN" altLang="en-US" sz="1800" b="0" i="0" u="none" strike="noStrike" kern="1200" cap="none" spc="0" normalizeH="0" baseline="0" noProof="0">
-              <a:ln>
-                <a:noFill/>
-              </a:ln>
-              <a:solidFill>
-                <a:prstClr val="white"/>
-              </a:solidFill>
-              <a:effectLst/>
-              <a:uLnTx/>
-              <a:uFillTx/>
-              <a:latin typeface="Arial" panose="020B0604020202020204" pitchFamily="34" charset="0"/>
-              <a:ea typeface="Droid Sans Fallback" panose="020B0502000000000001" pitchFamily="50" charset="-128"/>
-              <a:cs typeface="Arial" panose="020B0604020202020204" pitchFamily="34" charset="0"/>
-              <a:sym typeface="Arial" panose="020B0604020202020204" pitchFamily="34" charset="0"/>
-            </a:endParaRPr>
-          </a:p>
-        </p:txBody>
-      </p:sp>
-      <p:sp>
-        <p:nvSpPr>
-          <p:cNvPr id="24" name="稻壳儿春秋广告/盗版必究        原创来源：http://chn.docer.com/works?userid=199329941#!/work_time"/>
-          <p:cNvSpPr/>
-          <p:nvPr/>
-        </p:nvSpPr>
-        <p:spPr>
-          <a:xfrm rot="2700000">
-            <a:off x="6678765" y="-1687006"/>
-            <a:ext cx="3374012" cy="3374012"/>
-          </a:xfrm>
-          <a:prstGeom prst="roundRect">
-            <a:avLst/>
-          </a:prstGeom>
-          <a:solidFill>
-            <a:srgbClr val="2A2625"/>
-          </a:solidFill>
-          <a:ln>
-            <a:noFill/>
-          </a:ln>
-        </p:spPr>
-        <p:style>
-          <a:lnRef idx="2">
-            <a:schemeClr val="accent1">
-              <a:shade val="50000"/>
-            </a:schemeClr>
-          </a:lnRef>
-          <a:fillRef idx="1">
-            <a:schemeClr val="accent1"/>
-          </a:fillRef>
-          <a:effectRef idx="0">
-            <a:schemeClr val="accent1"/>
-          </a:effectRef>
-          <a:fontRef idx="minor">
-            <a:schemeClr val="lt1"/>
-          </a:fontRef>
-        </p:style>
-        <p:txBody>
-          <a:bodyPr rtlCol="0" anchor="ctr"/>
-          <a:lstStyle/>
-          <a:p>
-            <a:pPr marL="0" marR="0" lvl="0" indent="0" algn="ctr" defTabSz="914400" rtl="0" eaLnBrk="1" fontAlgn="auto" latinLnBrk="0" hangingPunct="1">
-              <a:lnSpc>
-                <a:spcPct val="100000"/>
-              </a:lnSpc>
-              <a:spcBef>
-                <a:spcPts val="0"/>
-              </a:spcBef>
-              <a:spcAft>
-                <a:spcPts val="0"/>
-              </a:spcAft>
-              <a:buClrTx/>
-              <a:buSzTx/>
-              <a:buFontTx/>
-              <a:buNone/>
-              <a:defRPr/>
-            </a:pPr>
-            <a:endParaRPr kumimoji="0" lang="zh-CN" altLang="en-US" sz="1800" b="0" i="0" u="none" strike="noStrike" kern="1200" cap="none" spc="0" normalizeH="0" baseline="0" noProof="0">
-              <a:ln>
-                <a:noFill/>
-              </a:ln>
-              <a:solidFill>
-                <a:prstClr val="white"/>
-              </a:solidFill>
-              <a:effectLst/>
-              <a:uLnTx/>
-              <a:uFillTx/>
-              <a:latin typeface="Arial" panose="020B0604020202020204" pitchFamily="34" charset="0"/>
-              <a:ea typeface="Droid Sans Fallback" panose="020B0502000000000001" pitchFamily="50" charset="-128"/>
-              <a:cs typeface="Arial" panose="020B0604020202020204" pitchFamily="34" charset="0"/>
-              <a:sym typeface="Arial" panose="020B0604020202020204" pitchFamily="34" charset="0"/>
-            </a:endParaRPr>
-          </a:p>
-        </p:txBody>
-      </p:sp>
-    </p:spTree>
-  </p:cSld>
-  <p:clrMapOvr>
-    <a:masterClrMapping/>
-  </p:clrMapOvr>
-</p:sld>
-</file>
-
-<file path=ppt/slides/slide12.xml><?xml version="1.0" encoding="utf-8"?>
+<file path=ppt/slides/slide13.xml><?xml version="1.0" encoding="utf-8"?>
 <p:sld xmlns:a="http://schemas.openxmlformats.org/drawingml/2006/main" xmlns:r="http://schemas.openxmlformats.org/officeDocument/2006/relationships" xmlns:p="http://schemas.openxmlformats.org/presentationml/2006/main">
   <p:cSld>
     <p:spTree>
@@ -3686,40 +4659,374 @@
           </a:p>
         </p:txBody>
       </p:sp>
-    </p:spTree>
-  </p:cSld>
-  <p:clrMapOvr>
-    <a:masterClrMapping/>
-  </p:clrMapOvr>
-</p:sld>
-</file>
-
-<file path=ppt/slides/slide13.xml><?xml version="1.0" encoding="utf-8"?>
-<p:sld xmlns:a="http://schemas.openxmlformats.org/drawingml/2006/main" xmlns:r="http://schemas.openxmlformats.org/officeDocument/2006/relationships" xmlns:p="http://schemas.openxmlformats.org/presentationml/2006/main">
-  <p:cSld>
-    <p:spTree>
-      <p:nvGrpSpPr>
-        <p:cNvPr id="1" name=""/>
-        <p:cNvGrpSpPr/>
-        <p:nvPr/>
-      </p:nvGrpSpPr>
-      <p:grpSpPr>
-        <a:xfrm>
-          <a:off x="0" y="0"/>
-          <a:ext cx="0" cy="0"/>
-          <a:chOff x="0" y="0"/>
-          <a:chExt cx="0" cy="0"/>
-        </a:xfrm>
-      </p:grpSpPr>
-      <p:sp>
-        <p:nvSpPr>
-          <p:cNvPr id="21" name="稻壳儿春秋广告/盗版必究        原创来源：http://chn.docer.com/works?userid=199329941#!/work_time"/>
+      <p:sp>
+        <p:nvSpPr>
+          <p:cNvPr id="25" name="稻壳儿春秋广告/盗版必究        原创来源：http://chn.docer.com/works?userid=199329941#!/work_time"/>
+          <p:cNvSpPr txBox="1"/>
+          <p:nvPr/>
+        </p:nvSpPr>
+        <p:spPr>
+          <a:xfrm>
+            <a:off x="4399281" y="392370"/>
+            <a:ext cx="3393438" cy="398780"/>
+          </a:xfrm>
+          <a:prstGeom prst="rect">
+            <a:avLst/>
+          </a:prstGeom>
+          <a:noFill/>
+        </p:spPr>
+        <p:txBody>
+          <a:bodyPr wrap="square" rtlCol="0">
+            <a:spAutoFit/>
+          </a:bodyPr>
+          <a:lstStyle/>
+          <a:p>
+            <a:pPr algn="ctr"/>
+            <a:r>
+              <a:rPr lang="ru-RU" altLang="zh-CN" sz="2000" dirty="0">
+                <a:latin typeface="Arial" panose="020B0604020202020204" pitchFamily="34" charset="0"/>
+                <a:ea typeface="Droid Sans Fallback" panose="020B0502000000000001" pitchFamily="50" charset="-128"/>
+                <a:cs typeface="Arial" panose="020B0604020202020204" pitchFamily="34" charset="0"/>
+                <a:sym typeface="Arial" panose="020B0604020202020204" pitchFamily="34" charset="0"/>
+              </a:rPr>
+              <a:t>Хранение</a:t>
+            </a:r>
+            <a:endParaRPr lang="ru-RU" altLang="zh-CN" sz="2000" dirty="0">
+              <a:latin typeface="Arial" panose="020B0604020202020204" pitchFamily="34" charset="0"/>
+              <a:ea typeface="Droid Sans Fallback" panose="020B0502000000000001" pitchFamily="50" charset="-128"/>
+              <a:cs typeface="Arial" panose="020B0604020202020204" pitchFamily="34" charset="0"/>
+              <a:sym typeface="Arial" panose="020B0604020202020204" pitchFamily="34" charset="0"/>
+            </a:endParaRPr>
+          </a:p>
+        </p:txBody>
+      </p:sp>
+      <p:graphicFrame>
+        <p:nvGraphicFramePr>
+          <p:cNvPr id="13" name="Объект 12"/>
+          <p:cNvGraphicFramePr/>
+          <p:nvPr/>
+        </p:nvGraphicFramePr>
+        <p:xfrm>
+          <a:off x="3536950" y="1229360"/>
+          <a:ext cx="5334635" cy="2259330"/>
+        </p:xfrm>
+        <a:graphic>
+          <a:graphicData uri="http://schemas.openxmlformats.org/presentationml/2006/ole">
+            <mc:AlternateContent xmlns:mc="http://schemas.openxmlformats.org/markup-compatibility/2006">
+              <mc:Choice xmlns:v="urn:schemas-microsoft-com:vml" Requires="v">
+                <p:oleObj spid="_x0000_s14" name="" r:id="rId1" imgW="3481705" imgH="1390650" progId="Paint.Picture">
+                  <p:embed/>
+                </p:oleObj>
+              </mc:Choice>
+              <mc:Fallback>
+                <p:oleObj name="" r:id="rId1" imgW="3481705" imgH="1390650" progId="Paint.Picture">
+                  <p:embed/>
+                  <p:pic>
+                    <p:nvPicPr>
+                      <p:cNvPr id="0" name="Изображение 13"/>
+                      <p:cNvPicPr/>
+                      <p:nvPr/>
+                    </p:nvPicPr>
+                    <p:blipFill>
+                      <a:blip r:embed="rId2"/>
+                      <a:stretch>
+                        <a:fillRect/>
+                      </a:stretch>
+                    </p:blipFill>
+                    <p:spPr>
+                      <a:xfrm>
+                        <a:off x="3536950" y="1229360"/>
+                        <a:ext cx="5334635" cy="2259330"/>
+                      </a:xfrm>
+                      <a:prstGeom prst="rect">
+                        <a:avLst/>
+                      </a:prstGeom>
+                    </p:spPr>
+                  </p:pic>
+                </p:oleObj>
+              </mc:Fallback>
+            </mc:AlternateContent>
+          </a:graphicData>
+        </a:graphic>
+      </p:graphicFrame>
+      <p:sp>
+        <p:nvSpPr>
+          <p:cNvPr id="16" name="Текстовое поле 15"/>
+          <p:cNvSpPr txBox="1"/>
+          <p:nvPr/>
+        </p:nvSpPr>
+        <p:spPr>
+          <a:xfrm>
+            <a:off x="692785" y="1390015"/>
+            <a:ext cx="2754630" cy="645160"/>
+          </a:xfrm>
+          <a:prstGeom prst="rect">
+            <a:avLst/>
+          </a:prstGeom>
+          <a:noFill/>
+        </p:spPr>
+        <p:txBody>
+          <a:bodyPr wrap="square" rtlCol="0">
+            <a:spAutoFit/>
+          </a:bodyPr>
+          <a:p>
+            <a:r>
+              <a:rPr lang="ru-RU" altLang="en-US"/>
+              <a:t>текстуры расположены в папке </a:t>
+            </a:r>
+            <a:r>
+              <a:rPr lang="en-US" altLang="en-US"/>
+              <a:t>data</a:t>
+            </a:r>
+            <a:endParaRPr lang="en-US" altLang="en-US"/>
+          </a:p>
+        </p:txBody>
+      </p:sp>
+      <p:sp>
+        <p:nvSpPr>
+          <p:cNvPr id="17" name="Текстовое поле 16"/>
+          <p:cNvSpPr txBox="1"/>
+          <p:nvPr/>
+        </p:nvSpPr>
+        <p:spPr>
+          <a:xfrm>
+            <a:off x="692785" y="2257425"/>
+            <a:ext cx="4064000" cy="368300"/>
+          </a:xfrm>
+          <a:prstGeom prst="rect">
+            <a:avLst/>
+          </a:prstGeom>
+          <a:noFill/>
+        </p:spPr>
+        <p:txBody>
+          <a:bodyPr wrap="square" rtlCol="0">
+            <a:spAutoFit/>
+          </a:bodyPr>
+          <a:p>
+            <a:r>
+              <a:rPr lang="ru-RU" altLang="en-US"/>
+              <a:t>мир хранится в папке </a:t>
+            </a:r>
+            <a:r>
+              <a:rPr lang="en-US" altLang="en-US"/>
+              <a:t>mir</a:t>
+            </a:r>
+            <a:endParaRPr lang="en-US" altLang="en-US"/>
+          </a:p>
+        </p:txBody>
+      </p:sp>
+      <p:sp>
+        <p:nvSpPr>
+          <p:cNvPr id="18" name="Текстовое поле 17"/>
+          <p:cNvSpPr txBox="1"/>
+          <p:nvPr/>
+        </p:nvSpPr>
+        <p:spPr>
+          <a:xfrm>
+            <a:off x="692785" y="2882265"/>
+            <a:ext cx="2771140" cy="645160"/>
+          </a:xfrm>
+          <a:prstGeom prst="rect">
+            <a:avLst/>
+          </a:prstGeom>
+          <a:noFill/>
+        </p:spPr>
+        <p:txBody>
+          <a:bodyPr wrap="square" rtlCol="0">
+            <a:spAutoFit/>
+          </a:bodyPr>
+          <a:p>
+            <a:r>
+              <a:rPr lang="ru-RU" altLang="en-US"/>
+              <a:t>инвентарь хванится в папке </a:t>
+            </a:r>
+            <a:r>
+              <a:rPr lang="en-US" altLang="en-US"/>
+              <a:t>inventar</a:t>
+            </a:r>
+            <a:endParaRPr lang="en-US" altLang="en-US"/>
+          </a:p>
+        </p:txBody>
+      </p:sp>
+      <p:sp>
+        <p:nvSpPr>
+          <p:cNvPr id="19" name="Текстовое поле 18"/>
+          <p:cNvSpPr txBox="1"/>
+          <p:nvPr/>
+        </p:nvSpPr>
+        <p:spPr>
+          <a:xfrm>
+            <a:off x="9196705" y="1508760"/>
+            <a:ext cx="2785110" cy="922020"/>
+          </a:xfrm>
+          <a:prstGeom prst="rect">
+            <a:avLst/>
+          </a:prstGeom>
+          <a:noFill/>
+        </p:spPr>
+        <p:txBody>
+          <a:bodyPr wrap="square" rtlCol="0">
+            <a:spAutoFit/>
+          </a:bodyPr>
+          <a:p>
+            <a:r>
+              <a:rPr lang="ru-RU" altLang="ru-RU"/>
+              <a:t>код хранится в двух файлах: </a:t>
+            </a:r>
+            <a:r>
+              <a:rPr lang="en-US" altLang="ru-RU"/>
+              <a:t>main </a:t>
+            </a:r>
+            <a:r>
+              <a:rPr lang="ru-RU" altLang="ru-RU"/>
+              <a:t>и </a:t>
+            </a:r>
+            <a:r>
+              <a:rPr lang="en-US" altLang="ru-RU"/>
+              <a:t>sozdanie</a:t>
+            </a:r>
+            <a:endParaRPr lang="en-US" altLang="ru-RU"/>
+          </a:p>
+        </p:txBody>
+      </p:sp>
+      <p:sp>
+        <p:nvSpPr>
+          <p:cNvPr id="20" name="Текстовое поле 19"/>
+          <p:cNvSpPr txBox="1"/>
+          <p:nvPr/>
+        </p:nvSpPr>
+        <p:spPr>
+          <a:xfrm>
+            <a:off x="4137025" y="3655695"/>
+            <a:ext cx="4064000" cy="645160"/>
+          </a:xfrm>
+          <a:prstGeom prst="rect">
+            <a:avLst/>
+          </a:prstGeom>
+          <a:noFill/>
+        </p:spPr>
+        <p:txBody>
+          <a:bodyPr wrap="square" rtlCol="0">
+            <a:spAutoFit/>
+          </a:bodyPr>
+          <a:p>
+            <a:r>
+              <a:rPr lang="ru-RU" altLang="en-US"/>
+              <a:t>в папке настройки мира хранятся основные данные о мире</a:t>
+            </a:r>
+            <a:endParaRPr lang="ru-RU" altLang="en-US"/>
+          </a:p>
+        </p:txBody>
+      </p:sp>
+      <p:sp>
+        <p:nvSpPr>
+          <p:cNvPr id="24" name="稻壳儿春秋广告/盗版必究        原创来源：http://chn.docer.com/works?userid=199329941#!/work_time"/>
           <p:cNvSpPr/>
           <p:nvPr/>
         </p:nvSpPr>
         <p:spPr>
-          <a:xfrm>
-            <a:off x="772120" y="0"/>
+          <a:xfrm rot="2700000">
+            <a:off x="72402" y="5435054"/>
+            <a:ext cx="2998691" cy="2998690"/>
+          </a:xfrm>
+          <a:prstGeom prst="roundRect">
+            <a:avLst/>
+          </a:prstGeom>
+          <a:solidFill>
+            <a:srgbClr val="2A2625"/>
+          </a:solidFill>
+          <a:ln>
+            <a:noFill/>
+          </a:ln>
+        </p:spPr>
+        <p:style>
+          <a:lnRef idx="2">
+            <a:schemeClr val="accent1">
+              <a:shade val="50000"/>
+            </a:schemeClr>
+          </a:lnRef>
+          <a:fillRef idx="1">
+            <a:schemeClr val="accent1"/>
+          </a:fillRef>
+          <a:effectRef idx="0">
+            <a:schemeClr val="accent1"/>
+          </a:effectRef>
+          <a:fontRef idx="minor">
+            <a:schemeClr val="lt1"/>
+          </a:fontRef>
+        </p:style>
+        <p:txBody>
+          <a:bodyPr rtlCol="0" anchor="ctr"/>
+          <a:p>
+            <a:pPr algn="ctr"/>
+            <a:endParaRPr lang="zh-CN" altLang="en-US" dirty="0">
+              <a:latin typeface="Arial" panose="020B0604020202020204" pitchFamily="34" charset="0"/>
+              <a:ea typeface="Droid Sans Fallback" panose="020B0502000000000001" pitchFamily="50" charset="-128"/>
+              <a:cs typeface="Arial" panose="020B0604020202020204" pitchFamily="34" charset="0"/>
+              <a:sym typeface="Arial" panose="020B0604020202020204" pitchFamily="34" charset="0"/>
+            </a:endParaRPr>
+          </a:p>
+        </p:txBody>
+      </p:sp>
+      <p:sp>
+        <p:nvSpPr>
+          <p:cNvPr id="26" name="稻壳儿春秋广告/盗版必究        原创来源：http://chn.docer.com/works?userid=199329941#!/work_time"/>
+          <p:cNvSpPr/>
+          <p:nvPr/>
+        </p:nvSpPr>
+        <p:spPr>
+          <a:xfrm rot="2700000">
+            <a:off x="844401" y="4958842"/>
+            <a:ext cx="3713986" cy="3713985"/>
+          </a:xfrm>
+          <a:prstGeom prst="roundRect">
+            <a:avLst/>
+          </a:prstGeom>
+          <a:solidFill>
+            <a:srgbClr val="F67654"/>
+          </a:solidFill>
+          <a:ln>
+            <a:noFill/>
+          </a:ln>
+        </p:spPr>
+        <p:style>
+          <a:lnRef idx="2">
+            <a:schemeClr val="accent1">
+              <a:shade val="50000"/>
+            </a:schemeClr>
+          </a:lnRef>
+          <a:fillRef idx="1">
+            <a:schemeClr val="accent1"/>
+          </a:fillRef>
+          <a:effectRef idx="0">
+            <a:schemeClr val="accent1"/>
+          </a:effectRef>
+          <a:fontRef idx="minor">
+            <a:schemeClr val="lt1"/>
+          </a:fontRef>
+        </p:style>
+        <p:txBody>
+          <a:bodyPr rtlCol="0" anchor="ctr"/>
+          <a:p>
+            <a:pPr algn="ctr"/>
+            <a:endParaRPr lang="zh-CN" altLang="en-US">
+              <a:latin typeface="Arial" panose="020B0604020202020204" pitchFamily="34" charset="0"/>
+              <a:ea typeface="Droid Sans Fallback" panose="020B0502000000000001" pitchFamily="50" charset="-128"/>
+              <a:cs typeface="Arial" panose="020B0604020202020204" pitchFamily="34" charset="0"/>
+              <a:sym typeface="Arial" panose="020B0604020202020204" pitchFamily="34" charset="0"/>
+            </a:endParaRPr>
+          </a:p>
+        </p:txBody>
+      </p:sp>
+      <p:sp>
+        <p:nvSpPr>
+          <p:cNvPr id="22" name="稻壳儿春秋广告/盗版必究        原创来源：http://chn.docer.com/works?userid=199329941#!/work_time"/>
+          <p:cNvSpPr/>
+          <p:nvPr/>
+        </p:nvSpPr>
+        <p:spPr>
+          <a:xfrm>
+            <a:off x="7677110" y="-152400"/>
             <a:ext cx="4498380" cy="1671059"/>
           </a:xfrm>
           <a:custGeom>
@@ -3803,6 +5110,229 @@
         </p:style>
         <p:txBody>
           <a:bodyPr rtlCol="0" anchor="ctr"/>
+          <a:p>
+            <a:pPr algn="ctr"/>
+            <a:endParaRPr lang="zh-CN" altLang="en-US">
+              <a:latin typeface="Arial" panose="020B0604020202020204" pitchFamily="34" charset="0"/>
+              <a:ea typeface="Droid Sans Fallback" panose="020B0502000000000001" pitchFamily="50" charset="-128"/>
+              <a:cs typeface="Arial" panose="020B0604020202020204" pitchFamily="34" charset="0"/>
+              <a:sym typeface="Arial" panose="020B0604020202020204" pitchFamily="34" charset="0"/>
+            </a:endParaRPr>
+          </a:p>
+        </p:txBody>
+      </p:sp>
+      <p:sp>
+        <p:nvSpPr>
+          <p:cNvPr id="32" name="稻壳儿春秋广告/盗版必究        原创来源：http://chn.docer.com/works?userid=199329941#!/work_time"/>
+          <p:cNvSpPr/>
+          <p:nvPr/>
+        </p:nvSpPr>
+        <p:spPr>
+          <a:xfrm>
+            <a:off x="8268184" y="-152397"/>
+            <a:ext cx="2862972" cy="998458"/>
+          </a:xfrm>
+          <a:custGeom>
+            <a:avLst/>
+            <a:gdLst>
+              <a:gd name="connsiteX0" fmla="*/ 0 w 3731877"/>
+              <a:gd name="connsiteY0" fmla="*/ 0 h 1301487"/>
+              <a:gd name="connsiteX1" fmla="*/ 3731877 w 3731877"/>
+              <a:gd name="connsiteY1" fmla="*/ 0 h 1301487"/>
+              <a:gd name="connsiteX2" fmla="*/ 2829516 w 3731877"/>
+              <a:gd name="connsiteY2" fmla="*/ 902360 h 1301487"/>
+              <a:gd name="connsiteX3" fmla="*/ 902361 w 3731877"/>
+              <a:gd name="connsiteY3" fmla="*/ 902360 h 1301487"/>
+            </a:gdLst>
+            <a:ahLst/>
+            <a:cxnLst>
+              <a:cxn ang="0">
+                <a:pos x="connsiteX0" y="connsiteY0"/>
+              </a:cxn>
+              <a:cxn ang="0">
+                <a:pos x="connsiteX1" y="connsiteY1"/>
+              </a:cxn>
+              <a:cxn ang="0">
+                <a:pos x="connsiteX2" y="connsiteY2"/>
+              </a:cxn>
+              <a:cxn ang="0">
+                <a:pos x="connsiteX3" y="connsiteY3"/>
+              </a:cxn>
+            </a:cxnLst>
+            <a:rect l="l" t="t" r="r" b="b"/>
+            <a:pathLst>
+              <a:path w="3731877" h="1301487">
+                <a:moveTo>
+                  <a:pt x="0" y="0"/>
+                </a:moveTo>
+                <a:lnTo>
+                  <a:pt x="3731877" y="0"/>
+                </a:lnTo>
+                <a:lnTo>
+                  <a:pt x="2829516" y="902360"/>
+                </a:lnTo>
+                <a:cubicBezTo>
+                  <a:pt x="2297347" y="1434530"/>
+                  <a:pt x="1434530" y="1434530"/>
+                  <a:pt x="902361" y="902360"/>
+                </a:cubicBezTo>
+                <a:close/>
+              </a:path>
+            </a:pathLst>
+          </a:custGeom>
+          <a:solidFill>
+            <a:schemeClr val="bg1"/>
+          </a:solidFill>
+          <a:ln>
+            <a:noFill/>
+          </a:ln>
+        </p:spPr>
+        <p:style>
+          <a:lnRef idx="2">
+            <a:schemeClr val="accent1">
+              <a:shade val="50000"/>
+            </a:schemeClr>
+          </a:lnRef>
+          <a:fillRef idx="1">
+            <a:schemeClr val="accent1"/>
+          </a:fillRef>
+          <a:effectRef idx="0">
+            <a:schemeClr val="accent1"/>
+          </a:effectRef>
+          <a:fontRef idx="minor">
+            <a:schemeClr val="lt1"/>
+          </a:fontRef>
+        </p:style>
+        <p:txBody>
+          <a:bodyPr rtlCol="0" anchor="ctr"/>
+          <a:p>
+            <a:pPr algn="ctr"/>
+            <a:endParaRPr lang="zh-CN" altLang="en-US">
+              <a:latin typeface="Arial" panose="020B0604020202020204" pitchFamily="34" charset="0"/>
+              <a:ea typeface="Droid Sans Fallback" panose="020B0502000000000001" pitchFamily="50" charset="-128"/>
+              <a:cs typeface="Arial" panose="020B0604020202020204" pitchFamily="34" charset="0"/>
+              <a:sym typeface="Arial" panose="020B0604020202020204" pitchFamily="34" charset="0"/>
+            </a:endParaRPr>
+          </a:p>
+        </p:txBody>
+      </p:sp>
+    </p:spTree>
+  </p:cSld>
+  <p:clrMapOvr>
+    <a:masterClrMapping/>
+  </p:clrMapOvr>
+</p:sld>
+</file>
+
+<file path=ppt/slides/slide14.xml><?xml version="1.0" encoding="utf-8"?>
+<p:sld xmlns:a="http://schemas.openxmlformats.org/drawingml/2006/main" xmlns:r="http://schemas.openxmlformats.org/officeDocument/2006/relationships" xmlns:p="http://schemas.openxmlformats.org/presentationml/2006/main">
+  <p:cSld>
+    <p:spTree>
+      <p:nvGrpSpPr>
+        <p:cNvPr id="1" name=""/>
+        <p:cNvGrpSpPr/>
+        <p:nvPr/>
+      </p:nvGrpSpPr>
+      <p:grpSpPr>
+        <a:xfrm>
+          <a:off x="0" y="0"/>
+          <a:ext cx="0" cy="0"/>
+          <a:chOff x="0" y="0"/>
+          <a:chExt cx="0" cy="0"/>
+        </a:xfrm>
+      </p:grpSpPr>
+      <p:sp>
+        <p:nvSpPr>
+          <p:cNvPr id="21" name="稻壳儿春秋广告/盗版必究        原创来源：http://chn.docer.com/works?userid=199329941#!/work_time"/>
+          <p:cNvSpPr/>
+          <p:nvPr/>
+        </p:nvSpPr>
+        <p:spPr>
+          <a:xfrm>
+            <a:off x="772120" y="0"/>
+            <a:ext cx="4498380" cy="1671059"/>
+          </a:xfrm>
+          <a:custGeom>
+            <a:avLst/>
+            <a:gdLst>
+              <a:gd name="connsiteX0" fmla="*/ 0 w 5863628"/>
+              <a:gd name="connsiteY0" fmla="*/ 0 h 2178221"/>
+              <a:gd name="connsiteX1" fmla="*/ 5863628 w 5863628"/>
+              <a:gd name="connsiteY1" fmla="*/ 0 h 2178221"/>
+              <a:gd name="connsiteX2" fmla="*/ 4218278 w 5863628"/>
+              <a:gd name="connsiteY2" fmla="*/ 1645350 h 2178221"/>
+              <a:gd name="connsiteX3" fmla="*/ 1645350 w 5863628"/>
+              <a:gd name="connsiteY3" fmla="*/ 1645350 h 2178221"/>
+              <a:gd name="connsiteX4" fmla="*/ 0 w 5863628"/>
+              <a:gd name="connsiteY4" fmla="*/ 0 h 2178221"/>
+            </a:gdLst>
+            <a:ahLst/>
+            <a:cxnLst>
+              <a:cxn ang="0">
+                <a:pos x="connsiteX0" y="connsiteY0"/>
+              </a:cxn>
+              <a:cxn ang="0">
+                <a:pos x="connsiteX1" y="connsiteY1"/>
+              </a:cxn>
+              <a:cxn ang="0">
+                <a:pos x="connsiteX2" y="connsiteY2"/>
+              </a:cxn>
+              <a:cxn ang="0">
+                <a:pos x="connsiteX3" y="connsiteY3"/>
+              </a:cxn>
+              <a:cxn ang="0">
+                <a:pos x="connsiteX4" y="connsiteY4"/>
+              </a:cxn>
+            </a:cxnLst>
+            <a:rect l="l" t="t" r="r" b="b"/>
+            <a:pathLst>
+              <a:path w="5863628" h="2178221">
+                <a:moveTo>
+                  <a:pt x="0" y="0"/>
+                </a:moveTo>
+                <a:lnTo>
+                  <a:pt x="5863628" y="0"/>
+                </a:lnTo>
+                <a:lnTo>
+                  <a:pt x="4218278" y="1645350"/>
+                </a:lnTo>
+                <a:cubicBezTo>
+                  <a:pt x="3507784" y="2355845"/>
+                  <a:pt x="2355845" y="2355845"/>
+                  <a:pt x="1645350" y="1645350"/>
+                </a:cubicBezTo>
+                <a:lnTo>
+                  <a:pt x="0" y="0"/>
+                </a:lnTo>
+                <a:close/>
+              </a:path>
+            </a:pathLst>
+          </a:custGeom>
+          <a:solidFill>
+            <a:srgbClr val="02868F"/>
+          </a:solidFill>
+          <a:ln>
+            <a:noFill/>
+          </a:ln>
+        </p:spPr>
+        <p:style>
+          <a:lnRef idx="2">
+            <a:schemeClr val="accent1">
+              <a:shade val="50000"/>
+            </a:schemeClr>
+          </a:lnRef>
+          <a:fillRef idx="1">
+            <a:schemeClr val="accent1"/>
+          </a:fillRef>
+          <a:effectRef idx="0">
+            <a:schemeClr val="accent1"/>
+          </a:effectRef>
+          <a:fontRef idx="minor">
+            <a:schemeClr val="lt1"/>
+          </a:fontRef>
+        </p:style>
+        <p:txBody>
+          <a:bodyPr rtlCol="0" anchor="ctr"/>
           <a:lstStyle/>
           <a:p>
             <a:pPr marL="0" marR="0" lvl="0" indent="0" algn="ctr" defTabSz="914400" rtl="0" eaLnBrk="1" fontAlgn="auto" latinLnBrk="0" hangingPunct="1">
@@ -4922,6 +6452,554 @@
 </file>
 
 <file path=ppt/slides/slide3.xml><?xml version="1.0" encoding="utf-8"?>
+<p:sld xmlns:a="http://schemas.openxmlformats.org/drawingml/2006/main" xmlns:r="http://schemas.openxmlformats.org/officeDocument/2006/relationships" xmlns:p="http://schemas.openxmlformats.org/presentationml/2006/main">
+  <p:cSld>
+    <p:spTree>
+      <p:nvGrpSpPr>
+        <p:cNvPr id="1" name=""/>
+        <p:cNvGrpSpPr/>
+        <p:nvPr/>
+      </p:nvGrpSpPr>
+      <p:grpSpPr>
+        <a:xfrm>
+          <a:off x="0" y="0"/>
+          <a:ext cx="0" cy="0"/>
+          <a:chOff x="0" y="0"/>
+          <a:chExt cx="0" cy="0"/>
+        </a:xfrm>
+      </p:grpSpPr>
+      <p:sp>
+        <p:nvSpPr>
+          <p:cNvPr id="8" name="稻壳儿春秋广告/盗版必究        原创来源：http://chn.docer.com/works?userid=199329941#!/work_time"/>
+          <p:cNvSpPr/>
+          <p:nvPr/>
+        </p:nvSpPr>
+        <p:spPr>
+          <a:xfrm rot="2700000">
+            <a:off x="3851140" y="-3663719"/>
+            <a:ext cx="6909795" cy="6909793"/>
+          </a:xfrm>
+          <a:prstGeom prst="roundRect">
+            <a:avLst/>
+          </a:prstGeom>
+          <a:solidFill>
+            <a:srgbClr val="02868F"/>
+          </a:solidFill>
+          <a:ln>
+            <a:noFill/>
+          </a:ln>
+        </p:spPr>
+        <p:style>
+          <a:lnRef idx="2">
+            <a:schemeClr val="accent1">
+              <a:shade val="50000"/>
+            </a:schemeClr>
+          </a:lnRef>
+          <a:fillRef idx="1">
+            <a:schemeClr val="accent1"/>
+          </a:fillRef>
+          <a:effectRef idx="0">
+            <a:schemeClr val="accent1"/>
+          </a:effectRef>
+          <a:fontRef idx="minor">
+            <a:schemeClr val="lt1"/>
+          </a:fontRef>
+        </p:style>
+        <p:txBody>
+          <a:bodyPr rtlCol="0" anchor="ctr"/>
+          <a:lstStyle/>
+          <a:p>
+            <a:pPr marL="0" marR="0" lvl="0" indent="0" algn="ctr" defTabSz="914400" rtl="0" eaLnBrk="1" fontAlgn="auto" latinLnBrk="0" hangingPunct="1">
+              <a:lnSpc>
+                <a:spcPct val="100000"/>
+              </a:lnSpc>
+              <a:spcBef>
+                <a:spcPts val="0"/>
+              </a:spcBef>
+              <a:spcAft>
+                <a:spcPts val="0"/>
+              </a:spcAft>
+              <a:buClrTx/>
+              <a:buSzTx/>
+              <a:buFontTx/>
+              <a:buNone/>
+              <a:defRPr/>
+            </a:pPr>
+            <a:endParaRPr kumimoji="0" lang="zh-CN" altLang="en-US" sz="1800" b="0" i="0" u="none" strike="noStrike" kern="1200" cap="none" spc="0" normalizeH="0" baseline="0" noProof="0" dirty="0">
+              <a:ln>
+                <a:noFill/>
+              </a:ln>
+              <a:solidFill>
+                <a:prstClr val="white"/>
+              </a:solidFill>
+              <a:effectLst/>
+              <a:uLnTx/>
+              <a:uFillTx/>
+              <a:latin typeface="Arial" panose="020B0604020202020204" pitchFamily="34" charset="0"/>
+              <a:ea typeface="Droid Sans Fallback" panose="020B0502000000000001" pitchFamily="50" charset="-128"/>
+              <a:cs typeface="Arial" panose="020B0604020202020204" pitchFamily="34" charset="0"/>
+              <a:sym typeface="Arial" panose="020B0604020202020204" pitchFamily="34" charset="0"/>
+            </a:endParaRPr>
+          </a:p>
+        </p:txBody>
+      </p:sp>
+      <p:sp>
+        <p:nvSpPr>
+          <p:cNvPr id="9" name="稻壳儿春秋广告/盗版必究        原创来源：http://chn.docer.com/works?userid=199329941#!/work_time"/>
+          <p:cNvSpPr/>
+          <p:nvPr/>
+        </p:nvSpPr>
+        <p:spPr>
+          <a:xfrm rot="2700000">
+            <a:off x="7753438" y="3697885"/>
+            <a:ext cx="7486472" cy="7486467"/>
+          </a:xfrm>
+          <a:prstGeom prst="roundRect">
+            <a:avLst/>
+          </a:prstGeom>
+          <a:solidFill>
+            <a:srgbClr val="F67654"/>
+          </a:solidFill>
+          <a:ln>
+            <a:noFill/>
+          </a:ln>
+        </p:spPr>
+        <p:style>
+          <a:lnRef idx="2">
+            <a:schemeClr val="accent1">
+              <a:shade val="50000"/>
+            </a:schemeClr>
+          </a:lnRef>
+          <a:fillRef idx="1">
+            <a:schemeClr val="accent1"/>
+          </a:fillRef>
+          <a:effectRef idx="0">
+            <a:schemeClr val="accent1"/>
+          </a:effectRef>
+          <a:fontRef idx="minor">
+            <a:schemeClr val="lt1"/>
+          </a:fontRef>
+        </p:style>
+        <p:txBody>
+          <a:bodyPr rtlCol="0" anchor="ctr"/>
+          <a:lstStyle/>
+          <a:p>
+            <a:pPr marL="0" marR="0" lvl="0" indent="0" algn="ctr" defTabSz="914400" rtl="0" eaLnBrk="1" fontAlgn="auto" latinLnBrk="0" hangingPunct="1">
+              <a:lnSpc>
+                <a:spcPct val="100000"/>
+              </a:lnSpc>
+              <a:spcBef>
+                <a:spcPts val="0"/>
+              </a:spcBef>
+              <a:spcAft>
+                <a:spcPts val="0"/>
+              </a:spcAft>
+              <a:buClrTx/>
+              <a:buSzTx/>
+              <a:buFontTx/>
+              <a:buNone/>
+              <a:defRPr/>
+            </a:pPr>
+            <a:endParaRPr kumimoji="0" lang="zh-CN" altLang="en-US" sz="1800" b="0" i="0" u="none" strike="noStrike" kern="1200" cap="none" spc="0" normalizeH="0" baseline="0" noProof="0">
+              <a:ln>
+                <a:noFill/>
+              </a:ln>
+              <a:solidFill>
+                <a:prstClr val="white"/>
+              </a:solidFill>
+              <a:effectLst/>
+              <a:uLnTx/>
+              <a:uFillTx/>
+              <a:latin typeface="Arial" panose="020B0604020202020204" pitchFamily="34" charset="0"/>
+              <a:ea typeface="Droid Sans Fallback" panose="020B0502000000000001" pitchFamily="50" charset="-128"/>
+              <a:cs typeface="Arial" panose="020B0604020202020204" pitchFamily="34" charset="0"/>
+              <a:sym typeface="Arial" panose="020B0604020202020204" pitchFamily="34" charset="0"/>
+            </a:endParaRPr>
+          </a:p>
+        </p:txBody>
+      </p:sp>
+      <p:sp>
+        <p:nvSpPr>
+          <p:cNvPr id="18" name="稻壳儿春秋广告/盗版必究        原创来源：http://chn.docer.com/works?userid=199329941#!/work_time"/>
+          <p:cNvSpPr/>
+          <p:nvPr/>
+        </p:nvSpPr>
+        <p:spPr>
+          <a:xfrm rot="2700000">
+            <a:off x="3679692" y="-4330467"/>
+            <a:ext cx="6909795" cy="6909793"/>
+          </a:xfrm>
+          <a:prstGeom prst="roundRect">
+            <a:avLst/>
+          </a:prstGeom>
+          <a:solidFill>
+            <a:schemeClr val="bg1"/>
+          </a:solidFill>
+          <a:ln>
+            <a:noFill/>
+          </a:ln>
+        </p:spPr>
+        <p:style>
+          <a:lnRef idx="2">
+            <a:schemeClr val="accent1">
+              <a:shade val="50000"/>
+            </a:schemeClr>
+          </a:lnRef>
+          <a:fillRef idx="1">
+            <a:schemeClr val="accent1"/>
+          </a:fillRef>
+          <a:effectRef idx="0">
+            <a:schemeClr val="accent1"/>
+          </a:effectRef>
+          <a:fontRef idx="minor">
+            <a:schemeClr val="lt1"/>
+          </a:fontRef>
+        </p:style>
+        <p:txBody>
+          <a:bodyPr rtlCol="0" anchor="ctr"/>
+          <a:lstStyle/>
+          <a:p>
+            <a:pPr marL="0" marR="0" lvl="0" indent="0" algn="ctr" defTabSz="914400" rtl="0" eaLnBrk="1" fontAlgn="auto" latinLnBrk="0" hangingPunct="1">
+              <a:lnSpc>
+                <a:spcPct val="100000"/>
+              </a:lnSpc>
+              <a:spcBef>
+                <a:spcPts val="0"/>
+              </a:spcBef>
+              <a:spcAft>
+                <a:spcPts val="0"/>
+              </a:spcAft>
+              <a:buClrTx/>
+              <a:buSzTx/>
+              <a:buFontTx/>
+              <a:buNone/>
+              <a:defRPr/>
+            </a:pPr>
+            <a:endParaRPr kumimoji="0" lang="zh-CN" altLang="en-US" sz="1800" b="0" i="0" u="none" strike="noStrike" kern="1200" cap="none" spc="0" normalizeH="0" baseline="0" noProof="0" dirty="0">
+              <a:ln>
+                <a:noFill/>
+              </a:ln>
+              <a:solidFill>
+                <a:prstClr val="white"/>
+              </a:solidFill>
+              <a:effectLst/>
+              <a:uLnTx/>
+              <a:uFillTx/>
+              <a:latin typeface="Arial" panose="020B0604020202020204" pitchFamily="34" charset="0"/>
+              <a:ea typeface="Droid Sans Fallback" panose="020B0502000000000001" pitchFamily="50" charset="-128"/>
+              <a:cs typeface="Arial" panose="020B0604020202020204" pitchFamily="34" charset="0"/>
+              <a:sym typeface="Arial" panose="020B0604020202020204" pitchFamily="34" charset="0"/>
+            </a:endParaRPr>
+          </a:p>
+        </p:txBody>
+      </p:sp>
+      <p:sp>
+        <p:nvSpPr>
+          <p:cNvPr id="19" name="稻壳儿春秋广告/盗版必究        原创来源：http://chn.docer.com/works?userid=199329941#!/work_time"/>
+          <p:cNvSpPr/>
+          <p:nvPr/>
+        </p:nvSpPr>
+        <p:spPr>
+          <a:xfrm rot="2700000">
+            <a:off x="2313891" y="1103488"/>
+            <a:ext cx="1142946" cy="1142946"/>
+          </a:xfrm>
+          <a:prstGeom prst="roundRect">
+            <a:avLst/>
+          </a:prstGeom>
+          <a:solidFill>
+            <a:srgbClr val="0B506C"/>
+          </a:solidFill>
+          <a:ln>
+            <a:noFill/>
+          </a:ln>
+        </p:spPr>
+        <p:style>
+          <a:lnRef idx="2">
+            <a:schemeClr val="accent1">
+              <a:shade val="50000"/>
+            </a:schemeClr>
+          </a:lnRef>
+          <a:fillRef idx="1">
+            <a:schemeClr val="accent1"/>
+          </a:fillRef>
+          <a:effectRef idx="0">
+            <a:schemeClr val="accent1"/>
+          </a:effectRef>
+          <a:fontRef idx="minor">
+            <a:schemeClr val="lt1"/>
+          </a:fontRef>
+        </p:style>
+        <p:txBody>
+          <a:bodyPr rtlCol="0" anchor="ctr"/>
+          <a:lstStyle/>
+          <a:p>
+            <a:pPr marL="0" marR="0" lvl="0" indent="0" algn="ctr" defTabSz="914400" rtl="0" eaLnBrk="1" fontAlgn="auto" latinLnBrk="0" hangingPunct="1">
+              <a:lnSpc>
+                <a:spcPct val="100000"/>
+              </a:lnSpc>
+              <a:spcBef>
+                <a:spcPts val="0"/>
+              </a:spcBef>
+              <a:spcAft>
+                <a:spcPts val="0"/>
+              </a:spcAft>
+              <a:buClrTx/>
+              <a:buSzTx/>
+              <a:buFontTx/>
+              <a:buNone/>
+              <a:defRPr/>
+            </a:pPr>
+            <a:endParaRPr kumimoji="0" lang="zh-CN" altLang="en-US" sz="1800" b="0" i="0" u="none" strike="noStrike" kern="1200" cap="none" spc="0" normalizeH="0" baseline="0" noProof="0">
+              <a:ln>
+                <a:noFill/>
+              </a:ln>
+              <a:solidFill>
+                <a:prstClr val="white"/>
+              </a:solidFill>
+              <a:effectLst/>
+              <a:uLnTx/>
+              <a:uFillTx/>
+              <a:latin typeface="Arial" panose="020B0604020202020204" pitchFamily="34" charset="0"/>
+              <a:ea typeface="Droid Sans Fallback" panose="020B0502000000000001" pitchFamily="50" charset="-128"/>
+              <a:cs typeface="Arial" panose="020B0604020202020204" pitchFamily="34" charset="0"/>
+              <a:sym typeface="Arial" panose="020B0604020202020204" pitchFamily="34" charset="0"/>
+            </a:endParaRPr>
+          </a:p>
+        </p:txBody>
+      </p:sp>
+      <p:sp>
+        <p:nvSpPr>
+          <p:cNvPr id="23" name="稻壳儿春秋广告/盗版必究        原创来源：http://chn.docer.com/works?userid=199329941#!/work_time"/>
+          <p:cNvSpPr txBox="1"/>
+          <p:nvPr/>
+        </p:nvSpPr>
+        <p:spPr>
+          <a:xfrm flipH="1">
+            <a:off x="1753870" y="3730384"/>
+            <a:ext cx="2778958" cy="706755"/>
+          </a:xfrm>
+          <a:prstGeom prst="rect">
+            <a:avLst/>
+          </a:prstGeom>
+          <a:noFill/>
+        </p:spPr>
+        <p:txBody>
+          <a:bodyPr wrap="square" rtlCol="0">
+            <a:spAutoFit/>
+          </a:bodyPr>
+          <a:lstStyle/>
+          <a:p>
+            <a:pPr marL="0" marR="0" lvl="0" indent="0" algn="l" defTabSz="914400" rtl="0" eaLnBrk="1" fontAlgn="auto" latinLnBrk="0" hangingPunct="1">
+              <a:lnSpc>
+                <a:spcPct val="100000"/>
+              </a:lnSpc>
+              <a:spcBef>
+                <a:spcPts val="0"/>
+              </a:spcBef>
+              <a:spcAft>
+                <a:spcPts val="0"/>
+              </a:spcAft>
+              <a:buClrTx/>
+              <a:buSzTx/>
+              <a:buFontTx/>
+              <a:buNone/>
+              <a:defRPr/>
+            </a:pPr>
+            <a:r>
+              <a:rPr kumimoji="0" lang="ru-RU" altLang="zh-CN" sz="4000" b="0" i="0" u="none" strike="noStrike" kern="1200" cap="none" spc="0" normalizeH="0" baseline="0" noProof="0" dirty="0">
+                <a:ln>
+                  <a:noFill/>
+                </a:ln>
+                <a:solidFill>
+                  <a:srgbClr val="F67654"/>
+                </a:solidFill>
+                <a:effectLst/>
+                <a:uLnTx/>
+                <a:uFillTx/>
+                <a:latin typeface="Arial" panose="020B0604020202020204" pitchFamily="34" charset="0"/>
+                <a:ea typeface="Droid Sans Fallback" panose="020B0502000000000001" pitchFamily="50" charset="-128"/>
+                <a:cs typeface="Arial" panose="020B0604020202020204" pitchFamily="34" charset="0"/>
+                <a:sym typeface="Arial" panose="020B0604020202020204" pitchFamily="34" charset="0"/>
+              </a:rPr>
+              <a:t>ЧАСТЬ 1</a:t>
+            </a:r>
+            <a:endParaRPr kumimoji="0" lang="ru-RU" altLang="zh-CN" sz="4000" b="0" i="0" u="none" strike="noStrike" kern="1200" cap="none" spc="0" normalizeH="0" baseline="0" noProof="0" dirty="0">
+              <a:ln>
+                <a:noFill/>
+              </a:ln>
+              <a:solidFill>
+                <a:srgbClr val="F67654"/>
+              </a:solidFill>
+              <a:effectLst/>
+              <a:uLnTx/>
+              <a:uFillTx/>
+              <a:latin typeface="Arial" panose="020B0604020202020204" pitchFamily="34" charset="0"/>
+              <a:ea typeface="Droid Sans Fallback" panose="020B0502000000000001" pitchFamily="50" charset="-128"/>
+              <a:cs typeface="Arial" panose="020B0604020202020204" pitchFamily="34" charset="0"/>
+              <a:sym typeface="Arial" panose="020B0604020202020204" pitchFamily="34" charset="0"/>
+            </a:endParaRPr>
+          </a:p>
+        </p:txBody>
+      </p:sp>
+      <p:sp>
+        <p:nvSpPr>
+          <p:cNvPr id="24" name="稻壳儿春秋广告/盗版必究        原创来源：http://chn.docer.com/works?userid=199329941#!/work_time"/>
+          <p:cNvSpPr/>
+          <p:nvPr/>
+        </p:nvSpPr>
+        <p:spPr>
+          <a:xfrm rot="2700000">
+            <a:off x="6678765" y="-1687006"/>
+            <a:ext cx="3374012" cy="3374012"/>
+          </a:xfrm>
+          <a:prstGeom prst="roundRect">
+            <a:avLst/>
+          </a:prstGeom>
+          <a:solidFill>
+            <a:srgbClr val="2A2625"/>
+          </a:solidFill>
+          <a:ln>
+            <a:noFill/>
+          </a:ln>
+        </p:spPr>
+        <p:style>
+          <a:lnRef idx="2">
+            <a:schemeClr val="accent1">
+              <a:shade val="50000"/>
+            </a:schemeClr>
+          </a:lnRef>
+          <a:fillRef idx="1">
+            <a:schemeClr val="accent1"/>
+          </a:fillRef>
+          <a:effectRef idx="0">
+            <a:schemeClr val="accent1"/>
+          </a:effectRef>
+          <a:fontRef idx="minor">
+            <a:schemeClr val="lt1"/>
+          </a:fontRef>
+        </p:style>
+        <p:txBody>
+          <a:bodyPr rtlCol="0" anchor="ctr"/>
+          <a:lstStyle/>
+          <a:p>
+            <a:pPr marL="0" marR="0" lvl="0" indent="0" algn="ctr" defTabSz="914400" rtl="0" eaLnBrk="1" fontAlgn="auto" latinLnBrk="0" hangingPunct="1">
+              <a:lnSpc>
+                <a:spcPct val="100000"/>
+              </a:lnSpc>
+              <a:spcBef>
+                <a:spcPts val="0"/>
+              </a:spcBef>
+              <a:spcAft>
+                <a:spcPts val="0"/>
+              </a:spcAft>
+              <a:buClrTx/>
+              <a:buSzTx/>
+              <a:buFontTx/>
+              <a:buNone/>
+              <a:defRPr/>
+            </a:pPr>
+            <a:endParaRPr kumimoji="0" lang="zh-CN" altLang="en-US" sz="1800" b="0" i="0" u="none" strike="noStrike" kern="1200" cap="none" spc="0" normalizeH="0" baseline="0" noProof="0">
+              <a:ln>
+                <a:noFill/>
+              </a:ln>
+              <a:solidFill>
+                <a:prstClr val="white"/>
+              </a:solidFill>
+              <a:effectLst/>
+              <a:uLnTx/>
+              <a:uFillTx/>
+              <a:latin typeface="Arial" panose="020B0604020202020204" pitchFamily="34" charset="0"/>
+              <a:ea typeface="Droid Sans Fallback" panose="020B0502000000000001" pitchFamily="50" charset="-128"/>
+              <a:cs typeface="Arial" panose="020B0604020202020204" pitchFamily="34" charset="0"/>
+              <a:sym typeface="Arial" panose="020B0604020202020204" pitchFamily="34" charset="0"/>
+            </a:endParaRPr>
+          </a:p>
+        </p:txBody>
+      </p:sp>
+      <p:sp>
+        <p:nvSpPr>
+          <p:cNvPr id="2" name="Текстовое поле 1"/>
+          <p:cNvSpPr txBox="1"/>
+          <p:nvPr/>
+        </p:nvSpPr>
+        <p:spPr>
+          <a:xfrm>
+            <a:off x="1753870" y="4493895"/>
+            <a:ext cx="4064000" cy="583565"/>
+          </a:xfrm>
+          <a:prstGeom prst="rect">
+            <a:avLst/>
+          </a:prstGeom>
+          <a:noFill/>
+        </p:spPr>
+        <p:txBody>
+          <a:bodyPr wrap="square" rtlCol="0">
+            <a:spAutoFit/>
+          </a:bodyPr>
+          <a:p>
+            <a:r>
+              <a:rPr lang="ru-RU" altLang="en-US" sz="3200" b="1"/>
+              <a:t>Интерфейс</a:t>
+            </a:r>
+            <a:endParaRPr lang="ru-RU" altLang="en-US" sz="3200" b="1"/>
+          </a:p>
+        </p:txBody>
+      </p:sp>
+      <p:sp>
+        <p:nvSpPr>
+          <p:cNvPr id="3" name="Текстовое поле 2"/>
+          <p:cNvSpPr txBox="1"/>
+          <p:nvPr/>
+        </p:nvSpPr>
+        <p:spPr>
+          <a:xfrm>
+            <a:off x="1638935" y="5357495"/>
+            <a:ext cx="4064000" cy="368300"/>
+          </a:xfrm>
+          <a:prstGeom prst="rect">
+            <a:avLst/>
+          </a:prstGeom>
+          <a:noFill/>
+        </p:spPr>
+        <p:txBody>
+          <a:bodyPr wrap="square" rtlCol="0">
+            <a:spAutoFit/>
+          </a:bodyPr>
+          <a:p>
+            <a:r>
+              <a:rPr lang="ru-RU" altLang="en-US"/>
+              <a:t>в него входит</a:t>
+            </a:r>
+            <a:r>
+              <a:rPr lang="en-US" altLang="ru-RU"/>
+              <a:t> </a:t>
+            </a:r>
+            <a:r>
+              <a:rPr lang="ru-RU" altLang="ru-RU"/>
+              <a:t>только</a:t>
+            </a:r>
+            <a:r>
+              <a:rPr lang="ru-RU" altLang="en-US"/>
+              <a:t> </a:t>
+            </a:r>
+            <a:r>
+              <a:rPr lang="en-US" altLang="ru-RU"/>
+              <a:t>PyQt</a:t>
+            </a:r>
+            <a:endParaRPr lang="en-US" altLang="ru-RU"/>
+          </a:p>
+        </p:txBody>
+      </p:sp>
+    </p:spTree>
+  </p:cSld>
+  <p:clrMapOvr>
+    <a:masterClrMapping/>
+  </p:clrMapOvr>
+</p:sld>
+</file>
+
+<file path=ppt/slides/slide4.xml><?xml version="1.0" encoding="utf-8"?>
 <p:sld xmlns:a="http://schemas.openxmlformats.org/drawingml/2006/main" xmlns:r="http://schemas.openxmlformats.org/officeDocument/2006/relationships" xmlns:p="http://schemas.openxmlformats.org/presentationml/2006/main">
   <p:cSld>
     <p:spTree>
@@ -5695,6 +7773,140 @@
           </a:p>
         </p:txBody>
       </p:sp>
+      <p:sp>
+        <p:nvSpPr>
+          <p:cNvPr id="6" name="Текстовое поле 5"/>
+          <p:cNvSpPr txBox="1"/>
+          <p:nvPr/>
+        </p:nvSpPr>
+        <p:spPr>
+          <a:xfrm>
+            <a:off x="5311775" y="2227580"/>
+            <a:ext cx="1650365" cy="1198880"/>
+          </a:xfrm>
+          <a:prstGeom prst="rect">
+            <a:avLst/>
+          </a:prstGeom>
+          <a:noFill/>
+        </p:spPr>
+        <p:txBody>
+          <a:bodyPr wrap="square" rtlCol="0">
+            <a:spAutoFit/>
+          </a:bodyPr>
+          <a:p>
+            <a:pPr algn="ctr"/>
+            <a:r>
+              <a:rPr lang="ru-RU" altLang="en-US"/>
+              <a:t>в создании данных окон применялся </a:t>
+            </a:r>
+            <a:r>
+              <a:rPr lang="en-US" altLang="ru-RU"/>
+              <a:t>PyQt5</a:t>
+            </a:r>
+            <a:endParaRPr lang="en-US" altLang="ru-RU"/>
+          </a:p>
+        </p:txBody>
+      </p:sp>
+      <p:sp>
+        <p:nvSpPr>
+          <p:cNvPr id="9" name="稻壳儿春秋广告/盗版必究        原创来源：http://chn.docer.com/works?userid=199329941#!/work_time"/>
+          <p:cNvSpPr/>
+          <p:nvPr/>
+        </p:nvSpPr>
+        <p:spPr>
+          <a:xfrm rot="2700000">
+            <a:off x="-1433979" y="5531612"/>
+            <a:ext cx="3713986" cy="3713985"/>
+          </a:xfrm>
+          <a:prstGeom prst="roundRect">
+            <a:avLst/>
+          </a:prstGeom>
+          <a:solidFill>
+            <a:srgbClr val="F67654"/>
+          </a:solidFill>
+          <a:ln>
+            <a:noFill/>
+          </a:ln>
+        </p:spPr>
+        <p:style>
+          <a:lnRef idx="2">
+            <a:schemeClr val="accent1">
+              <a:shade val="50000"/>
+            </a:schemeClr>
+          </a:lnRef>
+          <a:fillRef idx="1">
+            <a:schemeClr val="accent1"/>
+          </a:fillRef>
+          <a:effectRef idx="0">
+            <a:schemeClr val="accent1"/>
+          </a:effectRef>
+          <a:fontRef idx="minor">
+            <a:schemeClr val="lt1"/>
+          </a:fontRef>
+        </p:style>
+        <p:txBody>
+          <a:bodyPr rtlCol="0" anchor="ctr"/>
+          <a:p>
+            <a:pPr algn="ctr"/>
+            <a:endParaRPr lang="zh-CN" altLang="en-US">
+              <a:latin typeface="Arial" panose="020B0604020202020204" pitchFamily="34" charset="0"/>
+              <a:ea typeface="Droid Sans Fallback" panose="020B0502000000000001" pitchFamily="50" charset="-128"/>
+              <a:cs typeface="Arial" panose="020B0604020202020204" pitchFamily="34" charset="0"/>
+              <a:sym typeface="Arial" panose="020B0604020202020204" pitchFamily="34" charset="0"/>
+            </a:endParaRPr>
+          </a:p>
+        </p:txBody>
+      </p:sp>
+      <p:sp>
+        <p:nvSpPr>
+          <p:cNvPr id="8" name="稻壳儿春秋广告/盗版必究        原创来源：http://chn.docer.com/works?userid=199329941#!/work_time"/>
+          <p:cNvSpPr/>
+          <p:nvPr/>
+        </p:nvSpPr>
+        <p:spPr>
+          <a:xfrm rot="2700000">
+            <a:off x="-1076313" y="5750014"/>
+            <a:ext cx="2998691" cy="2998690"/>
+          </a:xfrm>
+          <a:prstGeom prst="roundRect">
+            <a:avLst/>
+          </a:prstGeom>
+          <a:solidFill>
+            <a:srgbClr val="2A2625"/>
+          </a:solidFill>
+          <a:ln>
+            <a:noFill/>
+          </a:ln>
+        </p:spPr>
+        <p:style>
+          <a:lnRef idx="2">
+            <a:schemeClr val="accent1">
+              <a:shade val="50000"/>
+            </a:schemeClr>
+          </a:lnRef>
+          <a:fillRef idx="1">
+            <a:schemeClr val="accent1"/>
+          </a:fillRef>
+          <a:effectRef idx="0">
+            <a:schemeClr val="accent1"/>
+          </a:effectRef>
+          <a:fontRef idx="minor">
+            <a:schemeClr val="lt1"/>
+          </a:fontRef>
+        </p:style>
+        <p:txBody>
+          <a:bodyPr rtlCol="0" anchor="ctr"/>
+          <a:p>
+            <a:pPr algn="ctr"/>
+            <a:endParaRPr lang="zh-CN" altLang="en-US" dirty="0">
+              <a:latin typeface="Arial" panose="020B0604020202020204" pitchFamily="34" charset="0"/>
+              <a:ea typeface="Droid Sans Fallback" panose="020B0502000000000001" pitchFamily="50" charset="-128"/>
+              <a:cs typeface="Arial" panose="020B0604020202020204" pitchFamily="34" charset="0"/>
+              <a:sym typeface="Arial" panose="020B0604020202020204" pitchFamily="34" charset="0"/>
+            </a:endParaRPr>
+          </a:p>
+        </p:txBody>
+      </p:sp>
     </p:spTree>
   </p:cSld>
   <p:clrMapOvr>
@@ -5703,7 +7915,7 @@
 </p:sld>
 </file>
 
-<file path=ppt/slides/slide4.xml><?xml version="1.0" encoding="utf-8"?>
+<file path=ppt/slides/slide5.xml><?xml version="1.0" encoding="utf-8"?>
 <p:sld xmlns:a="http://schemas.openxmlformats.org/drawingml/2006/main" xmlns:r="http://schemas.openxmlformats.org/officeDocument/2006/relationships" xmlns:p="http://schemas.openxmlformats.org/presentationml/2006/main">
   <p:cSld>
     <p:spTree>
@@ -6213,7 +8425,7 @@
         <p:spPr>
           <a:xfrm>
             <a:off x="4399281" y="392370"/>
-            <a:ext cx="3393438" cy="400110"/>
+            <a:ext cx="3393438" cy="398780"/>
           </a:xfrm>
           <a:prstGeom prst="rect">
             <a:avLst/>
@@ -6228,15 +8440,24 @@
           <a:p>
             <a:pPr algn="ctr"/>
             <a:r>
-              <a:rPr lang="en-US" altLang="zh-CN" sz="2000" dirty="0">
+              <a:rPr lang="en-US" altLang="en-US" sz="2000" dirty="0">
                 <a:latin typeface="Arial" panose="020B0604020202020204" pitchFamily="34" charset="0"/>
                 <a:ea typeface="Droid Sans Fallback" panose="020B0502000000000001" pitchFamily="50" charset="-128"/>
                 <a:cs typeface="Arial" panose="020B0604020202020204" pitchFamily="34" charset="0"/>
                 <a:sym typeface="Arial" panose="020B0604020202020204" pitchFamily="34" charset="0"/>
               </a:rPr>
-              <a:t>ENTER TITLE</a:t>
+              <a:t>PyQt </a:t>
             </a:r>
-            <a:endParaRPr lang="en-US" altLang="zh-CN" sz="2000" dirty="0">
+            <a:r>
+              <a:rPr lang="ru-RU" altLang="en-US" sz="2000" dirty="0">
+                <a:latin typeface="Arial" panose="020B0604020202020204" pitchFamily="34" charset="0"/>
+                <a:ea typeface="Droid Sans Fallback" panose="020B0502000000000001" pitchFamily="50" charset="-128"/>
+                <a:cs typeface="Arial" panose="020B0604020202020204" pitchFamily="34" charset="0"/>
+                <a:sym typeface="Arial" panose="020B0604020202020204" pitchFamily="34" charset="0"/>
+              </a:rPr>
+              <a:t>интерфейс 2</a:t>
+            </a:r>
+            <a:endParaRPr lang="ru-RU" altLang="en-US" sz="2000" dirty="0">
               <a:latin typeface="Arial" panose="020B0604020202020204" pitchFamily="34" charset="0"/>
               <a:ea typeface="Droid Sans Fallback" panose="020B0502000000000001" pitchFamily="50" charset="-128"/>
               <a:cs typeface="Arial" panose="020B0604020202020204" pitchFamily="34" charset="0"/>
@@ -6465,7 +8686,65 @@
               <a:rPr lang="ru-RU" altLang="en-US"/>
               <a:t>в обучении можно узнать много интересного</a:t>
             </a:r>
-            <a:endParaRPr lang="ru-RU" altLang="en-US"/>
+            <a:r>
+              <a:rPr lang="en-US" altLang="ru-RU"/>
+              <a:t> </a:t>
+            </a:r>
+            <a:r>
+              <a:rPr lang="ru-RU" altLang="ru-RU"/>
+              <a:t>и полезного</a:t>
+            </a:r>
+            <a:endParaRPr lang="ru-RU" altLang="ru-RU"/>
+          </a:p>
+        </p:txBody>
+      </p:sp>
+      <p:sp>
+        <p:nvSpPr>
+          <p:cNvPr id="12" name="稻壳儿春秋广告/盗版必究        原创来源：http://chn.docer.com/works?userid=199329941#!/work_time"/>
+          <p:cNvSpPr/>
+          <p:nvPr/>
+        </p:nvSpPr>
+        <p:spPr>
+          <a:xfrm rot="2700000">
+            <a:off x="-847874" y="6009132"/>
+            <a:ext cx="3713986" cy="3713985"/>
+          </a:xfrm>
+          <a:prstGeom prst="roundRect">
+            <a:avLst/>
+          </a:prstGeom>
+          <a:solidFill>
+            <a:srgbClr val="F67654"/>
+          </a:solidFill>
+          <a:ln>
+            <a:noFill/>
+          </a:ln>
+        </p:spPr>
+        <p:style>
+          <a:lnRef idx="2">
+            <a:schemeClr val="accent1">
+              <a:shade val="50000"/>
+            </a:schemeClr>
+          </a:lnRef>
+          <a:fillRef idx="1">
+            <a:schemeClr val="accent1"/>
+          </a:fillRef>
+          <a:effectRef idx="0">
+            <a:schemeClr val="accent1"/>
+          </a:effectRef>
+          <a:fontRef idx="minor">
+            <a:schemeClr val="lt1"/>
+          </a:fontRef>
+        </p:style>
+        <p:txBody>
+          <a:bodyPr rtlCol="0" anchor="ctr"/>
+          <a:p>
+            <a:pPr algn="ctr"/>
+            <a:endParaRPr lang="zh-CN" altLang="en-US">
+              <a:latin typeface="Arial" panose="020B0604020202020204" pitchFamily="34" charset="0"/>
+              <a:ea typeface="Droid Sans Fallback" panose="020B0502000000000001" pitchFamily="50" charset="-128"/>
+              <a:cs typeface="Arial" panose="020B0604020202020204" pitchFamily="34" charset="0"/>
+              <a:sym typeface="Arial" panose="020B0604020202020204" pitchFamily="34" charset="0"/>
+            </a:endParaRPr>
           </a:p>
         </p:txBody>
       </p:sp>
@@ -6477,7 +8756,540 @@
 </p:sld>
 </file>
 
-<file path=ppt/slides/slide5.xml><?xml version="1.0" encoding="utf-8"?>
+<file path=ppt/slides/slide6.xml><?xml version="1.0" encoding="utf-8"?>
+<p:sld xmlns:a="http://schemas.openxmlformats.org/drawingml/2006/main" xmlns:r="http://schemas.openxmlformats.org/officeDocument/2006/relationships" xmlns:p="http://schemas.openxmlformats.org/presentationml/2006/main">
+  <p:cSld>
+    <p:spTree>
+      <p:nvGrpSpPr>
+        <p:cNvPr id="1" name=""/>
+        <p:cNvGrpSpPr/>
+        <p:nvPr/>
+      </p:nvGrpSpPr>
+      <p:grpSpPr>
+        <a:xfrm>
+          <a:off x="0" y="0"/>
+          <a:ext cx="0" cy="0"/>
+          <a:chOff x="0" y="0"/>
+          <a:chExt cx="0" cy="0"/>
+        </a:xfrm>
+      </p:grpSpPr>
+      <p:sp>
+        <p:nvSpPr>
+          <p:cNvPr id="8" name="稻壳儿春秋广告/盗版必究        原创来源：http://chn.docer.com/works?userid=199329941#!/work_time"/>
+          <p:cNvSpPr/>
+          <p:nvPr/>
+        </p:nvSpPr>
+        <p:spPr>
+          <a:xfrm rot="2700000">
+            <a:off x="3851140" y="-3663719"/>
+            <a:ext cx="6909795" cy="6909793"/>
+          </a:xfrm>
+          <a:prstGeom prst="roundRect">
+            <a:avLst/>
+          </a:prstGeom>
+          <a:solidFill>
+            <a:srgbClr val="02868F"/>
+          </a:solidFill>
+          <a:ln>
+            <a:noFill/>
+          </a:ln>
+        </p:spPr>
+        <p:style>
+          <a:lnRef idx="2">
+            <a:schemeClr val="accent1">
+              <a:shade val="50000"/>
+            </a:schemeClr>
+          </a:lnRef>
+          <a:fillRef idx="1">
+            <a:schemeClr val="accent1"/>
+          </a:fillRef>
+          <a:effectRef idx="0">
+            <a:schemeClr val="accent1"/>
+          </a:effectRef>
+          <a:fontRef idx="minor">
+            <a:schemeClr val="lt1"/>
+          </a:fontRef>
+        </p:style>
+        <p:txBody>
+          <a:bodyPr rtlCol="0" anchor="ctr"/>
+          <a:lstStyle/>
+          <a:p>
+            <a:pPr marL="0" marR="0" lvl="0" indent="0" algn="ctr" defTabSz="914400" rtl="0" eaLnBrk="1" fontAlgn="auto" latinLnBrk="0" hangingPunct="1">
+              <a:lnSpc>
+                <a:spcPct val="100000"/>
+              </a:lnSpc>
+              <a:spcBef>
+                <a:spcPts val="0"/>
+              </a:spcBef>
+              <a:spcAft>
+                <a:spcPts val="0"/>
+              </a:spcAft>
+              <a:buClrTx/>
+              <a:buSzTx/>
+              <a:buFontTx/>
+              <a:buNone/>
+              <a:defRPr/>
+            </a:pPr>
+            <a:endParaRPr kumimoji="0" lang="zh-CN" altLang="en-US" sz="1800" b="0" i="0" u="none" strike="noStrike" kern="1200" cap="none" spc="0" normalizeH="0" baseline="0" noProof="0" dirty="0">
+              <a:ln>
+                <a:noFill/>
+              </a:ln>
+              <a:solidFill>
+                <a:prstClr val="white"/>
+              </a:solidFill>
+              <a:effectLst/>
+              <a:uLnTx/>
+              <a:uFillTx/>
+              <a:latin typeface="Arial" panose="020B0604020202020204" pitchFamily="34" charset="0"/>
+              <a:ea typeface="Droid Sans Fallback" panose="020B0502000000000001" pitchFamily="50" charset="-128"/>
+              <a:cs typeface="Arial" panose="020B0604020202020204" pitchFamily="34" charset="0"/>
+              <a:sym typeface="Arial" panose="020B0604020202020204" pitchFamily="34" charset="0"/>
+            </a:endParaRPr>
+          </a:p>
+        </p:txBody>
+      </p:sp>
+      <p:sp>
+        <p:nvSpPr>
+          <p:cNvPr id="9" name="稻壳儿春秋广告/盗版必究        原创来源：http://chn.docer.com/works?userid=199329941#!/work_time"/>
+          <p:cNvSpPr/>
+          <p:nvPr/>
+        </p:nvSpPr>
+        <p:spPr>
+          <a:xfrm rot="2700000">
+            <a:off x="7753438" y="3697885"/>
+            <a:ext cx="7486472" cy="7486467"/>
+          </a:xfrm>
+          <a:prstGeom prst="roundRect">
+            <a:avLst/>
+          </a:prstGeom>
+          <a:solidFill>
+            <a:srgbClr val="F67654"/>
+          </a:solidFill>
+          <a:ln>
+            <a:noFill/>
+          </a:ln>
+        </p:spPr>
+        <p:style>
+          <a:lnRef idx="2">
+            <a:schemeClr val="accent1">
+              <a:shade val="50000"/>
+            </a:schemeClr>
+          </a:lnRef>
+          <a:fillRef idx="1">
+            <a:schemeClr val="accent1"/>
+          </a:fillRef>
+          <a:effectRef idx="0">
+            <a:schemeClr val="accent1"/>
+          </a:effectRef>
+          <a:fontRef idx="minor">
+            <a:schemeClr val="lt1"/>
+          </a:fontRef>
+        </p:style>
+        <p:txBody>
+          <a:bodyPr rtlCol="0" anchor="ctr"/>
+          <a:lstStyle/>
+          <a:p>
+            <a:pPr marL="0" marR="0" lvl="0" indent="0" algn="ctr" defTabSz="914400" rtl="0" eaLnBrk="1" fontAlgn="auto" latinLnBrk="0" hangingPunct="1">
+              <a:lnSpc>
+                <a:spcPct val="100000"/>
+              </a:lnSpc>
+              <a:spcBef>
+                <a:spcPts val="0"/>
+              </a:spcBef>
+              <a:spcAft>
+                <a:spcPts val="0"/>
+              </a:spcAft>
+              <a:buClrTx/>
+              <a:buSzTx/>
+              <a:buFontTx/>
+              <a:buNone/>
+              <a:defRPr/>
+            </a:pPr>
+            <a:endParaRPr kumimoji="0" lang="zh-CN" altLang="en-US" sz="1800" b="0" i="0" u="none" strike="noStrike" kern="1200" cap="none" spc="0" normalizeH="0" baseline="0" noProof="0">
+              <a:ln>
+                <a:noFill/>
+              </a:ln>
+              <a:solidFill>
+                <a:prstClr val="white"/>
+              </a:solidFill>
+              <a:effectLst/>
+              <a:uLnTx/>
+              <a:uFillTx/>
+              <a:latin typeface="Arial" panose="020B0604020202020204" pitchFamily="34" charset="0"/>
+              <a:ea typeface="Droid Sans Fallback" panose="020B0502000000000001" pitchFamily="50" charset="-128"/>
+              <a:cs typeface="Arial" panose="020B0604020202020204" pitchFamily="34" charset="0"/>
+              <a:sym typeface="Arial" panose="020B0604020202020204" pitchFamily="34" charset="0"/>
+            </a:endParaRPr>
+          </a:p>
+        </p:txBody>
+      </p:sp>
+      <p:sp>
+        <p:nvSpPr>
+          <p:cNvPr id="18" name="稻壳儿春秋广告/盗版必究        原创来源：http://chn.docer.com/works?userid=199329941#!/work_time"/>
+          <p:cNvSpPr/>
+          <p:nvPr/>
+        </p:nvSpPr>
+        <p:spPr>
+          <a:xfrm rot="2700000">
+            <a:off x="3679692" y="-4330467"/>
+            <a:ext cx="6909795" cy="6909793"/>
+          </a:xfrm>
+          <a:prstGeom prst="roundRect">
+            <a:avLst/>
+          </a:prstGeom>
+          <a:solidFill>
+            <a:schemeClr val="bg1"/>
+          </a:solidFill>
+          <a:ln>
+            <a:noFill/>
+          </a:ln>
+        </p:spPr>
+        <p:style>
+          <a:lnRef idx="2">
+            <a:schemeClr val="accent1">
+              <a:shade val="50000"/>
+            </a:schemeClr>
+          </a:lnRef>
+          <a:fillRef idx="1">
+            <a:schemeClr val="accent1"/>
+          </a:fillRef>
+          <a:effectRef idx="0">
+            <a:schemeClr val="accent1"/>
+          </a:effectRef>
+          <a:fontRef idx="minor">
+            <a:schemeClr val="lt1"/>
+          </a:fontRef>
+        </p:style>
+        <p:txBody>
+          <a:bodyPr rtlCol="0" anchor="ctr"/>
+          <a:lstStyle/>
+          <a:p>
+            <a:pPr marL="0" marR="0" lvl="0" indent="0" algn="ctr" defTabSz="914400" rtl="0" eaLnBrk="1" fontAlgn="auto" latinLnBrk="0" hangingPunct="1">
+              <a:lnSpc>
+                <a:spcPct val="100000"/>
+              </a:lnSpc>
+              <a:spcBef>
+                <a:spcPts val="0"/>
+              </a:spcBef>
+              <a:spcAft>
+                <a:spcPts val="0"/>
+              </a:spcAft>
+              <a:buClrTx/>
+              <a:buSzTx/>
+              <a:buFontTx/>
+              <a:buNone/>
+              <a:defRPr/>
+            </a:pPr>
+            <a:endParaRPr kumimoji="0" lang="zh-CN" altLang="en-US" sz="1800" b="0" i="0" u="none" strike="noStrike" kern="1200" cap="none" spc="0" normalizeH="0" baseline="0" noProof="0" dirty="0">
+              <a:ln>
+                <a:noFill/>
+              </a:ln>
+              <a:solidFill>
+                <a:prstClr val="white"/>
+              </a:solidFill>
+              <a:effectLst/>
+              <a:uLnTx/>
+              <a:uFillTx/>
+              <a:latin typeface="Arial" panose="020B0604020202020204" pitchFamily="34" charset="0"/>
+              <a:ea typeface="Droid Sans Fallback" panose="020B0502000000000001" pitchFamily="50" charset="-128"/>
+              <a:cs typeface="Arial" panose="020B0604020202020204" pitchFamily="34" charset="0"/>
+              <a:sym typeface="Arial" panose="020B0604020202020204" pitchFamily="34" charset="0"/>
+            </a:endParaRPr>
+          </a:p>
+        </p:txBody>
+      </p:sp>
+      <p:sp>
+        <p:nvSpPr>
+          <p:cNvPr id="19" name="稻壳儿春秋广告/盗版必究        原创来源：http://chn.docer.com/works?userid=199329941#!/work_time"/>
+          <p:cNvSpPr/>
+          <p:nvPr/>
+        </p:nvSpPr>
+        <p:spPr>
+          <a:xfrm rot="2700000">
+            <a:off x="2313891" y="1103488"/>
+            <a:ext cx="1142946" cy="1142946"/>
+          </a:xfrm>
+          <a:prstGeom prst="roundRect">
+            <a:avLst/>
+          </a:prstGeom>
+          <a:solidFill>
+            <a:srgbClr val="0B506C"/>
+          </a:solidFill>
+          <a:ln>
+            <a:noFill/>
+          </a:ln>
+        </p:spPr>
+        <p:style>
+          <a:lnRef idx="2">
+            <a:schemeClr val="accent1">
+              <a:shade val="50000"/>
+            </a:schemeClr>
+          </a:lnRef>
+          <a:fillRef idx="1">
+            <a:schemeClr val="accent1"/>
+          </a:fillRef>
+          <a:effectRef idx="0">
+            <a:schemeClr val="accent1"/>
+          </a:effectRef>
+          <a:fontRef idx="minor">
+            <a:schemeClr val="lt1"/>
+          </a:fontRef>
+        </p:style>
+        <p:txBody>
+          <a:bodyPr rtlCol="0" anchor="ctr"/>
+          <a:lstStyle/>
+          <a:p>
+            <a:pPr marL="0" marR="0" lvl="0" indent="0" algn="ctr" defTabSz="914400" rtl="0" eaLnBrk="1" fontAlgn="auto" latinLnBrk="0" hangingPunct="1">
+              <a:lnSpc>
+                <a:spcPct val="100000"/>
+              </a:lnSpc>
+              <a:spcBef>
+                <a:spcPts val="0"/>
+              </a:spcBef>
+              <a:spcAft>
+                <a:spcPts val="0"/>
+              </a:spcAft>
+              <a:buClrTx/>
+              <a:buSzTx/>
+              <a:buFontTx/>
+              <a:buNone/>
+              <a:defRPr/>
+            </a:pPr>
+            <a:endParaRPr kumimoji="0" lang="zh-CN" altLang="en-US" sz="1800" b="0" i="0" u="none" strike="noStrike" kern="1200" cap="none" spc="0" normalizeH="0" baseline="0" noProof="0">
+              <a:ln>
+                <a:noFill/>
+              </a:ln>
+              <a:solidFill>
+                <a:prstClr val="white"/>
+              </a:solidFill>
+              <a:effectLst/>
+              <a:uLnTx/>
+              <a:uFillTx/>
+              <a:latin typeface="Arial" panose="020B0604020202020204" pitchFamily="34" charset="0"/>
+              <a:ea typeface="Droid Sans Fallback" panose="020B0502000000000001" pitchFamily="50" charset="-128"/>
+              <a:cs typeface="Arial" panose="020B0604020202020204" pitchFamily="34" charset="0"/>
+              <a:sym typeface="Arial" panose="020B0604020202020204" pitchFamily="34" charset="0"/>
+            </a:endParaRPr>
+          </a:p>
+        </p:txBody>
+      </p:sp>
+      <p:sp>
+        <p:nvSpPr>
+          <p:cNvPr id="23" name="稻壳儿春秋广告/盗版必究        原创来源：http://chn.docer.com/works?userid=199329941#!/work_time"/>
+          <p:cNvSpPr txBox="1"/>
+          <p:nvPr/>
+        </p:nvSpPr>
+        <p:spPr>
+          <a:xfrm flipH="1">
+            <a:off x="1718945" y="3699904"/>
+            <a:ext cx="2778958" cy="706755"/>
+          </a:xfrm>
+          <a:prstGeom prst="rect">
+            <a:avLst/>
+          </a:prstGeom>
+          <a:noFill/>
+        </p:spPr>
+        <p:txBody>
+          <a:bodyPr wrap="square" rtlCol="0">
+            <a:spAutoFit/>
+          </a:bodyPr>
+          <a:lstStyle/>
+          <a:p>
+            <a:pPr marL="0" marR="0" lvl="0" indent="0" algn="l" defTabSz="914400" rtl="0" eaLnBrk="1" fontAlgn="auto" latinLnBrk="0" hangingPunct="1">
+              <a:lnSpc>
+                <a:spcPct val="100000"/>
+              </a:lnSpc>
+              <a:spcBef>
+                <a:spcPts val="0"/>
+              </a:spcBef>
+              <a:spcAft>
+                <a:spcPts val="0"/>
+              </a:spcAft>
+              <a:buClrTx/>
+              <a:buSzTx/>
+              <a:buFontTx/>
+              <a:buNone/>
+              <a:defRPr/>
+            </a:pPr>
+            <a:r>
+              <a:rPr kumimoji="0" lang="ru-RU" altLang="zh-CN" sz="4000" b="0" i="0" u="none" strike="noStrike" kern="1200" cap="none" spc="0" normalizeH="0" baseline="0" noProof="0" dirty="0">
+                <a:ln>
+                  <a:noFill/>
+                </a:ln>
+                <a:solidFill>
+                  <a:srgbClr val="F67654"/>
+                </a:solidFill>
+                <a:effectLst/>
+                <a:uLnTx/>
+                <a:uFillTx/>
+                <a:latin typeface="Arial" panose="020B0604020202020204" pitchFamily="34" charset="0"/>
+                <a:ea typeface="Droid Sans Fallback" panose="020B0502000000000001" pitchFamily="50" charset="-128"/>
+                <a:cs typeface="Arial" panose="020B0604020202020204" pitchFamily="34" charset="0"/>
+                <a:sym typeface="Arial" panose="020B0604020202020204" pitchFamily="34" charset="0"/>
+              </a:rPr>
+              <a:t>ЧАСТЬ 2</a:t>
+            </a:r>
+            <a:endParaRPr kumimoji="0" lang="ru-RU" altLang="zh-CN" sz="4000" b="0" i="0" u="none" strike="noStrike" kern="1200" cap="none" spc="0" normalizeH="0" baseline="0" noProof="0" dirty="0">
+              <a:ln>
+                <a:noFill/>
+              </a:ln>
+              <a:solidFill>
+                <a:srgbClr val="F67654"/>
+              </a:solidFill>
+              <a:effectLst/>
+              <a:uLnTx/>
+              <a:uFillTx/>
+              <a:latin typeface="Arial" panose="020B0604020202020204" pitchFamily="34" charset="0"/>
+              <a:ea typeface="Droid Sans Fallback" panose="020B0502000000000001" pitchFamily="50" charset="-128"/>
+              <a:cs typeface="Arial" panose="020B0604020202020204" pitchFamily="34" charset="0"/>
+              <a:sym typeface="Arial" panose="020B0604020202020204" pitchFamily="34" charset="0"/>
+            </a:endParaRPr>
+          </a:p>
+        </p:txBody>
+      </p:sp>
+      <p:sp>
+        <p:nvSpPr>
+          <p:cNvPr id="24" name="稻壳儿春秋广告/盗版必究        原创来源：http://chn.docer.com/works?userid=199329941#!/work_time"/>
+          <p:cNvSpPr/>
+          <p:nvPr/>
+        </p:nvSpPr>
+        <p:spPr>
+          <a:xfrm rot="2700000">
+            <a:off x="6678765" y="-1687006"/>
+            <a:ext cx="3374012" cy="3374012"/>
+          </a:xfrm>
+          <a:prstGeom prst="roundRect">
+            <a:avLst/>
+          </a:prstGeom>
+          <a:solidFill>
+            <a:srgbClr val="2A2625"/>
+          </a:solidFill>
+          <a:ln>
+            <a:noFill/>
+          </a:ln>
+        </p:spPr>
+        <p:style>
+          <a:lnRef idx="2">
+            <a:schemeClr val="accent1">
+              <a:shade val="50000"/>
+            </a:schemeClr>
+          </a:lnRef>
+          <a:fillRef idx="1">
+            <a:schemeClr val="accent1"/>
+          </a:fillRef>
+          <a:effectRef idx="0">
+            <a:schemeClr val="accent1"/>
+          </a:effectRef>
+          <a:fontRef idx="minor">
+            <a:schemeClr val="lt1"/>
+          </a:fontRef>
+        </p:style>
+        <p:txBody>
+          <a:bodyPr rtlCol="0" anchor="ctr"/>
+          <a:lstStyle/>
+          <a:p>
+            <a:pPr marL="0" marR="0" lvl="0" indent="0" algn="ctr" defTabSz="914400" rtl="0" eaLnBrk="1" fontAlgn="auto" latinLnBrk="0" hangingPunct="1">
+              <a:lnSpc>
+                <a:spcPct val="100000"/>
+              </a:lnSpc>
+              <a:spcBef>
+                <a:spcPts val="0"/>
+              </a:spcBef>
+              <a:spcAft>
+                <a:spcPts val="0"/>
+              </a:spcAft>
+              <a:buClrTx/>
+              <a:buSzTx/>
+              <a:buFontTx/>
+              <a:buNone/>
+              <a:defRPr/>
+            </a:pPr>
+            <a:endParaRPr kumimoji="0" lang="zh-CN" altLang="en-US" sz="1800" b="0" i="0" u="none" strike="noStrike" kern="1200" cap="none" spc="0" normalizeH="0" baseline="0" noProof="0">
+              <a:ln>
+                <a:noFill/>
+              </a:ln>
+              <a:solidFill>
+                <a:prstClr val="white"/>
+              </a:solidFill>
+              <a:effectLst/>
+              <a:uLnTx/>
+              <a:uFillTx/>
+              <a:latin typeface="Arial" panose="020B0604020202020204" pitchFamily="34" charset="0"/>
+              <a:ea typeface="Droid Sans Fallback" panose="020B0502000000000001" pitchFamily="50" charset="-128"/>
+              <a:cs typeface="Arial" panose="020B0604020202020204" pitchFamily="34" charset="0"/>
+              <a:sym typeface="Arial" panose="020B0604020202020204" pitchFamily="34" charset="0"/>
+            </a:endParaRPr>
+          </a:p>
+        </p:txBody>
+      </p:sp>
+      <p:sp>
+        <p:nvSpPr>
+          <p:cNvPr id="2" name="Текстовое поле 1"/>
+          <p:cNvSpPr txBox="1"/>
+          <p:nvPr/>
+        </p:nvSpPr>
+        <p:spPr>
+          <a:xfrm>
+            <a:off x="1649730" y="4463415"/>
+            <a:ext cx="4064000" cy="583565"/>
+          </a:xfrm>
+          <a:prstGeom prst="rect">
+            <a:avLst/>
+          </a:prstGeom>
+          <a:noFill/>
+        </p:spPr>
+        <p:txBody>
+          <a:bodyPr wrap="square" rtlCol="0">
+            <a:spAutoFit/>
+          </a:bodyPr>
+          <a:p>
+            <a:r>
+              <a:rPr lang="ru-RU" altLang="en-US" sz="3200" b="1"/>
+              <a:t>Игровой мир</a:t>
+            </a:r>
+            <a:endParaRPr lang="ru-RU" altLang="en-US" sz="3200" b="1"/>
+          </a:p>
+        </p:txBody>
+      </p:sp>
+      <p:sp>
+        <p:nvSpPr>
+          <p:cNvPr id="3" name="Текстовое поле 2"/>
+          <p:cNvSpPr txBox="1"/>
+          <p:nvPr/>
+        </p:nvSpPr>
+        <p:spPr>
+          <a:xfrm>
+            <a:off x="1076325" y="5401310"/>
+            <a:ext cx="4064000" cy="645160"/>
+          </a:xfrm>
+          <a:prstGeom prst="rect">
+            <a:avLst/>
+          </a:prstGeom>
+          <a:noFill/>
+        </p:spPr>
+        <p:txBody>
+          <a:bodyPr wrap="square" rtlCol="0">
+            <a:spAutoFit/>
+          </a:bodyPr>
+          <a:p>
+            <a:pPr algn="ctr"/>
+            <a:r>
+              <a:rPr lang="ru-RU" altLang="en-US"/>
+              <a:t>все данные об основной задачи программы: игре</a:t>
+            </a:r>
+            <a:endParaRPr lang="ru-RU" altLang="en-US"/>
+          </a:p>
+        </p:txBody>
+      </p:sp>
+    </p:spTree>
+  </p:cSld>
+  <p:clrMapOvr>
+    <a:masterClrMapping/>
+  </p:clrMapOvr>
+</p:sld>
+</file>
+
+<file path=ppt/slides/slide7.xml><?xml version="1.0" encoding="utf-8"?>
 <p:sld xmlns:a="http://schemas.openxmlformats.org/drawingml/2006/main" xmlns:r="http://schemas.openxmlformats.org/officeDocument/2006/relationships" xmlns:p="http://schemas.openxmlformats.org/presentationml/2006/main">
   <p:cSld>
     <p:spTree>
@@ -7539,7 +10351,7 @@
         <p:spPr>
           <a:xfrm>
             <a:off x="4212590" y="4961890"/>
-            <a:ext cx="2089785" cy="368300"/>
+            <a:ext cx="3139440" cy="368300"/>
           </a:xfrm>
           <a:prstGeom prst="rect">
             <a:avLst/>
@@ -7553,7 +10365,7 @@
           <a:p>
             <a:r>
               <a:rPr lang="ru-RU" altLang="en-US"/>
-              <a:t>верстак</a:t>
+              <a:t>верстак      ягодный куст</a:t>
             </a:r>
             <a:endParaRPr lang="ru-RU" altLang="en-US"/>
           </a:p>
@@ -7704,122 +10516,22 @@
           </a:p>
         </p:txBody>
       </p:sp>
-    </p:spTree>
-  </p:cSld>
-  <p:clrMapOvr>
-    <a:masterClrMapping/>
-  </p:clrMapOvr>
-</p:sld>
-</file>
-
-<file path=ppt/slides/slide6.xml><?xml version="1.0" encoding="utf-8"?>
-<p:sld xmlns:a="http://schemas.openxmlformats.org/drawingml/2006/main" xmlns:r="http://schemas.openxmlformats.org/officeDocument/2006/relationships" xmlns:p="http://schemas.openxmlformats.org/presentationml/2006/main">
-  <p:cSld>
-    <p:spTree>
-      <p:nvGrpSpPr>
-        <p:cNvPr id="1" name=""/>
-        <p:cNvGrpSpPr/>
-        <p:nvPr/>
-      </p:nvGrpSpPr>
-      <p:grpSpPr>
-        <a:xfrm>
-          <a:off x="0" y="0"/>
-          <a:ext cx="0" cy="0"/>
-          <a:chOff x="0" y="0"/>
-          <a:chExt cx="0" cy="0"/>
-        </a:xfrm>
-      </p:grpSpPr>
-      <p:sp>
-        <p:nvSpPr>
-          <p:cNvPr id="8" name="稻壳儿春秋广告/盗版必究        原创来源：http://chn.docer.com/works?userid=199329941#!/work_time"/>
+      <p:sp>
+        <p:nvSpPr>
+          <p:cNvPr id="12" name="稻壳儿春秋广告/盗版必究        原创来源：http://chn.docer.com/works?userid=199329941#!/work_time"/>
           <p:cNvSpPr/>
           <p:nvPr/>
         </p:nvSpPr>
         <p:spPr>
           <a:xfrm rot="2700000">
-            <a:off x="3851140" y="-3663719"/>
-            <a:ext cx="6909795" cy="6909793"/>
+            <a:off x="2943811" y="5858368"/>
+            <a:ext cx="1142946" cy="1142946"/>
           </a:xfrm>
           <a:prstGeom prst="roundRect">
             <a:avLst/>
           </a:prstGeom>
           <a:solidFill>
-            <a:srgbClr val="02868F"/>
-          </a:solidFill>
-          <a:ln>
-            <a:noFill/>
-          </a:ln>
-        </p:spPr>
-        <p:style>
-          <a:lnRef idx="2">
-            <a:schemeClr val="accent1">
-              <a:shade val="50000"/>
-            </a:schemeClr>
-          </a:lnRef>
-          <a:fillRef idx="1">
-            <a:schemeClr val="accent1"/>
-          </a:fillRef>
-          <a:effectRef idx="0">
-            <a:schemeClr val="accent1"/>
-          </a:effectRef>
-          <a:fontRef idx="minor">
-            <a:schemeClr val="lt1"/>
-          </a:fontRef>
-        </p:style>
-        <p:txBody>
-          <a:bodyPr rtlCol="0" anchor="ctr"/>
-          <a:lstStyle/>
-          <a:p>
-            <a:pPr marL="0" marR="0" lvl="0" indent="0" algn="ctr" defTabSz="914400" rtl="0" eaLnBrk="1" fontAlgn="auto" latinLnBrk="0" hangingPunct="1">
-              <a:lnSpc>
-                <a:spcPct val="100000"/>
-              </a:lnSpc>
-              <a:spcBef>
-                <a:spcPts val="0"/>
-              </a:spcBef>
-              <a:spcAft>
-                <a:spcPts val="0"/>
-              </a:spcAft>
-              <a:buClrTx/>
-              <a:buSzTx/>
-              <a:buFontTx/>
-              <a:buNone/>
-              <a:defRPr/>
-            </a:pPr>
-            <a:endParaRPr kumimoji="0" lang="zh-CN" altLang="en-US" sz="1800" b="0" i="0" u="none" strike="noStrike" kern="1200" cap="none" spc="0" normalizeH="0" baseline="0" noProof="0" dirty="0">
-              <a:ln>
-                <a:noFill/>
-              </a:ln>
-              <a:solidFill>
-                <a:prstClr val="white"/>
-              </a:solidFill>
-              <a:effectLst/>
-              <a:uLnTx/>
-              <a:uFillTx/>
-              <a:latin typeface="Arial" panose="020B0604020202020204" pitchFamily="34" charset="0"/>
-              <a:ea typeface="Droid Sans Fallback" panose="020B0502000000000001" pitchFamily="50" charset="-128"/>
-              <a:cs typeface="Arial" panose="020B0604020202020204" pitchFamily="34" charset="0"/>
-              <a:sym typeface="Arial" panose="020B0604020202020204" pitchFamily="34" charset="0"/>
-            </a:endParaRPr>
-          </a:p>
-        </p:txBody>
-      </p:sp>
-      <p:sp>
-        <p:nvSpPr>
-          <p:cNvPr id="9" name="稻壳儿春秋广告/盗版必究        原创来源：http://chn.docer.com/works?userid=199329941#!/work_time"/>
-          <p:cNvSpPr/>
-          <p:nvPr/>
-        </p:nvSpPr>
-        <p:spPr>
-          <a:xfrm rot="2700000">
-            <a:off x="7753438" y="3697885"/>
-            <a:ext cx="7486472" cy="7486467"/>
-          </a:xfrm>
-          <a:prstGeom prst="roundRect">
-            <a:avLst/>
-          </a:prstGeom>
-          <a:solidFill>
-            <a:srgbClr val="F67654"/>
+            <a:srgbClr val="0B506C"/>
           </a:solidFill>
           <a:ln>
             <a:noFill/>
@@ -7879,547 +10591,30 @@
           </a:p>
         </p:txBody>
       </p:sp>
-      <p:sp>
-        <p:nvSpPr>
-          <p:cNvPr id="18" name="稻壳儿春秋广告/盗版必究        原创来源：http://chn.docer.com/works?userid=199329941#!/work_time"/>
-          <p:cNvSpPr/>
-          <p:nvPr/>
-        </p:nvSpPr>
-        <p:spPr>
-          <a:xfrm rot="2700000">
-            <a:off x="3679692" y="-4330467"/>
-            <a:ext cx="6909795" cy="6909793"/>
-          </a:xfrm>
-          <a:prstGeom prst="roundRect">
-            <a:avLst/>
-          </a:prstGeom>
-          <a:solidFill>
-            <a:schemeClr val="bg1"/>
-          </a:solidFill>
-          <a:ln>
-            <a:noFill/>
-          </a:ln>
-        </p:spPr>
-        <p:style>
-          <a:lnRef idx="2">
-            <a:schemeClr val="accent1">
-              <a:shade val="50000"/>
-            </a:schemeClr>
-          </a:lnRef>
-          <a:fillRef idx="1">
-            <a:schemeClr val="accent1"/>
-          </a:fillRef>
-          <a:effectRef idx="0">
-            <a:schemeClr val="accent1"/>
-          </a:effectRef>
-          <a:fontRef idx="minor">
-            <a:schemeClr val="lt1"/>
-          </a:fontRef>
-        </p:style>
-        <p:txBody>
-          <a:bodyPr rtlCol="0" anchor="ctr"/>
-          <a:lstStyle/>
-          <a:p>
-            <a:pPr marL="0" marR="0" lvl="0" indent="0" algn="ctr" defTabSz="914400" rtl="0" eaLnBrk="1" fontAlgn="auto" latinLnBrk="0" hangingPunct="1">
-              <a:lnSpc>
-                <a:spcPct val="100000"/>
-              </a:lnSpc>
-              <a:spcBef>
-                <a:spcPts val="0"/>
-              </a:spcBef>
-              <a:spcAft>
-                <a:spcPts val="0"/>
-              </a:spcAft>
-              <a:buClrTx/>
-              <a:buSzTx/>
-              <a:buFontTx/>
-              <a:buNone/>
-              <a:defRPr/>
-            </a:pPr>
-            <a:endParaRPr kumimoji="0" lang="zh-CN" altLang="en-US" sz="1800" b="0" i="0" u="none" strike="noStrike" kern="1200" cap="none" spc="0" normalizeH="0" baseline="0" noProof="0" dirty="0">
-              <a:ln>
-                <a:noFill/>
-              </a:ln>
-              <a:solidFill>
-                <a:prstClr val="white"/>
-              </a:solidFill>
-              <a:effectLst/>
-              <a:uLnTx/>
-              <a:uFillTx/>
-              <a:latin typeface="Arial" panose="020B0604020202020204" pitchFamily="34" charset="0"/>
-              <a:ea typeface="Droid Sans Fallback" panose="020B0502000000000001" pitchFamily="50" charset="-128"/>
-              <a:cs typeface="Arial" panose="020B0604020202020204" pitchFamily="34" charset="0"/>
-              <a:sym typeface="Arial" panose="020B0604020202020204" pitchFamily="34" charset="0"/>
-            </a:endParaRPr>
-          </a:p>
-        </p:txBody>
-      </p:sp>
-      <p:sp>
-        <p:nvSpPr>
-          <p:cNvPr id="19" name="稻壳儿春秋广告/盗版必究        原创来源：http://chn.docer.com/works?userid=199329941#!/work_time"/>
-          <p:cNvSpPr/>
-          <p:nvPr/>
-        </p:nvSpPr>
-        <p:spPr>
-          <a:xfrm rot="2700000">
-            <a:off x="2313891" y="1103488"/>
-            <a:ext cx="1142946" cy="1142946"/>
-          </a:xfrm>
-          <a:prstGeom prst="roundRect">
-            <a:avLst/>
-          </a:prstGeom>
-          <a:solidFill>
-            <a:srgbClr val="0B506C"/>
-          </a:solidFill>
-          <a:ln>
-            <a:noFill/>
-          </a:ln>
-        </p:spPr>
-        <p:style>
-          <a:lnRef idx="2">
-            <a:schemeClr val="accent1">
-              <a:shade val="50000"/>
-            </a:schemeClr>
-          </a:lnRef>
-          <a:fillRef idx="1">
-            <a:schemeClr val="accent1"/>
-          </a:fillRef>
-          <a:effectRef idx="0">
-            <a:schemeClr val="accent1"/>
-          </a:effectRef>
-          <a:fontRef idx="minor">
-            <a:schemeClr val="lt1"/>
-          </a:fontRef>
-        </p:style>
-        <p:txBody>
-          <a:bodyPr rtlCol="0" anchor="ctr"/>
-          <a:lstStyle/>
-          <a:p>
-            <a:pPr marL="0" marR="0" lvl="0" indent="0" algn="ctr" defTabSz="914400" rtl="0" eaLnBrk="1" fontAlgn="auto" latinLnBrk="0" hangingPunct="1">
-              <a:lnSpc>
-                <a:spcPct val="100000"/>
-              </a:lnSpc>
-              <a:spcBef>
-                <a:spcPts val="0"/>
-              </a:spcBef>
-              <a:spcAft>
-                <a:spcPts val="0"/>
-              </a:spcAft>
-              <a:buClrTx/>
-              <a:buSzTx/>
-              <a:buFontTx/>
-              <a:buNone/>
-              <a:defRPr/>
-            </a:pPr>
-            <a:endParaRPr kumimoji="0" lang="zh-CN" altLang="en-US" sz="1800" b="0" i="0" u="none" strike="noStrike" kern="1200" cap="none" spc="0" normalizeH="0" baseline="0" noProof="0">
-              <a:ln>
-                <a:noFill/>
-              </a:ln>
-              <a:solidFill>
-                <a:prstClr val="white"/>
-              </a:solidFill>
-              <a:effectLst/>
-              <a:uLnTx/>
-              <a:uFillTx/>
-              <a:latin typeface="Arial" panose="020B0604020202020204" pitchFamily="34" charset="0"/>
-              <a:ea typeface="Droid Sans Fallback" panose="020B0502000000000001" pitchFamily="50" charset="-128"/>
-              <a:cs typeface="Arial" panose="020B0604020202020204" pitchFamily="34" charset="0"/>
-              <a:sym typeface="Arial" panose="020B0604020202020204" pitchFamily="34" charset="0"/>
-            </a:endParaRPr>
-          </a:p>
-        </p:txBody>
-      </p:sp>
-      <p:sp>
-        <p:nvSpPr>
-          <p:cNvPr id="20" name="稻壳儿春秋广告/盗版必究        原创来源：http://chn.docer.com/works?userid=199329941#!/work_time"/>
-          <p:cNvSpPr txBox="1"/>
-          <p:nvPr/>
-        </p:nvSpPr>
-        <p:spPr>
-          <a:xfrm flipH="1">
-            <a:off x="695325" y="4961491"/>
-            <a:ext cx="6045202" cy="483337"/>
+      <p:pic>
+        <p:nvPicPr>
+          <p:cNvPr id="17" name="Изображение 16" descr="kust_6"/>
+          <p:cNvPicPr>
+            <a:picLocks noChangeAspect="1"/>
+          </p:cNvPicPr>
+          <p:nvPr/>
+        </p:nvPicPr>
+        <p:blipFill>
+          <a:blip r:embed="rId15"/>
+          <a:stretch>
+            <a:fillRect/>
+          </a:stretch>
+        </p:blipFill>
+        <p:spPr>
+          <a:xfrm>
+            <a:off x="5795010" y="5333365"/>
+            <a:ext cx="714375" cy="714375"/>
           </a:xfrm>
           <a:prstGeom prst="rect">
             <a:avLst/>
           </a:prstGeom>
-          <a:noFill/>
-        </p:spPr>
-        <p:txBody>
-          <a:bodyPr wrap="square" rtlCol="0">
-            <a:spAutoFit/>
-          </a:bodyPr>
-          <a:lstStyle>
-            <a:defPPr>
-              <a:defRPr lang="zh-CN"/>
-            </a:defPPr>
-            <a:lvl1pPr marL="0" algn="l" defTabSz="914400" rtl="0" eaLnBrk="1" latinLnBrk="0" hangingPunct="1">
-              <a:defRPr sz="1800" kern="1200">
-                <a:solidFill>
-                  <a:schemeClr val="tx1"/>
-                </a:solidFill>
-                <a:latin typeface="+mn-lt"/>
-                <a:ea typeface="+mn-ea"/>
-                <a:cs typeface="+mn-cs"/>
-              </a:defRPr>
-            </a:lvl1pPr>
-            <a:lvl2pPr marL="457200" algn="l" defTabSz="914400" rtl="0" eaLnBrk="1" latinLnBrk="0" hangingPunct="1">
-              <a:defRPr sz="1800" kern="1200">
-                <a:solidFill>
-                  <a:schemeClr val="tx1"/>
-                </a:solidFill>
-                <a:latin typeface="+mn-lt"/>
-                <a:ea typeface="+mn-ea"/>
-                <a:cs typeface="+mn-cs"/>
-              </a:defRPr>
-            </a:lvl2pPr>
-            <a:lvl3pPr marL="914400" algn="l" defTabSz="914400" rtl="0" eaLnBrk="1" latinLnBrk="0" hangingPunct="1">
-              <a:defRPr sz="1800" kern="1200">
-                <a:solidFill>
-                  <a:schemeClr val="tx1"/>
-                </a:solidFill>
-                <a:latin typeface="+mn-lt"/>
-                <a:ea typeface="+mn-ea"/>
-                <a:cs typeface="+mn-cs"/>
-              </a:defRPr>
-            </a:lvl3pPr>
-            <a:lvl4pPr marL="1371600" algn="l" defTabSz="914400" rtl="0" eaLnBrk="1" latinLnBrk="0" hangingPunct="1">
-              <a:defRPr sz="1800" kern="1200">
-                <a:solidFill>
-                  <a:schemeClr val="tx1"/>
-                </a:solidFill>
-                <a:latin typeface="+mn-lt"/>
-                <a:ea typeface="+mn-ea"/>
-                <a:cs typeface="+mn-cs"/>
-              </a:defRPr>
-            </a:lvl4pPr>
-            <a:lvl5pPr marL="1828800" algn="l" defTabSz="914400" rtl="0" eaLnBrk="1" latinLnBrk="0" hangingPunct="1">
-              <a:defRPr sz="1800" kern="1200">
-                <a:solidFill>
-                  <a:schemeClr val="tx1"/>
-                </a:solidFill>
-                <a:latin typeface="+mn-lt"/>
-                <a:ea typeface="+mn-ea"/>
-                <a:cs typeface="+mn-cs"/>
-              </a:defRPr>
-            </a:lvl5pPr>
-            <a:lvl6pPr marL="2286000" algn="l" defTabSz="914400" rtl="0" eaLnBrk="1" latinLnBrk="0" hangingPunct="1">
-              <a:defRPr sz="1800" kern="1200">
-                <a:solidFill>
-                  <a:schemeClr val="tx1"/>
-                </a:solidFill>
-                <a:latin typeface="+mn-lt"/>
-                <a:ea typeface="+mn-ea"/>
-                <a:cs typeface="+mn-cs"/>
-              </a:defRPr>
-            </a:lvl6pPr>
-            <a:lvl7pPr marL="2743200" algn="l" defTabSz="914400" rtl="0" eaLnBrk="1" latinLnBrk="0" hangingPunct="1">
-              <a:defRPr sz="1800" kern="1200">
-                <a:solidFill>
-                  <a:schemeClr val="tx1"/>
-                </a:solidFill>
-                <a:latin typeface="+mn-lt"/>
-                <a:ea typeface="+mn-ea"/>
-                <a:cs typeface="+mn-cs"/>
-              </a:defRPr>
-            </a:lvl7pPr>
-            <a:lvl8pPr marL="3200400" algn="l" defTabSz="914400" rtl="0" eaLnBrk="1" latinLnBrk="0" hangingPunct="1">
-              <a:defRPr sz="1800" kern="1200">
-                <a:solidFill>
-                  <a:schemeClr val="tx1"/>
-                </a:solidFill>
-                <a:latin typeface="+mn-lt"/>
-                <a:ea typeface="+mn-ea"/>
-                <a:cs typeface="+mn-cs"/>
-              </a:defRPr>
-            </a:lvl8pPr>
-            <a:lvl9pPr marL="3657600" algn="l" defTabSz="914400" rtl="0" eaLnBrk="1" latinLnBrk="0" hangingPunct="1">
-              <a:defRPr sz="1800" kern="1200">
-                <a:solidFill>
-                  <a:schemeClr val="tx1"/>
-                </a:solidFill>
-                <a:latin typeface="+mn-lt"/>
-                <a:ea typeface="+mn-ea"/>
-                <a:cs typeface="+mn-cs"/>
-              </a:defRPr>
-            </a:lvl9pPr>
-          </a:lstStyle>
-          <a:p>
-            <a:pPr marL="0" marR="0" lvl="0" indent="0" algn="l" defTabSz="914400" rtl="0" eaLnBrk="1" fontAlgn="auto" latinLnBrk="0" hangingPunct="1">
-              <a:lnSpc>
-                <a:spcPct val="150000"/>
-              </a:lnSpc>
-              <a:spcBef>
-                <a:spcPts val="0"/>
-              </a:spcBef>
-              <a:spcAft>
-                <a:spcPts val="0"/>
-              </a:spcAft>
-              <a:buClrTx/>
-              <a:buSzTx/>
-              <a:buFontTx/>
-              <a:buNone/>
-              <a:defRPr/>
-            </a:pPr>
-            <a:r>
-              <a:rPr kumimoji="0" lang="en-US" altLang="zh-CN" sz="900" b="0" i="0" u="none" strike="noStrike" kern="1200" cap="none" spc="0" normalizeH="0" baseline="0" noProof="0" dirty="0">
-                <a:ln>
-                  <a:noFill/>
-                </a:ln>
-                <a:solidFill>
-                  <a:prstClr val="black"/>
-                </a:solidFill>
-                <a:effectLst/>
-                <a:uLnTx/>
-                <a:uFillTx/>
-                <a:latin typeface="Arial" panose="020B0604020202020204" pitchFamily="34" charset="0"/>
-                <a:ea typeface="Droid Sans Fallback" panose="020B0502000000000001" pitchFamily="50" charset="-128"/>
-                <a:cs typeface="Arial" panose="020B0604020202020204" pitchFamily="34" charset="0"/>
-                <a:sym typeface="Arial" panose="020B0604020202020204" pitchFamily="34" charset="0"/>
-              </a:rPr>
-              <a:t>Enter your text here, or paste your text here. Enter your text here, or paste your text here. Enter your text here, or paste your text here. Enter your text here, or paste your text here.</a:t>
-            </a:r>
-            <a:endParaRPr kumimoji="0" lang="en-US" altLang="zh-CN" sz="900" b="0" i="0" u="none" strike="noStrike" kern="1200" cap="none" spc="0" normalizeH="0" baseline="0" noProof="0" dirty="0">
-              <a:ln>
-                <a:noFill/>
-              </a:ln>
-              <a:solidFill>
-                <a:prstClr val="black"/>
-              </a:solidFill>
-              <a:effectLst/>
-              <a:uLnTx/>
-              <a:uFillTx/>
-              <a:latin typeface="Arial" panose="020B0604020202020204" pitchFamily="34" charset="0"/>
-              <a:ea typeface="Droid Sans Fallback" panose="020B0502000000000001" pitchFamily="50" charset="-128"/>
-              <a:cs typeface="Arial" panose="020B0604020202020204" pitchFamily="34" charset="0"/>
-              <a:sym typeface="Arial" panose="020B0604020202020204" pitchFamily="34" charset="0"/>
-            </a:endParaRPr>
-          </a:p>
-        </p:txBody>
-      </p:sp>
-      <p:sp>
-        <p:nvSpPr>
-          <p:cNvPr id="22" name="稻壳儿春秋广告/盗版必究        原创来源：http://chn.docer.com/works?userid=199329941#!/work_time"/>
-          <p:cNvSpPr txBox="1"/>
-          <p:nvPr/>
-        </p:nvSpPr>
-        <p:spPr>
-          <a:xfrm flipH="1">
-            <a:off x="695325" y="4438271"/>
-            <a:ext cx="3545903" cy="523220"/>
-          </a:xfrm>
-          <a:prstGeom prst="rect">
-            <a:avLst/>
-          </a:prstGeom>
-          <a:noFill/>
-        </p:spPr>
-        <p:txBody>
-          <a:bodyPr wrap="square" rtlCol="0">
-            <a:spAutoFit/>
-          </a:bodyPr>
-          <a:lstStyle/>
-          <a:p>
-            <a:pPr marL="0" marR="0" lvl="0" indent="0" algn="l" defTabSz="914400" rtl="0" eaLnBrk="1" fontAlgn="auto" latinLnBrk="0" hangingPunct="1">
-              <a:lnSpc>
-                <a:spcPct val="100000"/>
-              </a:lnSpc>
-              <a:spcBef>
-                <a:spcPts val="0"/>
-              </a:spcBef>
-              <a:spcAft>
-                <a:spcPts val="0"/>
-              </a:spcAft>
-              <a:buClrTx/>
-              <a:buSzTx/>
-              <a:buFontTx/>
-              <a:buNone/>
-              <a:defRPr/>
-            </a:pPr>
-            <a:r>
-              <a:rPr kumimoji="0" lang="en-US" altLang="zh-CN" sz="2800" b="0" i="0" u="none" strike="noStrike" kern="1200" cap="none" spc="0" normalizeH="0" baseline="0" noProof="0" dirty="0">
-                <a:ln>
-                  <a:noFill/>
-                </a:ln>
-                <a:solidFill>
-                  <a:prstClr val="black"/>
-                </a:solidFill>
-                <a:effectLst/>
-                <a:uLnTx/>
-                <a:uFillTx/>
-                <a:latin typeface="Arial" panose="020B0604020202020204" pitchFamily="34" charset="0"/>
-                <a:ea typeface="Droid Sans Fallback" panose="020B0502000000000001" pitchFamily="50" charset="-128"/>
-                <a:cs typeface="Arial" panose="020B0604020202020204" pitchFamily="34" charset="0"/>
-                <a:sym typeface="Arial" panose="020B0604020202020204" pitchFamily="34" charset="0"/>
-              </a:rPr>
-              <a:t>ENTER TITLE</a:t>
-            </a:r>
-            <a:endParaRPr kumimoji="0" lang="en-US" altLang="zh-CN" sz="2800" b="0" i="0" u="none" strike="noStrike" kern="1200" cap="none" spc="0" normalizeH="0" baseline="0" noProof="0" dirty="0">
-              <a:ln>
-                <a:noFill/>
-              </a:ln>
-              <a:solidFill>
-                <a:prstClr val="black"/>
-              </a:solidFill>
-              <a:effectLst/>
-              <a:uLnTx/>
-              <a:uFillTx/>
-              <a:latin typeface="Arial" panose="020B0604020202020204" pitchFamily="34" charset="0"/>
-              <a:ea typeface="Droid Sans Fallback" panose="020B0502000000000001" pitchFamily="50" charset="-128"/>
-              <a:cs typeface="Arial" panose="020B0604020202020204" pitchFamily="34" charset="0"/>
-              <a:sym typeface="Arial" panose="020B0604020202020204" pitchFamily="34" charset="0"/>
-            </a:endParaRPr>
-          </a:p>
-        </p:txBody>
-      </p:sp>
-      <p:sp>
-        <p:nvSpPr>
-          <p:cNvPr id="23" name="稻壳儿春秋广告/盗版必究        原创来源：http://chn.docer.com/works?userid=199329941#!/work_time"/>
-          <p:cNvSpPr txBox="1"/>
-          <p:nvPr/>
-        </p:nvSpPr>
-        <p:spPr>
-          <a:xfrm flipH="1">
-            <a:off x="695325" y="3730384"/>
-            <a:ext cx="2778958" cy="707886"/>
-          </a:xfrm>
-          <a:prstGeom prst="rect">
-            <a:avLst/>
-          </a:prstGeom>
-          <a:noFill/>
-        </p:spPr>
-        <p:txBody>
-          <a:bodyPr wrap="square" rtlCol="0">
-            <a:spAutoFit/>
-          </a:bodyPr>
-          <a:lstStyle/>
-          <a:p>
-            <a:pPr marL="0" marR="0" lvl="0" indent="0" algn="l" defTabSz="914400" rtl="0" eaLnBrk="1" fontAlgn="auto" latinLnBrk="0" hangingPunct="1">
-              <a:lnSpc>
-                <a:spcPct val="100000"/>
-              </a:lnSpc>
-              <a:spcBef>
-                <a:spcPts val="0"/>
-              </a:spcBef>
-              <a:spcAft>
-                <a:spcPts val="0"/>
-              </a:spcAft>
-              <a:buClrTx/>
-              <a:buSzTx/>
-              <a:buFontTx/>
-              <a:buNone/>
-              <a:defRPr/>
-            </a:pPr>
-            <a:r>
-              <a:rPr kumimoji="0" lang="en-US" altLang="zh-CN" sz="4000" b="0" i="0" u="none" strike="noStrike" kern="1200" cap="none" spc="0" normalizeH="0" baseline="0" noProof="0" dirty="0">
-                <a:ln>
-                  <a:noFill/>
-                </a:ln>
-                <a:solidFill>
-                  <a:srgbClr val="F67654"/>
-                </a:solidFill>
-                <a:effectLst/>
-                <a:uLnTx/>
-                <a:uFillTx/>
-                <a:latin typeface="Arial" panose="020B0604020202020204" pitchFamily="34" charset="0"/>
-                <a:ea typeface="Droid Sans Fallback" panose="020B0502000000000001" pitchFamily="50" charset="-128"/>
-                <a:cs typeface="Arial" panose="020B0604020202020204" pitchFamily="34" charset="0"/>
-                <a:sym typeface="Arial" panose="020B0604020202020204" pitchFamily="34" charset="0"/>
-              </a:rPr>
-              <a:t>PART 02</a:t>
-            </a:r>
-            <a:endParaRPr kumimoji="0" lang="zh-CN" altLang="en-US" sz="4000" b="0" i="0" u="none" strike="noStrike" kern="1200" cap="none" spc="0" normalizeH="0" baseline="0" noProof="0" dirty="0">
-              <a:ln>
-                <a:noFill/>
-              </a:ln>
-              <a:solidFill>
-                <a:srgbClr val="F67654"/>
-              </a:solidFill>
-              <a:effectLst/>
-              <a:uLnTx/>
-              <a:uFillTx/>
-              <a:latin typeface="Arial" panose="020B0604020202020204" pitchFamily="34" charset="0"/>
-              <a:ea typeface="Droid Sans Fallback" panose="020B0502000000000001" pitchFamily="50" charset="-128"/>
-              <a:cs typeface="Arial" panose="020B0604020202020204" pitchFamily="34" charset="0"/>
-              <a:sym typeface="Arial" panose="020B0604020202020204" pitchFamily="34" charset="0"/>
-            </a:endParaRPr>
-          </a:p>
-        </p:txBody>
-      </p:sp>
-      <p:sp>
-        <p:nvSpPr>
-          <p:cNvPr id="24" name="稻壳儿春秋广告/盗版必究        原创来源：http://chn.docer.com/works?userid=199329941#!/work_time"/>
-          <p:cNvSpPr/>
-          <p:nvPr/>
-        </p:nvSpPr>
-        <p:spPr>
-          <a:xfrm rot="2700000">
-            <a:off x="6678765" y="-1687006"/>
-            <a:ext cx="3374012" cy="3374012"/>
-          </a:xfrm>
-          <a:prstGeom prst="roundRect">
-            <a:avLst/>
-          </a:prstGeom>
-          <a:solidFill>
-            <a:srgbClr val="2A2625"/>
-          </a:solidFill>
-          <a:ln>
-            <a:noFill/>
-          </a:ln>
-        </p:spPr>
-        <p:style>
-          <a:lnRef idx="2">
-            <a:schemeClr val="accent1">
-              <a:shade val="50000"/>
-            </a:schemeClr>
-          </a:lnRef>
-          <a:fillRef idx="1">
-            <a:schemeClr val="accent1"/>
-          </a:fillRef>
-          <a:effectRef idx="0">
-            <a:schemeClr val="accent1"/>
-          </a:effectRef>
-          <a:fontRef idx="minor">
-            <a:schemeClr val="lt1"/>
-          </a:fontRef>
-        </p:style>
-        <p:txBody>
-          <a:bodyPr rtlCol="0" anchor="ctr"/>
-          <a:lstStyle/>
-          <a:p>
-            <a:pPr marL="0" marR="0" lvl="0" indent="0" algn="ctr" defTabSz="914400" rtl="0" eaLnBrk="1" fontAlgn="auto" latinLnBrk="0" hangingPunct="1">
-              <a:lnSpc>
-                <a:spcPct val="100000"/>
-              </a:lnSpc>
-              <a:spcBef>
-                <a:spcPts val="0"/>
-              </a:spcBef>
-              <a:spcAft>
-                <a:spcPts val="0"/>
-              </a:spcAft>
-              <a:buClrTx/>
-              <a:buSzTx/>
-              <a:buFontTx/>
-              <a:buNone/>
-              <a:defRPr/>
-            </a:pPr>
-            <a:endParaRPr kumimoji="0" lang="zh-CN" altLang="en-US" sz="1800" b="0" i="0" u="none" strike="noStrike" kern="1200" cap="none" spc="0" normalizeH="0" baseline="0" noProof="0">
-              <a:ln>
-                <a:noFill/>
-              </a:ln>
-              <a:solidFill>
-                <a:prstClr val="white"/>
-              </a:solidFill>
-              <a:effectLst/>
-              <a:uLnTx/>
-              <a:uFillTx/>
-              <a:latin typeface="Arial" panose="020B0604020202020204" pitchFamily="34" charset="0"/>
-              <a:ea typeface="Droid Sans Fallback" panose="020B0502000000000001" pitchFamily="50" charset="-128"/>
-              <a:cs typeface="Arial" panose="020B0604020202020204" pitchFamily="34" charset="0"/>
-              <a:sym typeface="Arial" panose="020B0604020202020204" pitchFamily="34" charset="0"/>
-            </a:endParaRPr>
-          </a:p>
-        </p:txBody>
-      </p:sp>
+        </p:spPr>
+      </p:pic>
     </p:spTree>
   </p:cSld>
   <p:clrMapOvr>
@@ -8428,7 +10623,7 @@
 </p:sld>
 </file>
 
-<file path=ppt/slides/slide7.xml><?xml version="1.0" encoding="utf-8"?>
+<file path=ppt/slides/slide8.xml><?xml version="1.0" encoding="utf-8"?>
 <p:sld xmlns:a="http://schemas.openxmlformats.org/drawingml/2006/main" xmlns:r="http://schemas.openxmlformats.org/officeDocument/2006/relationships" xmlns:p="http://schemas.openxmlformats.org/presentationml/2006/main">
   <p:cSld>
     <p:spTree>
@@ -9994,6 +12189,57 @@
           </a:p>
         </p:txBody>
       </p:sp>
+      <p:sp>
+        <p:nvSpPr>
+          <p:cNvPr id="14" name="稻壳儿春秋广告/盗版必究        原创来源：http://chn.docer.com/works?userid=199329941#!/work_time"/>
+          <p:cNvSpPr/>
+          <p:nvPr/>
+        </p:nvSpPr>
+        <p:spPr>
+          <a:xfrm rot="2700000">
+            <a:off x="-970268" y="5908764"/>
+            <a:ext cx="2998691" cy="2998690"/>
+          </a:xfrm>
+          <a:prstGeom prst="roundRect">
+            <a:avLst/>
+          </a:prstGeom>
+          <a:solidFill>
+            <a:srgbClr val="2A2625"/>
+          </a:solidFill>
+          <a:ln>
+            <a:noFill/>
+          </a:ln>
+        </p:spPr>
+        <p:style>
+          <a:lnRef idx="2">
+            <a:schemeClr val="accent1">
+              <a:shade val="50000"/>
+            </a:schemeClr>
+          </a:lnRef>
+          <a:fillRef idx="1">
+            <a:schemeClr val="accent1"/>
+          </a:fillRef>
+          <a:effectRef idx="0">
+            <a:schemeClr val="accent1"/>
+          </a:effectRef>
+          <a:fontRef idx="minor">
+            <a:schemeClr val="lt1"/>
+          </a:fontRef>
+        </p:style>
+        <p:txBody>
+          <a:bodyPr rtlCol="0" anchor="ctr"/>
+          <a:lstStyle/>
+          <a:p>
+            <a:pPr algn="ctr"/>
+            <a:endParaRPr lang="zh-CN" altLang="en-US" dirty="0">
+              <a:latin typeface="Arial" panose="020B0604020202020204" pitchFamily="34" charset="0"/>
+              <a:ea typeface="Droid Sans Fallback" panose="020B0502000000000001" pitchFamily="50" charset="-128"/>
+              <a:cs typeface="Arial" panose="020B0604020202020204" pitchFamily="34" charset="0"/>
+              <a:sym typeface="Arial" panose="020B0604020202020204" pitchFamily="34" charset="0"/>
+            </a:endParaRPr>
+          </a:p>
+        </p:txBody>
+      </p:sp>
     </p:spTree>
   </p:cSld>
   <p:clrMapOvr>
@@ -10002,7 +12248,7 @@
 </p:sld>
 </file>
 
-<file path=ppt/slides/slide8.xml><?xml version="1.0" encoding="utf-8"?>
+<file path=ppt/slides/slide9.xml><?xml version="1.0" encoding="utf-8"?>
 <p:sld xmlns:a="http://schemas.openxmlformats.org/drawingml/2006/main" xmlns:r="http://schemas.openxmlformats.org/officeDocument/2006/relationships" xmlns:p="http://schemas.openxmlformats.org/presentationml/2006/main">
   <p:cSld>
     <p:spTree>
@@ -10560,8 +12806,8 @@
         </p:blipFill>
         <p:spPr>
           <a:xfrm>
-            <a:off x="5619750" y="1567180"/>
-            <a:ext cx="952500" cy="476250"/>
+            <a:off x="5101590" y="1490345"/>
+            <a:ext cx="1945640" cy="972820"/>
           </a:xfrm>
           <a:prstGeom prst="rect">
             <a:avLst/>
@@ -10584,8 +12830,8 @@
         </p:blipFill>
         <p:spPr>
           <a:xfrm>
-            <a:off x="1184275" y="3071495"/>
-            <a:ext cx="714375" cy="714375"/>
+            <a:off x="1037590" y="2931795"/>
+            <a:ext cx="965200" cy="965200"/>
           </a:xfrm>
           <a:prstGeom prst="rect">
             <a:avLst/>
@@ -10608,8 +12854,8 @@
         </p:blipFill>
         <p:spPr>
           <a:xfrm>
-            <a:off x="5738495" y="3071495"/>
-            <a:ext cx="714375" cy="714375"/>
+            <a:off x="5591810" y="2931795"/>
+            <a:ext cx="965200" cy="965200"/>
           </a:xfrm>
           <a:prstGeom prst="rect">
             <a:avLst/>
@@ -10624,7 +12870,7 @@
         </p:nvSpPr>
         <p:spPr>
           <a:xfrm>
-            <a:off x="5619750" y="2563495"/>
+            <a:off x="5701030" y="2563495"/>
             <a:ext cx="4064000" cy="368300"/>
           </a:xfrm>
           <a:prstGeom prst="rect">
@@ -10682,7 +12928,7 @@
         </p:nvSpPr>
         <p:spPr>
           <a:xfrm>
-            <a:off x="4340860" y="3925570"/>
+            <a:off x="4119880" y="3925570"/>
             <a:ext cx="4064000" cy="922020"/>
           </a:xfrm>
           <a:prstGeom prst="rect">
@@ -10695,6 +12941,7 @@
             <a:spAutoFit/>
           </a:bodyPr>
           <a:p>
+            <a:pPr algn="ctr"/>
             <a:r>
               <a:rPr lang="ru-RU" altLang="en-US"/>
               <a:t>лисицы и волки похожи в поведении, они охотятся за игроком,но заяц от него убегает</a:t>
@@ -10711,8 +12958,8 @@
         </p:nvSpPr>
         <p:spPr>
           <a:xfrm>
-            <a:off x="5467350" y="1122045"/>
-            <a:ext cx="4064000" cy="368300"/>
+            <a:off x="5394960" y="894080"/>
+            <a:ext cx="1652270" cy="368300"/>
           </a:xfrm>
           <a:prstGeom prst="rect">
             <a:avLst/>
@@ -10732,525 +12979,40 @@
           </a:p>
         </p:txBody>
       </p:sp>
-    </p:spTree>
-  </p:cSld>
-  <p:clrMapOvr>
-    <a:masterClrMapping/>
-  </p:clrMapOvr>
-</p:sld>
-</file>
-
-<file path=ppt/slides/slide9.xml><?xml version="1.0" encoding="utf-8"?>
-<p:sld xmlns:a="http://schemas.openxmlformats.org/drawingml/2006/main" xmlns:r="http://schemas.openxmlformats.org/officeDocument/2006/relationships" xmlns:p="http://schemas.openxmlformats.org/presentationml/2006/main">
-  <p:cSld>
-    <p:spTree>
-      <p:nvGrpSpPr>
-        <p:cNvPr id="1" name=""/>
-        <p:cNvGrpSpPr/>
-        <p:nvPr/>
-      </p:nvGrpSpPr>
-      <p:grpSpPr>
-        <a:xfrm>
-          <a:off x="0" y="0"/>
-          <a:ext cx="0" cy="0"/>
-          <a:chOff x="0" y="0"/>
-          <a:chExt cx="0" cy="0"/>
-        </a:xfrm>
-      </p:grpSpPr>
-      <p:sp>
-        <p:nvSpPr>
-          <p:cNvPr id="10" name="稻壳儿春秋广告/盗版必究        原创来源：http://chn.docer.com/works?userid=199329941#!/work_time"/>
-          <p:cNvSpPr/>
-          <p:nvPr/>
-        </p:nvSpPr>
-        <p:spPr>
-          <a:xfrm>
-            <a:off x="75056" y="1"/>
-            <a:ext cx="1387398" cy="693699"/>
-          </a:xfrm>
-          <a:custGeom>
-            <a:avLst/>
-            <a:gdLst>
-              <a:gd name="connsiteX0" fmla="*/ 0 w 1387398"/>
-              <a:gd name="connsiteY0" fmla="*/ 0 h 693699"/>
-              <a:gd name="connsiteX1" fmla="*/ 1387398 w 1387398"/>
-              <a:gd name="connsiteY1" fmla="*/ 0 h 693699"/>
-              <a:gd name="connsiteX2" fmla="*/ 1334326 w 1387398"/>
-              <a:gd name="connsiteY2" fmla="*/ 128128 h 693699"/>
-              <a:gd name="connsiteX3" fmla="*/ 821827 w 1387398"/>
-              <a:gd name="connsiteY3" fmla="*/ 640627 h 693699"/>
-              <a:gd name="connsiteX4" fmla="*/ 565571 w 1387398"/>
-              <a:gd name="connsiteY4" fmla="*/ 640627 h 693699"/>
-              <a:gd name="connsiteX5" fmla="*/ 53072 w 1387398"/>
-              <a:gd name="connsiteY5" fmla="*/ 128128 h 693699"/>
-              <a:gd name="connsiteX6" fmla="*/ 0 w 1387398"/>
-              <a:gd name="connsiteY6" fmla="*/ 0 h 693699"/>
-            </a:gdLst>
-            <a:ahLst/>
-            <a:cxnLst>
-              <a:cxn ang="0">
-                <a:pos x="connsiteX0" y="connsiteY0"/>
-              </a:cxn>
-              <a:cxn ang="0">
-                <a:pos x="connsiteX1" y="connsiteY1"/>
-              </a:cxn>
-              <a:cxn ang="0">
-                <a:pos x="connsiteX2" y="connsiteY2"/>
-              </a:cxn>
-              <a:cxn ang="0">
-                <a:pos x="connsiteX3" y="connsiteY3"/>
-              </a:cxn>
-              <a:cxn ang="0">
-                <a:pos x="connsiteX4" y="connsiteY4"/>
-              </a:cxn>
-              <a:cxn ang="0">
-                <a:pos x="connsiteX5" y="connsiteY5"/>
-              </a:cxn>
-              <a:cxn ang="0">
-                <a:pos x="connsiteX6" y="connsiteY6"/>
-              </a:cxn>
-            </a:cxnLst>
-            <a:rect l="l" t="t" r="r" b="b"/>
-            <a:pathLst>
-              <a:path w="1387398" h="693699">
-                <a:moveTo>
-                  <a:pt x="0" y="0"/>
-                </a:moveTo>
-                <a:lnTo>
-                  <a:pt x="1387398" y="0"/>
-                </a:lnTo>
-                <a:cubicBezTo>
-                  <a:pt x="1387398" y="46373"/>
-                  <a:pt x="1369708" y="92747"/>
-                  <a:pt x="1334326" y="128128"/>
-                </a:cubicBezTo>
-                <a:lnTo>
-                  <a:pt x="821827" y="640627"/>
-                </a:lnTo>
-                <a:cubicBezTo>
-                  <a:pt x="751064" y="711390"/>
-                  <a:pt x="636334" y="711390"/>
-                  <a:pt x="565571" y="640627"/>
-                </a:cubicBezTo>
-                <a:lnTo>
-                  <a:pt x="53072" y="128128"/>
-                </a:lnTo>
-                <a:cubicBezTo>
-                  <a:pt x="17691" y="92747"/>
-                  <a:pt x="0" y="46373"/>
-                  <a:pt x="0" y="0"/>
-                </a:cubicBezTo>
-                <a:close/>
-              </a:path>
-            </a:pathLst>
-          </a:custGeom>
-          <a:solidFill>
-            <a:srgbClr val="0B506C"/>
-          </a:solidFill>
-          <a:ln>
-            <a:noFill/>
-          </a:ln>
-        </p:spPr>
-        <p:style>
-          <a:lnRef idx="2">
-            <a:schemeClr val="accent1">
-              <a:shade val="50000"/>
-            </a:schemeClr>
-          </a:lnRef>
-          <a:fillRef idx="1">
-            <a:schemeClr val="accent1"/>
-          </a:fillRef>
-          <a:effectRef idx="0">
-            <a:schemeClr val="accent1"/>
-          </a:effectRef>
-          <a:fontRef idx="minor">
-            <a:schemeClr val="lt1"/>
-          </a:fontRef>
-        </p:style>
-        <p:txBody>
-          <a:bodyPr rtlCol="0" anchor="ctr"/>
-          <a:lstStyle/>
-          <a:p>
-            <a:pPr algn="ctr"/>
-            <a:endParaRPr lang="zh-CN" altLang="en-US">
-              <a:latin typeface="Arial" panose="020B0604020202020204" pitchFamily="34" charset="0"/>
-              <a:ea typeface="Droid Sans Fallback" panose="020B0502000000000001" pitchFamily="50" charset="-128"/>
-              <a:cs typeface="Arial" panose="020B0604020202020204" pitchFamily="34" charset="0"/>
-              <a:sym typeface="Arial" panose="020B0604020202020204" pitchFamily="34" charset="0"/>
-            </a:endParaRPr>
-          </a:p>
-        </p:txBody>
-      </p:sp>
-      <p:sp>
-        <p:nvSpPr>
-          <p:cNvPr id="7" name="稻壳儿春秋广告/盗版必究        原创来源：http://chn.docer.com/works?userid=199329941#!/work_time"/>
-          <p:cNvSpPr/>
-          <p:nvPr/>
-        </p:nvSpPr>
-        <p:spPr>
-          <a:xfrm>
-            <a:off x="973258" y="0"/>
-            <a:ext cx="838222" cy="419110"/>
-          </a:xfrm>
-          <a:custGeom>
-            <a:avLst/>
-            <a:gdLst>
-              <a:gd name="connsiteX0" fmla="*/ 0 w 838222"/>
-              <a:gd name="connsiteY0" fmla="*/ 0 h 419110"/>
-              <a:gd name="connsiteX1" fmla="*/ 838222 w 838222"/>
-              <a:gd name="connsiteY1" fmla="*/ 0 h 419110"/>
-              <a:gd name="connsiteX2" fmla="*/ 806157 w 838222"/>
-              <a:gd name="connsiteY2" fmla="*/ 77411 h 419110"/>
-              <a:gd name="connsiteX3" fmla="*/ 496522 w 838222"/>
-              <a:gd name="connsiteY3" fmla="*/ 387046 h 419110"/>
-              <a:gd name="connsiteX4" fmla="*/ 341700 w 838222"/>
-              <a:gd name="connsiteY4" fmla="*/ 387046 h 419110"/>
-              <a:gd name="connsiteX5" fmla="*/ 32065 w 838222"/>
-              <a:gd name="connsiteY5" fmla="*/ 77411 h 419110"/>
-              <a:gd name="connsiteX6" fmla="*/ 0 w 838222"/>
-              <a:gd name="connsiteY6" fmla="*/ 0 h 419110"/>
-            </a:gdLst>
-            <a:ahLst/>
-            <a:cxnLst>
-              <a:cxn ang="0">
-                <a:pos x="connsiteX0" y="connsiteY0"/>
-              </a:cxn>
-              <a:cxn ang="0">
-                <a:pos x="connsiteX1" y="connsiteY1"/>
-              </a:cxn>
-              <a:cxn ang="0">
-                <a:pos x="connsiteX2" y="connsiteY2"/>
-              </a:cxn>
-              <a:cxn ang="0">
-                <a:pos x="connsiteX3" y="connsiteY3"/>
-              </a:cxn>
-              <a:cxn ang="0">
-                <a:pos x="connsiteX4" y="connsiteY4"/>
-              </a:cxn>
-              <a:cxn ang="0">
-                <a:pos x="connsiteX5" y="connsiteY5"/>
-              </a:cxn>
-              <a:cxn ang="0">
-                <a:pos x="connsiteX6" y="connsiteY6"/>
-              </a:cxn>
-            </a:cxnLst>
-            <a:rect l="l" t="t" r="r" b="b"/>
-            <a:pathLst>
-              <a:path w="838222" h="419110">
-                <a:moveTo>
-                  <a:pt x="0" y="0"/>
-                </a:moveTo>
-                <a:lnTo>
-                  <a:pt x="838222" y="0"/>
-                </a:lnTo>
-                <a:cubicBezTo>
-                  <a:pt x="838222" y="28017"/>
-                  <a:pt x="827534" y="56035"/>
-                  <a:pt x="806157" y="77411"/>
-                </a:cubicBezTo>
-                <a:lnTo>
-                  <a:pt x="496522" y="387046"/>
-                </a:lnTo>
-                <a:cubicBezTo>
-                  <a:pt x="453769" y="429799"/>
-                  <a:pt x="384453" y="429799"/>
-                  <a:pt x="341700" y="387046"/>
-                </a:cubicBezTo>
-                <a:lnTo>
-                  <a:pt x="32065" y="77411"/>
-                </a:lnTo>
-                <a:cubicBezTo>
-                  <a:pt x="10689" y="56035"/>
-                  <a:pt x="0" y="28017"/>
-                  <a:pt x="0" y="0"/>
-                </a:cubicBezTo>
-                <a:close/>
-              </a:path>
-            </a:pathLst>
-          </a:custGeom>
-          <a:solidFill>
-            <a:srgbClr val="F67654"/>
-          </a:solidFill>
-          <a:ln>
-            <a:noFill/>
-          </a:ln>
-        </p:spPr>
-        <p:style>
-          <a:lnRef idx="2">
-            <a:schemeClr val="accent1">
-              <a:shade val="50000"/>
-            </a:schemeClr>
-          </a:lnRef>
-          <a:fillRef idx="1">
-            <a:schemeClr val="accent1"/>
-          </a:fillRef>
-          <a:effectRef idx="0">
-            <a:schemeClr val="accent1"/>
-          </a:effectRef>
-          <a:fontRef idx="minor">
-            <a:schemeClr val="lt1"/>
-          </a:fontRef>
-        </p:style>
-        <p:txBody>
-          <a:bodyPr rtlCol="0" anchor="ctr"/>
-          <a:lstStyle/>
-          <a:p>
-            <a:pPr algn="ctr"/>
-            <a:endParaRPr lang="zh-CN" altLang="en-US">
-              <a:latin typeface="Arial" panose="020B0604020202020204" pitchFamily="34" charset="0"/>
-              <a:ea typeface="Droid Sans Fallback" panose="020B0502000000000001" pitchFamily="50" charset="-128"/>
-              <a:cs typeface="Arial" panose="020B0604020202020204" pitchFamily="34" charset="0"/>
-              <a:sym typeface="Arial" panose="020B0604020202020204" pitchFamily="34" charset="0"/>
-            </a:endParaRPr>
-          </a:p>
-        </p:txBody>
-      </p:sp>
-      <p:sp>
-        <p:nvSpPr>
-          <p:cNvPr id="21" name="稻壳儿春秋广告/盗版必究        原创来源：http://chn.docer.com/works?userid=199329941#!/work_time"/>
-          <p:cNvSpPr/>
-          <p:nvPr/>
-        </p:nvSpPr>
-        <p:spPr>
-          <a:xfrm>
-            <a:off x="10606842" y="6001428"/>
-            <a:ext cx="1585158" cy="856572"/>
-          </a:xfrm>
-          <a:custGeom>
-            <a:avLst/>
-            <a:gdLst>
-              <a:gd name="connsiteX0" fmla="*/ 982227 w 1585158"/>
-              <a:gd name="connsiteY0" fmla="*/ 1 h 856572"/>
-              <a:gd name="connsiteX1" fmla="*/ 1196736 w 1585158"/>
-              <a:gd name="connsiteY1" fmla="*/ 88853 h 856572"/>
-              <a:gd name="connsiteX2" fmla="*/ 1585158 w 1585158"/>
-              <a:gd name="connsiteY2" fmla="*/ 477276 h 856572"/>
-              <a:gd name="connsiteX3" fmla="*/ 1585158 w 1585158"/>
-              <a:gd name="connsiteY3" fmla="*/ 856572 h 856572"/>
-              <a:gd name="connsiteX4" fmla="*/ 0 w 1585158"/>
-              <a:gd name="connsiteY4" fmla="*/ 856572 h 856572"/>
-              <a:gd name="connsiteX5" fmla="*/ 767718 w 1585158"/>
-              <a:gd name="connsiteY5" fmla="*/ 88853 h 856572"/>
-              <a:gd name="connsiteX6" fmla="*/ 982227 w 1585158"/>
-              <a:gd name="connsiteY6" fmla="*/ 1 h 856572"/>
-            </a:gdLst>
-            <a:ahLst/>
-            <a:cxnLst>
-              <a:cxn ang="0">
-                <a:pos x="connsiteX0" y="connsiteY0"/>
-              </a:cxn>
-              <a:cxn ang="0">
-                <a:pos x="connsiteX1" y="connsiteY1"/>
-              </a:cxn>
-              <a:cxn ang="0">
-                <a:pos x="connsiteX2" y="connsiteY2"/>
-              </a:cxn>
-              <a:cxn ang="0">
-                <a:pos x="connsiteX3" y="connsiteY3"/>
-              </a:cxn>
-              <a:cxn ang="0">
-                <a:pos x="connsiteX4" y="connsiteY4"/>
-              </a:cxn>
-              <a:cxn ang="0">
-                <a:pos x="connsiteX5" y="connsiteY5"/>
-              </a:cxn>
-              <a:cxn ang="0">
-                <a:pos x="connsiteX6" y="connsiteY6"/>
-              </a:cxn>
-            </a:cxnLst>
-            <a:rect l="l" t="t" r="r" b="b"/>
-            <a:pathLst>
-              <a:path w="1585158" h="856572">
-                <a:moveTo>
-                  <a:pt x="982227" y="1"/>
-                </a:moveTo>
-                <a:cubicBezTo>
-                  <a:pt x="1059864" y="0"/>
-                  <a:pt x="1137501" y="29618"/>
-                  <a:pt x="1196736" y="88853"/>
-                </a:cubicBezTo>
-                <a:lnTo>
-                  <a:pt x="1585158" y="477276"/>
-                </a:lnTo>
-                <a:lnTo>
-                  <a:pt x="1585158" y="856572"/>
-                </a:lnTo>
-                <a:lnTo>
-                  <a:pt x="0" y="856572"/>
-                </a:lnTo>
-                <a:lnTo>
-                  <a:pt x="767718" y="88853"/>
-                </a:lnTo>
-                <a:cubicBezTo>
-                  <a:pt x="826953" y="29618"/>
-                  <a:pt x="904590" y="0"/>
-                  <a:pt x="982227" y="1"/>
-                </a:cubicBezTo>
-                <a:close/>
-              </a:path>
-            </a:pathLst>
-          </a:custGeom>
-          <a:solidFill>
-            <a:srgbClr val="2A2625"/>
-          </a:solidFill>
-          <a:ln>
-            <a:noFill/>
-          </a:ln>
-        </p:spPr>
-        <p:style>
-          <a:lnRef idx="2">
-            <a:schemeClr val="accent1">
-              <a:shade val="50000"/>
-            </a:schemeClr>
-          </a:lnRef>
-          <a:fillRef idx="1">
-            <a:schemeClr val="accent1"/>
-          </a:fillRef>
-          <a:effectRef idx="0">
-            <a:schemeClr val="accent1"/>
-          </a:effectRef>
-          <a:fontRef idx="minor">
-            <a:schemeClr val="lt1"/>
-          </a:fontRef>
-        </p:style>
-        <p:txBody>
-          <a:bodyPr rtlCol="0" anchor="ctr"/>
-          <a:lstStyle/>
-          <a:p>
-            <a:pPr algn="ctr"/>
-            <a:endParaRPr lang="zh-CN" altLang="en-US">
-              <a:latin typeface="Arial" panose="020B0604020202020204" pitchFamily="34" charset="0"/>
-              <a:ea typeface="Droid Sans Fallback" panose="020B0502000000000001" pitchFamily="50" charset="-128"/>
-              <a:cs typeface="Arial" panose="020B0604020202020204" pitchFamily="34" charset="0"/>
-              <a:sym typeface="Arial" panose="020B0604020202020204" pitchFamily="34" charset="0"/>
-            </a:endParaRPr>
-          </a:p>
-        </p:txBody>
-      </p:sp>
-      <p:sp>
-        <p:nvSpPr>
-          <p:cNvPr id="15" name="稻壳儿春秋广告/盗版必究        原创来源：http://chn.docer.com/works?userid=199329941#!/work_time"/>
-          <p:cNvSpPr/>
-          <p:nvPr/>
-        </p:nvSpPr>
-        <p:spPr>
-          <a:xfrm>
-            <a:off x="10848444" y="6419271"/>
-            <a:ext cx="1101953" cy="438729"/>
-          </a:xfrm>
-          <a:custGeom>
-            <a:avLst/>
-            <a:gdLst>
-              <a:gd name="connsiteX0" fmla="*/ 550977 w 1101953"/>
-              <a:gd name="connsiteY0" fmla="*/ 0 h 438729"/>
-              <a:gd name="connsiteX1" fmla="*/ 742595 w 1101953"/>
-              <a:gd name="connsiteY1" fmla="*/ 79371 h 438729"/>
-              <a:gd name="connsiteX2" fmla="*/ 1101953 w 1101953"/>
-              <a:gd name="connsiteY2" fmla="*/ 438729 h 438729"/>
-              <a:gd name="connsiteX3" fmla="*/ 0 w 1101953"/>
-              <a:gd name="connsiteY3" fmla="*/ 438729 h 438729"/>
-              <a:gd name="connsiteX4" fmla="*/ 359358 w 1101953"/>
-              <a:gd name="connsiteY4" fmla="*/ 79371 h 438729"/>
-              <a:gd name="connsiteX5" fmla="*/ 550977 w 1101953"/>
-              <a:gd name="connsiteY5" fmla="*/ 0 h 438729"/>
-            </a:gdLst>
-            <a:ahLst/>
-            <a:cxnLst>
-              <a:cxn ang="0">
-                <a:pos x="connsiteX0" y="connsiteY0"/>
-              </a:cxn>
-              <a:cxn ang="0">
-                <a:pos x="connsiteX1" y="connsiteY1"/>
-              </a:cxn>
-              <a:cxn ang="0">
-                <a:pos x="connsiteX2" y="connsiteY2"/>
-              </a:cxn>
-              <a:cxn ang="0">
-                <a:pos x="connsiteX3" y="connsiteY3"/>
-              </a:cxn>
-              <a:cxn ang="0">
-                <a:pos x="connsiteX4" y="connsiteY4"/>
-              </a:cxn>
-              <a:cxn ang="0">
-                <a:pos x="connsiteX5" y="connsiteY5"/>
-              </a:cxn>
-            </a:cxnLst>
-            <a:rect l="l" t="t" r="r" b="b"/>
-            <a:pathLst>
-              <a:path w="1101953" h="438729">
-                <a:moveTo>
-                  <a:pt x="550977" y="0"/>
-                </a:moveTo>
-                <a:cubicBezTo>
-                  <a:pt x="620329" y="0"/>
-                  <a:pt x="689681" y="26457"/>
-                  <a:pt x="742595" y="79371"/>
-                </a:cubicBezTo>
-                <a:lnTo>
-                  <a:pt x="1101953" y="438729"/>
-                </a:lnTo>
-                <a:lnTo>
-                  <a:pt x="0" y="438729"/>
-                </a:lnTo>
-                <a:lnTo>
-                  <a:pt x="359358" y="79371"/>
-                </a:lnTo>
-                <a:cubicBezTo>
-                  <a:pt x="412272" y="26457"/>
-                  <a:pt x="481624" y="0"/>
-                  <a:pt x="550977" y="0"/>
-                </a:cubicBezTo>
-                <a:close/>
-              </a:path>
-            </a:pathLst>
-          </a:custGeom>
-          <a:solidFill>
-            <a:srgbClr val="02868F"/>
-          </a:solidFill>
-          <a:ln>
-            <a:noFill/>
-          </a:ln>
-        </p:spPr>
-        <p:style>
-          <a:lnRef idx="2">
-            <a:schemeClr val="accent1">
-              <a:shade val="50000"/>
-            </a:schemeClr>
-          </a:lnRef>
-          <a:fillRef idx="1">
-            <a:schemeClr val="accent1"/>
-          </a:fillRef>
-          <a:effectRef idx="0">
-            <a:schemeClr val="accent1"/>
-          </a:effectRef>
-          <a:fontRef idx="minor">
-            <a:schemeClr val="lt1"/>
-          </a:fontRef>
-        </p:style>
-        <p:txBody>
-          <a:bodyPr rtlCol="0" anchor="ctr"/>
-          <a:lstStyle/>
-          <a:p>
-            <a:pPr algn="ctr"/>
-            <a:endParaRPr lang="zh-CN" altLang="en-US">
-              <a:latin typeface="Arial" panose="020B0604020202020204" pitchFamily="34" charset="0"/>
-              <a:ea typeface="Droid Sans Fallback" panose="020B0502000000000001" pitchFamily="50" charset="-128"/>
-              <a:cs typeface="Arial" panose="020B0604020202020204" pitchFamily="34" charset="0"/>
-              <a:sym typeface="Arial" panose="020B0604020202020204" pitchFamily="34" charset="0"/>
-            </a:endParaRPr>
-          </a:p>
-        </p:txBody>
-      </p:sp>
-      <p:sp>
-        <p:nvSpPr>
-          <p:cNvPr id="25" name="稻壳儿春秋广告/盗版必究        原创来源：http://chn.docer.com/works?userid=199329941#!/work_time"/>
+      <p:pic>
+        <p:nvPicPr>
+          <p:cNvPr id="11" name="Изображение 10" descr="zaiz"/>
+          <p:cNvPicPr>
+            <a:picLocks noChangeAspect="1"/>
+          </p:cNvPicPr>
+          <p:nvPr/>
+        </p:nvPicPr>
+        <p:blipFill>
+          <a:blip r:embed="rId4"/>
+          <a:stretch>
+            <a:fillRect/>
+          </a:stretch>
+        </p:blipFill>
+        <p:spPr>
+          <a:xfrm>
+            <a:off x="10146030" y="2931795"/>
+            <a:ext cx="965200" cy="965200"/>
+          </a:xfrm>
+          <a:prstGeom prst="rect">
+            <a:avLst/>
+          </a:prstGeom>
+        </p:spPr>
+      </p:pic>
+      <p:sp>
+        <p:nvSpPr>
+          <p:cNvPr id="12" name="Текстовое поле 11"/>
           <p:cNvSpPr txBox="1"/>
           <p:nvPr/>
         </p:nvSpPr>
         <p:spPr>
           <a:xfrm>
-            <a:off x="4399281" y="392370"/>
-            <a:ext cx="3393438" cy="398780"/>
+            <a:off x="10181590" y="2563495"/>
+            <a:ext cx="4064000" cy="368300"/>
           </a:xfrm>
           <a:prstGeom prst="rect">
             <a:avLst/>
@@ -11261,64 +13023,52 @@
           <a:bodyPr wrap="square" rtlCol="0">
             <a:spAutoFit/>
           </a:bodyPr>
-          <a:lstStyle/>
-          <a:p>
-            <a:pPr algn="ctr"/>
+          <a:p>
             <a:r>
-              <a:rPr lang="ru-RU" altLang="en-US" sz="2000" dirty="0">
-                <a:latin typeface="Arial" panose="020B0604020202020204" pitchFamily="34" charset="0"/>
-                <a:ea typeface="Droid Sans Fallback" panose="020B0502000000000001" pitchFamily="50" charset="-128"/>
-                <a:cs typeface="Arial" panose="020B0604020202020204" pitchFamily="34" charset="0"/>
-                <a:sym typeface="Arial" panose="020B0604020202020204" pitchFamily="34" charset="0"/>
-              </a:rPr>
-              <a:t>Системы и показатели</a:t>
+              <a:rPr lang="ru-RU" altLang="en-US"/>
+              <a:t>заяц</a:t>
             </a:r>
-            <a:endParaRPr lang="ru-RU" altLang="en-US" sz="2000" dirty="0">
-              <a:latin typeface="Arial" panose="020B0604020202020204" pitchFamily="34" charset="0"/>
-              <a:ea typeface="Droid Sans Fallback" panose="020B0502000000000001" pitchFamily="50" charset="-128"/>
-              <a:cs typeface="Arial" panose="020B0604020202020204" pitchFamily="34" charset="0"/>
-              <a:sym typeface="Arial" panose="020B0604020202020204" pitchFamily="34" charset="0"/>
-            </a:endParaRPr>
+            <a:endParaRPr lang="ru-RU" altLang="en-US"/>
           </a:p>
         </p:txBody>
       </p:sp>
       <p:graphicFrame>
         <p:nvGraphicFramePr>
-          <p:cNvPr id="2" name="Объект 1"/>
+          <p:cNvPr id="13" name="Объект 12"/>
           <p:cNvGraphicFramePr/>
           <p:nvPr/>
         </p:nvGraphicFramePr>
         <p:xfrm>
-          <a:off x="923290" y="2110105"/>
-          <a:ext cx="3786505" cy="1673225"/>
+          <a:off x="2979420" y="1478280"/>
+          <a:ext cx="1969135" cy="984885"/>
         </p:xfrm>
         <a:graphic>
           <a:graphicData uri="http://schemas.openxmlformats.org/presentationml/2006/ole">
             <mc:AlternateContent xmlns:mc="http://schemas.openxmlformats.org/markup-compatibility/2006">
               <mc:Choice xmlns:v="urn:schemas-microsoft-com:vml" Requires="v">
-                <p:oleObj spid="_x0000_s3" name="" r:id="rId1" imgW="1219200" imgH="504825" progId="Paint.Picture">
+                <p:oleObj spid="_x0000_s14" name="" r:id="rId5" imgW="866775" imgH="404495" progId="Paint.Picture">
                   <p:embed/>
                 </p:oleObj>
               </mc:Choice>
               <mc:Fallback>
-                <p:oleObj name="" r:id="rId1" imgW="1219200" imgH="504825" progId="Paint.Picture">
+                <p:oleObj name="" r:id="rId5" imgW="866775" imgH="404495" progId="Paint.Picture">
                   <p:embed/>
                   <p:pic>
                     <p:nvPicPr>
-                      <p:cNvPr id="0" name="Изображение 2"/>
+                      <p:cNvPr id="0" name="Изображение 13"/>
                       <p:cNvPicPr/>
                       <p:nvPr/>
                     </p:nvPicPr>
                     <p:blipFill>
-                      <a:blip r:embed="rId2"/>
+                      <a:blip r:embed="rId6"/>
                       <a:stretch>
                         <a:fillRect/>
                       </a:stretch>
                     </p:blipFill>
                     <p:spPr>
                       <a:xfrm>
-                        <a:off x="923290" y="2110105"/>
-                        <a:ext cx="3786505" cy="1673225"/>
+                        <a:off x="2979420" y="1478280"/>
+                        <a:ext cx="1969135" cy="984885"/>
                       </a:xfrm>
                       <a:prstGeom prst="rect">
                         <a:avLst/>
@@ -11333,41 +13083,41 @@
       </p:graphicFrame>
       <p:graphicFrame>
         <p:nvGraphicFramePr>
-          <p:cNvPr id="5" name="Объект 4"/>
+          <p:cNvPr id="16" name="Объект 15"/>
           <p:cNvGraphicFramePr/>
           <p:nvPr/>
         </p:nvGraphicFramePr>
         <p:xfrm>
-          <a:off x="6185535" y="2241550"/>
-          <a:ext cx="5550535" cy="1542415"/>
+          <a:off x="7200265" y="1478280"/>
+          <a:ext cx="2082165" cy="1021080"/>
         </p:xfrm>
         <a:graphic>
           <a:graphicData uri="http://schemas.openxmlformats.org/presentationml/2006/ole">
             <mc:AlternateContent xmlns:mc="http://schemas.openxmlformats.org/markup-compatibility/2006">
               <mc:Choice xmlns:v="urn:schemas-microsoft-com:vml" Requires="v">
-                <p:oleObj spid="_x0000_s11" name="" r:id="rId3" imgW="2386330" imgH="585470" progId="Paint.Picture">
+                <p:oleObj spid="_x0000_s17" name="" r:id="rId7" imgW="923925" imgH="471805" progId="Paint.Picture">
                   <p:embed/>
                 </p:oleObj>
               </mc:Choice>
               <mc:Fallback>
-                <p:oleObj name="" r:id="rId3" imgW="2386330" imgH="585470" progId="Paint.Picture">
+                <p:oleObj name="" r:id="rId7" imgW="923925" imgH="471805" progId="Paint.Picture">
                   <p:embed/>
                   <p:pic>
                     <p:nvPicPr>
-                      <p:cNvPr id="0" name="Изображение 10"/>
+                      <p:cNvPr id="0" name="Изображение 16"/>
                       <p:cNvPicPr/>
                       <p:nvPr/>
                     </p:nvPicPr>
                     <p:blipFill>
-                      <a:blip r:embed="rId4"/>
+                      <a:blip r:embed="rId8"/>
                       <a:stretch>
                         <a:fillRect/>
                       </a:stretch>
                     </p:blipFill>
                     <p:spPr>
                       <a:xfrm>
-                        <a:off x="6185535" y="2241550"/>
-                        <a:ext cx="5550535" cy="1542415"/>
+                        <a:off x="7200265" y="1478280"/>
+                        <a:ext cx="2082165" cy="1021080"/>
                       </a:xfrm>
                       <a:prstGeom prst="rect">
                         <a:avLst/>
@@ -11382,13 +13132,13 @@
       </p:graphicFrame>
       <p:sp>
         <p:nvSpPr>
-          <p:cNvPr id="12" name="Текстовое поле 11"/>
+          <p:cNvPr id="18" name="Текстовое поле 17"/>
           <p:cNvSpPr txBox="1"/>
           <p:nvPr/>
         </p:nvSpPr>
         <p:spPr>
           <a:xfrm>
-            <a:off x="1510030" y="1525905"/>
+            <a:off x="7089775" y="1045845"/>
             <a:ext cx="4064000" cy="368300"/>
           </a:xfrm>
           <a:prstGeom prst="rect">
@@ -11403,7 +13153,7 @@
           <a:p>
             <a:r>
               <a:rPr lang="ru-RU" altLang="en-US"/>
-              <a:t>крафтовая система</a:t>
+              <a:t>режим строительства</a:t>
             </a:r>
             <a:endParaRPr lang="ru-RU" altLang="en-US"/>
           </a:p>
@@ -11411,13 +13161,13 @@
       </p:sp>
       <p:sp>
         <p:nvSpPr>
-          <p:cNvPr id="13" name="Текстовое поле 12"/>
+          <p:cNvPr id="19" name="Текстовое поле 18"/>
           <p:cNvSpPr txBox="1"/>
           <p:nvPr/>
         </p:nvSpPr>
         <p:spPr>
           <a:xfrm>
-            <a:off x="7164705" y="1632585"/>
+            <a:off x="2727960" y="1109980"/>
             <a:ext cx="4064000" cy="368300"/>
           </a:xfrm>
           <a:prstGeom prst="rect">
@@ -11432,7 +13182,7 @@
           <a:p>
             <a:r>
               <a:rPr lang="ru-RU" altLang="en-US"/>
-              <a:t>инвентарь и показатели</a:t>
+              <a:t>когда предмет в руках</a:t>
             </a:r>
             <a:endParaRPr lang="ru-RU" altLang="en-US"/>
           </a:p>
@@ -11440,30 +13190,277 @@
       </p:sp>
       <p:sp>
         <p:nvSpPr>
-          <p:cNvPr id="17" name="Текстовое поле 16"/>
-          <p:cNvSpPr txBox="1"/>
-          <p:nvPr/>
-        </p:nvSpPr>
-        <p:spPr>
-          <a:xfrm>
-            <a:off x="3848100" y="4204335"/>
-            <a:ext cx="4064000" cy="922020"/>
-          </a:xfrm>
-          <a:prstGeom prst="rect">
-            <a:avLst/>
-          </a:prstGeom>
-          <a:noFill/>
-        </p:spPr>
-        <p:txBody>
-          <a:bodyPr wrap="square" rtlCol="0">
-            <a:spAutoFit/>
-          </a:bodyPr>
-          <a:p>
-            <a:r>
-              <a:rPr lang="ru-RU" altLang="en-US"/>
-              <a:t>если у вас не будет ресурсов, то вы не сможете создать нужный вам предмет</a:t>
-            </a:r>
-            <a:endParaRPr lang="ru-RU" altLang="en-US"/>
+          <p:cNvPr id="20" name="稻壳儿春秋广告/盗版必究        原创来源：http://chn.docer.com/works?userid=199329941#!/work_time"/>
+          <p:cNvSpPr/>
+          <p:nvPr/>
+        </p:nvSpPr>
+        <p:spPr>
+          <a:xfrm rot="2700000">
+            <a:off x="149176" y="5897103"/>
+            <a:ext cx="1142946" cy="1142946"/>
+          </a:xfrm>
+          <a:prstGeom prst="roundRect">
+            <a:avLst/>
+          </a:prstGeom>
+          <a:solidFill>
+            <a:srgbClr val="0B506C"/>
+          </a:solidFill>
+          <a:ln>
+            <a:noFill/>
+          </a:ln>
+        </p:spPr>
+        <p:style>
+          <a:lnRef idx="2">
+            <a:schemeClr val="accent1">
+              <a:shade val="50000"/>
+            </a:schemeClr>
+          </a:lnRef>
+          <a:fillRef idx="1">
+            <a:schemeClr val="accent1"/>
+          </a:fillRef>
+          <a:effectRef idx="0">
+            <a:schemeClr val="accent1"/>
+          </a:effectRef>
+          <a:fontRef idx="minor">
+            <a:schemeClr val="lt1"/>
+          </a:fontRef>
+        </p:style>
+        <p:txBody>
+          <a:bodyPr rtlCol="0" anchor="ctr"/>
+          <a:p>
+            <a:pPr marL="0" marR="0" lvl="0" indent="0" algn="ctr" defTabSz="914400" rtl="0" eaLnBrk="1" fontAlgn="auto" latinLnBrk="0" hangingPunct="1">
+              <a:lnSpc>
+                <a:spcPct val="100000"/>
+              </a:lnSpc>
+              <a:spcBef>
+                <a:spcPts val="0"/>
+              </a:spcBef>
+              <a:spcAft>
+                <a:spcPts val="0"/>
+              </a:spcAft>
+              <a:buClrTx/>
+              <a:buSzTx/>
+              <a:buFontTx/>
+              <a:buNone/>
+              <a:defRPr/>
+            </a:pPr>
+            <a:endParaRPr kumimoji="0" lang="zh-CN" altLang="en-US" sz="1800" b="0" i="0" u="none" strike="noStrike" kern="1200" cap="none" spc="0" normalizeH="0" baseline="0" noProof="0">
+              <a:ln>
+                <a:noFill/>
+              </a:ln>
+              <a:solidFill>
+                <a:prstClr val="white"/>
+              </a:solidFill>
+              <a:effectLst/>
+              <a:uLnTx/>
+              <a:uFillTx/>
+              <a:latin typeface="Arial" panose="020B0604020202020204" pitchFamily="34" charset="0"/>
+              <a:ea typeface="Droid Sans Fallback" panose="020B0502000000000001" pitchFamily="50" charset="-128"/>
+              <a:cs typeface="Arial" panose="020B0604020202020204" pitchFamily="34" charset="0"/>
+              <a:sym typeface="Arial" panose="020B0604020202020204" pitchFamily="34" charset="0"/>
+            </a:endParaRPr>
+          </a:p>
+        </p:txBody>
+      </p:sp>
+      <p:sp>
+        <p:nvSpPr>
+          <p:cNvPr id="22" name="稻壳儿春秋广告/盗版必究        原创来源：http://chn.docer.com/works?userid=199329941#!/work_time"/>
+          <p:cNvSpPr/>
+          <p:nvPr/>
+        </p:nvSpPr>
+        <p:spPr>
+          <a:xfrm rot="2700000">
+            <a:off x="8525522" y="-2033816"/>
+            <a:ext cx="2998691" cy="2998690"/>
+          </a:xfrm>
+          <a:prstGeom prst="roundRect">
+            <a:avLst/>
+          </a:prstGeom>
+          <a:solidFill>
+            <a:srgbClr val="2A2625"/>
+          </a:solidFill>
+          <a:ln>
+            <a:noFill/>
+          </a:ln>
+        </p:spPr>
+        <p:style>
+          <a:lnRef idx="2">
+            <a:schemeClr val="accent1">
+              <a:shade val="50000"/>
+            </a:schemeClr>
+          </a:lnRef>
+          <a:fillRef idx="1">
+            <a:schemeClr val="accent1"/>
+          </a:fillRef>
+          <a:effectRef idx="0">
+            <a:schemeClr val="accent1"/>
+          </a:effectRef>
+          <a:fontRef idx="minor">
+            <a:schemeClr val="lt1"/>
+          </a:fontRef>
+        </p:style>
+        <p:txBody>
+          <a:bodyPr rtlCol="0" anchor="ctr"/>
+          <a:p>
+            <a:pPr algn="ctr"/>
+            <a:endParaRPr lang="zh-CN" altLang="en-US" dirty="0">
+              <a:latin typeface="Arial" panose="020B0604020202020204" pitchFamily="34" charset="0"/>
+              <a:ea typeface="Droid Sans Fallback" panose="020B0502000000000001" pitchFamily="50" charset="-128"/>
+              <a:cs typeface="Arial" panose="020B0604020202020204" pitchFamily="34" charset="0"/>
+              <a:sym typeface="Arial" panose="020B0604020202020204" pitchFamily="34" charset="0"/>
+            </a:endParaRPr>
+          </a:p>
+        </p:txBody>
+      </p:sp>
+      <p:sp>
+        <p:nvSpPr>
+          <p:cNvPr id="23" name="稻壳儿春秋广告/盗版必究        原创来源：http://chn.docer.com/works?userid=199329941#!/work_time"/>
+          <p:cNvSpPr/>
+          <p:nvPr/>
+        </p:nvSpPr>
+        <p:spPr>
+          <a:xfrm rot="2700000">
+            <a:off x="9297521" y="-2510028"/>
+            <a:ext cx="3713986" cy="3713985"/>
+          </a:xfrm>
+          <a:prstGeom prst="roundRect">
+            <a:avLst/>
+          </a:prstGeom>
+          <a:solidFill>
+            <a:srgbClr val="F67654"/>
+          </a:solidFill>
+          <a:ln>
+            <a:noFill/>
+          </a:ln>
+        </p:spPr>
+        <p:style>
+          <a:lnRef idx="2">
+            <a:schemeClr val="accent1">
+              <a:shade val="50000"/>
+            </a:schemeClr>
+          </a:lnRef>
+          <a:fillRef idx="1">
+            <a:schemeClr val="accent1"/>
+          </a:fillRef>
+          <a:effectRef idx="0">
+            <a:schemeClr val="accent1"/>
+          </a:effectRef>
+          <a:fontRef idx="minor">
+            <a:schemeClr val="lt1"/>
+          </a:fontRef>
+        </p:style>
+        <p:txBody>
+          <a:bodyPr rtlCol="0" anchor="ctr"/>
+          <a:p>
+            <a:pPr algn="ctr"/>
+            <a:endParaRPr lang="zh-CN" altLang="en-US">
+              <a:latin typeface="Arial" panose="020B0604020202020204" pitchFamily="34" charset="0"/>
+              <a:ea typeface="Droid Sans Fallback" panose="020B0502000000000001" pitchFamily="50" charset="-128"/>
+              <a:cs typeface="Arial" panose="020B0604020202020204" pitchFamily="34" charset="0"/>
+              <a:sym typeface="Arial" panose="020B0604020202020204" pitchFamily="34" charset="0"/>
+            </a:endParaRPr>
+          </a:p>
+        </p:txBody>
+      </p:sp>
+      <p:sp>
+        <p:nvSpPr>
+          <p:cNvPr id="24" name="稻壳儿春秋广告/盗版必究        原创来源：http://chn.docer.com/works?userid=199329941#!/work_time"/>
+          <p:cNvSpPr/>
+          <p:nvPr/>
+        </p:nvSpPr>
+        <p:spPr>
+          <a:xfrm rot="2700000">
+            <a:off x="836307" y="5530304"/>
+            <a:ext cx="2998691" cy="2998690"/>
+          </a:xfrm>
+          <a:prstGeom prst="roundRect">
+            <a:avLst/>
+          </a:prstGeom>
+          <a:solidFill>
+            <a:srgbClr val="2A2625"/>
+          </a:solidFill>
+          <a:ln>
+            <a:noFill/>
+          </a:ln>
+        </p:spPr>
+        <p:style>
+          <a:lnRef idx="2">
+            <a:schemeClr val="accent1">
+              <a:shade val="50000"/>
+            </a:schemeClr>
+          </a:lnRef>
+          <a:fillRef idx="1">
+            <a:schemeClr val="accent1"/>
+          </a:fillRef>
+          <a:effectRef idx="0">
+            <a:schemeClr val="accent1"/>
+          </a:effectRef>
+          <a:fontRef idx="minor">
+            <a:schemeClr val="lt1"/>
+          </a:fontRef>
+        </p:style>
+        <p:txBody>
+          <a:bodyPr rtlCol="0" anchor="ctr"/>
+          <a:lstStyle/>
+          <a:p>
+            <a:pPr algn="ctr"/>
+            <a:endParaRPr lang="zh-CN" altLang="en-US" dirty="0">
+              <a:latin typeface="Arial" panose="020B0604020202020204" pitchFamily="34" charset="0"/>
+              <a:ea typeface="Droid Sans Fallback" panose="020B0502000000000001" pitchFamily="50" charset="-128"/>
+              <a:cs typeface="Arial" panose="020B0604020202020204" pitchFamily="34" charset="0"/>
+              <a:sym typeface="Arial" panose="020B0604020202020204" pitchFamily="34" charset="0"/>
+            </a:endParaRPr>
+          </a:p>
+        </p:txBody>
+      </p:sp>
+      <p:sp>
+        <p:nvSpPr>
+          <p:cNvPr id="26" name="稻壳儿春秋广告/盗版必究        原创来源：http://chn.docer.com/works?userid=199329941#!/work_time"/>
+          <p:cNvSpPr/>
+          <p:nvPr/>
+        </p:nvSpPr>
+        <p:spPr>
+          <a:xfrm rot="2700000">
+            <a:off x="1608306" y="5054092"/>
+            <a:ext cx="3713986" cy="3713985"/>
+          </a:xfrm>
+          <a:prstGeom prst="roundRect">
+            <a:avLst/>
+          </a:prstGeom>
+          <a:solidFill>
+            <a:srgbClr val="F67654"/>
+          </a:solidFill>
+          <a:ln>
+            <a:noFill/>
+          </a:ln>
+        </p:spPr>
+        <p:style>
+          <a:lnRef idx="2">
+            <a:schemeClr val="accent1">
+              <a:shade val="50000"/>
+            </a:schemeClr>
+          </a:lnRef>
+          <a:fillRef idx="1">
+            <a:schemeClr val="accent1"/>
+          </a:fillRef>
+          <a:effectRef idx="0">
+            <a:schemeClr val="accent1"/>
+          </a:effectRef>
+          <a:fontRef idx="minor">
+            <a:schemeClr val="lt1"/>
+          </a:fontRef>
+        </p:style>
+        <p:txBody>
+          <a:bodyPr rtlCol="0" anchor="ctr"/>
+          <a:lstStyle/>
+          <a:p>
+            <a:pPr algn="ctr"/>
+            <a:endParaRPr lang="zh-CN" altLang="en-US">
+              <a:latin typeface="Arial" panose="020B0604020202020204" pitchFamily="34" charset="0"/>
+              <a:ea typeface="Droid Sans Fallback" panose="020B0502000000000001" pitchFamily="50" charset="-128"/>
+              <a:cs typeface="Arial" panose="020B0604020202020204" pitchFamily="34" charset="0"/>
+              <a:sym typeface="Arial" panose="020B0604020202020204" pitchFamily="34" charset="0"/>
+            </a:endParaRPr>
           </a:p>
         </p:txBody>
       </p:sp>
